--- a/qpcr/qPCR-validation-protocol-template.pptx
+++ b/qpcr/qPCR-validation-protocol-template.pptx
@@ -5,19 +5,20 @@
     <p:sldMasterId id="2147483648" r:id="rId1"/>
   </p:sldMasterIdLst>
   <p:notesMasterIdLst>
-    <p:notesMasterId r:id="rId12"/>
+    <p:notesMasterId r:id="rId13"/>
   </p:notesMasterIdLst>
   <p:sldIdLst>
     <p:sldId id="257" r:id="rId2"/>
     <p:sldId id="258" r:id="rId3"/>
     <p:sldId id="259" r:id="rId4"/>
-    <p:sldId id="270" r:id="rId5"/>
-    <p:sldId id="260" r:id="rId6"/>
-    <p:sldId id="261" r:id="rId7"/>
-    <p:sldId id="262" r:id="rId8"/>
-    <p:sldId id="263" r:id="rId9"/>
-    <p:sldId id="264" r:id="rId10"/>
-    <p:sldId id="265" r:id="rId11"/>
+    <p:sldId id="271" r:id="rId5"/>
+    <p:sldId id="270" r:id="rId6"/>
+    <p:sldId id="260" r:id="rId7"/>
+    <p:sldId id="261" r:id="rId8"/>
+    <p:sldId id="262" r:id="rId9"/>
+    <p:sldId id="263" r:id="rId10"/>
+    <p:sldId id="264" r:id="rId11"/>
+    <p:sldId id="265" r:id="rId12"/>
   </p:sldIdLst>
   <p:sldSz cx="9144000" cy="6858000" type="screen4x3"/>
   <p:notesSz cx="6858000" cy="9144000"/>
@@ -201,7 +202,7 @@
           <a:p>
             <a:fld id="{1E955E70-64E8-0A4B-AD44-5EB99FB60343}" type="datetimeFigureOut">
               <a:rPr lang="en-US" smtClean="0"/>
-              <a:t>2/4/17</a:t>
+              <a:t>2/5/17</a:t>
             </a:fld>
             <a:endParaRPr lang="en-US"/>
           </a:p>
@@ -513,236 +514,6 @@
           <a:bodyPr/>
           <a:lstStyle/>
           <a:p>
-            <a:r>
-              <a:rPr lang="ro-RO" sz="1200" dirty="0" smtClean="0"/>
-              <a:t>For Human:</a:t>
-            </a:r>
-          </a:p>
-          <a:p>
-            <a:r>
-              <a:rPr lang="en-US" sz="1200" dirty="0" smtClean="0"/>
-              <a:t>Starting concentration is 0.5 </a:t>
-            </a:r>
-            <a:r>
-              <a:rPr lang="en-US" sz="1200" dirty="0" err="1" smtClean="0"/>
-              <a:t>ng</a:t>
-            </a:r>
-            <a:r>
-              <a:rPr lang="en-US" sz="1200" dirty="0" smtClean="0"/>
-              <a:t>/</a:t>
-            </a:r>
-            <a:r>
-              <a:rPr lang="en-US" sz="1200" dirty="0" err="1" smtClean="0"/>
-              <a:t>ul</a:t>
-            </a:r>
-            <a:r>
-              <a:rPr lang="en-US" sz="1200" dirty="0" smtClean="0"/>
-              <a:t> and will use 2 </a:t>
-            </a:r>
-            <a:r>
-              <a:rPr lang="en-US" sz="1200" dirty="0" err="1" smtClean="0"/>
-              <a:t>ul</a:t>
-            </a:r>
-            <a:r>
-              <a:rPr lang="en-US" sz="1200" dirty="0" smtClean="0"/>
-              <a:t> per reaction.</a:t>
-            </a:r>
-            <a:r>
-              <a:rPr lang="en-US" sz="1200" b="1" u="sng" dirty="0" smtClean="0"/>
-              <a:t> </a:t>
-            </a:r>
-            <a:r>
-              <a:rPr lang="en-US" sz="1200" b="1" u="sng" dirty="0" err="1" smtClean="0"/>
-              <a:t>Qubit</a:t>
-            </a:r>
-            <a:r>
-              <a:rPr lang="en-US" sz="1200" b="1" u="sng" dirty="0" smtClean="0"/>
-              <a:t> </a:t>
-            </a:r>
-            <a:r>
-              <a:rPr lang="en-US" sz="1200" dirty="0" err="1" smtClean="0"/>
-              <a:t>gDNA</a:t>
-            </a:r>
-            <a:r>
-              <a:rPr lang="en-US" sz="1200" dirty="0" smtClean="0"/>
-              <a:t> first to get concentration. </a:t>
-            </a:r>
-          </a:p>
-          <a:p>
-            <a:r>
-              <a:rPr lang="en-US" sz="1200" dirty="0" smtClean="0"/>
-              <a:t>Then dilute down to 1 </a:t>
-            </a:r>
-            <a:r>
-              <a:rPr lang="en-US" sz="1200" dirty="0" err="1" smtClean="0"/>
-              <a:t>ng</a:t>
-            </a:r>
-            <a:r>
-              <a:rPr lang="en-US" sz="1200" dirty="0" smtClean="0"/>
-              <a:t>/</a:t>
-            </a:r>
-            <a:r>
-              <a:rPr lang="en-US" sz="1200" dirty="0" err="1" smtClean="0"/>
-              <a:t>ul</a:t>
-            </a:r>
-            <a:r>
-              <a:rPr lang="en-US" sz="1200" dirty="0" smtClean="0"/>
-              <a:t> in sufficient volume for all reactions (24/plate) and dilution series.</a:t>
-            </a:r>
-          </a:p>
-          <a:p>
-            <a:r>
-              <a:rPr lang="en-US" sz="1200" dirty="0" smtClean="0"/>
-              <a:t> This is 1:1. Need at least 48 </a:t>
-            </a:r>
-            <a:r>
-              <a:rPr lang="en-US" sz="1200" dirty="0" err="1" smtClean="0"/>
-              <a:t>ul</a:t>
-            </a:r>
-            <a:r>
-              <a:rPr lang="en-US" sz="1200" dirty="0" smtClean="0"/>
-              <a:t> at 2 </a:t>
-            </a:r>
-            <a:r>
-              <a:rPr lang="en-US" sz="1200" dirty="0" err="1" smtClean="0"/>
-              <a:t>ul</a:t>
-            </a:r>
-            <a:r>
-              <a:rPr lang="en-US" sz="1200" dirty="0" smtClean="0"/>
-              <a:t> per reaction, 24 </a:t>
-            </a:r>
-            <a:r>
-              <a:rPr lang="en-US" sz="1200" dirty="0" err="1" smtClean="0"/>
-              <a:t>rxn</a:t>
-            </a:r>
-            <a:r>
-              <a:rPr lang="en-US" sz="1200" dirty="0" smtClean="0"/>
-              <a:t> per plate + 10 </a:t>
-            </a:r>
-            <a:r>
-              <a:rPr lang="en-US" sz="1200" dirty="0" err="1" smtClean="0"/>
-              <a:t>ul</a:t>
-            </a:r>
-            <a:r>
-              <a:rPr lang="en-US" sz="1200" dirty="0" smtClean="0"/>
-              <a:t> for dilution + </a:t>
-            </a:r>
-            <a:r>
-              <a:rPr lang="en-US" sz="1200" dirty="0" err="1" smtClean="0"/>
-              <a:t>pipeting</a:t>
-            </a:r>
-            <a:r>
-              <a:rPr lang="en-US" sz="1200" dirty="0" smtClean="0"/>
-              <a:t> error. So need &gt;60 </a:t>
-            </a:r>
-            <a:r>
-              <a:rPr lang="en-US" sz="1200" dirty="0" err="1" smtClean="0"/>
-              <a:t>ul</a:t>
-            </a:r>
-            <a:r>
-              <a:rPr lang="en-US" sz="1200" dirty="0" smtClean="0"/>
-              <a:t> – get 70 </a:t>
-            </a:r>
-            <a:r>
-              <a:rPr lang="en-US" sz="1200" dirty="0" err="1" smtClean="0"/>
-              <a:t>ul</a:t>
-            </a:r>
-            <a:r>
-              <a:rPr lang="en-US" sz="1200" dirty="0" smtClean="0"/>
-              <a:t> at 0.5 </a:t>
-            </a:r>
-            <a:r>
-              <a:rPr lang="en-US" sz="1200" dirty="0" err="1" smtClean="0"/>
-              <a:t>ng</a:t>
-            </a:r>
-            <a:r>
-              <a:rPr lang="en-US" sz="1200" dirty="0" smtClean="0"/>
-              <a:t>/</a:t>
-            </a:r>
-            <a:r>
-              <a:rPr lang="en-US" sz="1200" dirty="0" err="1" smtClean="0"/>
-              <a:t>ul</a:t>
-            </a:r>
-            <a:r>
-              <a:rPr lang="en-US" sz="1200" dirty="0" smtClean="0"/>
-              <a:t> (35 </a:t>
-            </a:r>
-            <a:r>
-              <a:rPr lang="en-US" sz="1200" dirty="0" err="1" smtClean="0"/>
-              <a:t>ng</a:t>
-            </a:r>
-            <a:r>
-              <a:rPr lang="en-US" sz="1200" dirty="0" smtClean="0"/>
-              <a:t> total is all you need per 96-well validation plate). </a:t>
-            </a:r>
-          </a:p>
-          <a:p>
-            <a:r>
-              <a:rPr lang="en-US" sz="1200" dirty="0" smtClean="0"/>
-              <a:t>Make 1:10 by combining 10 </a:t>
-            </a:r>
-            <a:r>
-              <a:rPr lang="en-US" sz="1200" dirty="0" err="1" smtClean="0"/>
-              <a:t>ul</a:t>
-            </a:r>
-            <a:r>
-              <a:rPr lang="en-US" sz="1200" dirty="0" smtClean="0"/>
-              <a:t> 1:1 with 90 </a:t>
-            </a:r>
-            <a:r>
-              <a:rPr lang="en-US" sz="1200" dirty="0" err="1" smtClean="0"/>
-              <a:t>ul</a:t>
-            </a:r>
-            <a:r>
-              <a:rPr lang="en-US" sz="1200" dirty="0" smtClean="0"/>
-              <a:t> UPW.        [[Use new tips!]]</a:t>
-            </a:r>
-          </a:p>
-          <a:p>
-            <a:r>
-              <a:rPr lang="en-US" sz="1200" dirty="0" smtClean="0"/>
-              <a:t>Make 1:100 by combining 10 </a:t>
-            </a:r>
-            <a:r>
-              <a:rPr lang="en-US" sz="1200" dirty="0" err="1" smtClean="0"/>
-              <a:t>ul</a:t>
-            </a:r>
-            <a:r>
-              <a:rPr lang="en-US" sz="1200" dirty="0" smtClean="0"/>
-              <a:t> 1:10 with 90 </a:t>
-            </a:r>
-            <a:r>
-              <a:rPr lang="en-US" sz="1200" dirty="0" err="1" smtClean="0"/>
-              <a:t>ul</a:t>
-            </a:r>
-            <a:r>
-              <a:rPr lang="en-US" sz="1200" dirty="0" smtClean="0"/>
-              <a:t> UPW.      [[Use new tips!]]</a:t>
-            </a:r>
-          </a:p>
-          <a:p>
-            <a:r>
-              <a:rPr lang="en-US" sz="1200" dirty="0" smtClean="0"/>
-              <a:t>Make 1:1000 by combining 10 </a:t>
-            </a:r>
-            <a:r>
-              <a:rPr lang="en-US" sz="1200" dirty="0" err="1" smtClean="0"/>
-              <a:t>ul</a:t>
-            </a:r>
-            <a:r>
-              <a:rPr lang="en-US" sz="1200" dirty="0" smtClean="0"/>
-              <a:t> 1:100 with 90 </a:t>
-            </a:r>
-            <a:r>
-              <a:rPr lang="en-US" sz="1200" dirty="0" err="1" smtClean="0"/>
-              <a:t>ul</a:t>
-            </a:r>
-            <a:r>
-              <a:rPr lang="en-US" sz="1200" dirty="0" smtClean="0"/>
-              <a:t> UPW.   [[Use new tips!]]</a:t>
-            </a:r>
-          </a:p>
-          <a:p>
             <a:endParaRPr lang="en-US" dirty="0"/>
           </a:p>
         </p:txBody>
@@ -827,6 +598,1028 @@
           <a:bodyPr/>
           <a:lstStyle/>
           <a:p>
+            <a:r>
+              <a:rPr lang="en-US" dirty="0" smtClean="0"/>
+              <a:t>YEAST:</a:t>
+            </a:r>
+          </a:p>
+          <a:p>
+            <a:r>
+              <a:rPr lang="en-US" dirty="0" smtClean="0"/>
+              <a:t>12157105</a:t>
+            </a:r>
+          </a:p>
+          <a:p>
+            <a:r>
+              <a:rPr lang="en-US" dirty="0" smtClean="0"/>
+              <a:t>0.012430577709611451</a:t>
+            </a:r>
+          </a:p>
+          <a:p>
+            <a:r>
+              <a:rPr lang="en-US" dirty="0" smtClean="0"/>
+              <a:t>4000 -&gt; 321787</a:t>
+            </a:r>
+          </a:p>
+          <a:p>
+            <a:r>
+              <a:rPr lang="en-US" dirty="0" smtClean="0"/>
+              <a:t>2000 -&gt; 160894</a:t>
+            </a:r>
+          </a:p>
+          <a:p>
+            <a:r>
+              <a:rPr lang="en-US" dirty="0" smtClean="0"/>
+              <a:t>1000 -&gt; 80447</a:t>
+            </a:r>
+          </a:p>
+          <a:p>
+            <a:r>
+              <a:rPr lang="en-US" dirty="0" smtClean="0"/>
+              <a:t>500 -&gt; 40223</a:t>
+            </a:r>
+          </a:p>
+          <a:p>
+            <a:r>
+              <a:rPr lang="en-US" dirty="0" smtClean="0"/>
+              <a:t>100 -&gt; 8045</a:t>
+            </a:r>
+          </a:p>
+          <a:p>
+            <a:r>
+              <a:rPr lang="en-US" dirty="0" smtClean="0"/>
+              <a:t>50 -&gt; 4022</a:t>
+            </a:r>
+          </a:p>
+          <a:p>
+            <a:r>
+              <a:rPr lang="en-US" dirty="0" smtClean="0"/>
+              <a:t>25 -&gt; 2011</a:t>
+            </a:r>
+          </a:p>
+          <a:p>
+            <a:r>
+              <a:rPr lang="en-US" dirty="0" smtClean="0"/>
+              <a:t>10 -&gt; 804</a:t>
+            </a:r>
+          </a:p>
+          <a:p>
+            <a:r>
+              <a:rPr lang="en-US" dirty="0" smtClean="0"/>
+              <a:t>5 -&gt; 402</a:t>
+            </a:r>
+          </a:p>
+          <a:p>
+            <a:r>
+              <a:rPr lang="en-US" dirty="0" smtClean="0"/>
+              <a:t>1 -&gt; 80</a:t>
+            </a:r>
+          </a:p>
+          <a:p>
+            <a:r>
+              <a:rPr lang="en-US" dirty="0" smtClean="0"/>
+              <a:t>0.5 -&gt; 40</a:t>
+            </a:r>
+          </a:p>
+          <a:p>
+            <a:r>
+              <a:rPr lang="en-US" dirty="0" err="1" smtClean="0"/>
+              <a:t>Hap_G</a:t>
+            </a:r>
+            <a:r>
+              <a:rPr lang="en-US" baseline="0" dirty="0" smtClean="0"/>
+              <a:t> = 12.2e6</a:t>
+            </a:r>
+          </a:p>
+          <a:p>
+            <a:r>
+              <a:rPr lang="en-US" baseline="0" dirty="0" err="1" smtClean="0"/>
+              <a:t>G_pg</a:t>
+            </a:r>
+            <a:r>
+              <a:rPr lang="en-US" baseline="0" dirty="0" smtClean="0"/>
+              <a:t> = 12.2e6/978e6 = 0.01247 </a:t>
+            </a:r>
+            <a:r>
+              <a:rPr lang="en-US" baseline="0" dirty="0" err="1" smtClean="0"/>
+              <a:t>pg</a:t>
+            </a:r>
+            <a:r>
+              <a:rPr lang="en-US" baseline="0" dirty="0" smtClean="0"/>
+              <a:t> per hap genome</a:t>
+            </a:r>
+            <a:endParaRPr lang="en-US" dirty="0" smtClean="0"/>
+          </a:p>
+          <a:p>
+            <a:r>
+              <a:rPr lang="en-US" dirty="0" smtClean="0"/>
+              <a:t>80,000 copies = 80e3*0.01247 = 997.6 </a:t>
+            </a:r>
+            <a:r>
+              <a:rPr lang="en-US" dirty="0" err="1" smtClean="0"/>
+              <a:t>pg</a:t>
+            </a:r>
+            <a:r>
+              <a:rPr lang="en-US" dirty="0" smtClean="0"/>
+              <a:t> ~= 1000 </a:t>
+            </a:r>
+            <a:r>
+              <a:rPr lang="en-US" dirty="0" err="1" smtClean="0"/>
+              <a:t>pg</a:t>
+            </a:r>
+            <a:endParaRPr lang="en-US" dirty="0" smtClean="0"/>
+          </a:p>
+          <a:p>
+            <a:r>
+              <a:rPr lang="en-US" dirty="0" smtClean="0"/>
+              <a:t>80 copies = 80*0.01247</a:t>
+            </a:r>
+            <a:r>
+              <a:rPr lang="en-US" baseline="0" dirty="0" smtClean="0"/>
+              <a:t> ~= 1 </a:t>
+            </a:r>
+            <a:r>
+              <a:rPr lang="en-US" baseline="0" dirty="0" err="1" smtClean="0"/>
+              <a:t>pg</a:t>
+            </a:r>
+            <a:endParaRPr lang="en-US" baseline="0" dirty="0" smtClean="0"/>
+          </a:p>
+          <a:p>
+            <a:r>
+              <a:rPr lang="en-US" baseline="0" dirty="0" smtClean="0"/>
+              <a:t>DF = 10</a:t>
+            </a:r>
+          </a:p>
+          <a:p>
+            <a:r>
+              <a:rPr lang="en-US" baseline="0" dirty="0" smtClean="0"/>
+              <a:t>1:1 = 500 </a:t>
+            </a:r>
+            <a:r>
+              <a:rPr lang="en-US" baseline="0" dirty="0" err="1" smtClean="0"/>
+              <a:t>pg</a:t>
+            </a:r>
+            <a:r>
+              <a:rPr lang="en-US" baseline="0" dirty="0" smtClean="0"/>
+              <a:t>/</a:t>
+            </a:r>
+            <a:r>
+              <a:rPr lang="en-US" baseline="0" dirty="0" err="1" smtClean="0"/>
+              <a:t>ul</a:t>
+            </a:r>
+            <a:r>
+              <a:rPr lang="en-US" baseline="0" dirty="0" smtClean="0"/>
+              <a:t> x 2 = 1000 </a:t>
+            </a:r>
+            <a:r>
+              <a:rPr lang="en-US" baseline="0" dirty="0" err="1" smtClean="0"/>
+              <a:t>pg</a:t>
+            </a:r>
+            <a:endParaRPr lang="en-US" baseline="0" dirty="0" smtClean="0"/>
+          </a:p>
+          <a:p>
+            <a:r>
+              <a:rPr lang="en-US" baseline="0" dirty="0" smtClean="0"/>
+              <a:t>1:10 = 50 </a:t>
+            </a:r>
+            <a:r>
+              <a:rPr lang="en-US" baseline="0" dirty="0" err="1" smtClean="0"/>
+              <a:t>pg</a:t>
+            </a:r>
+            <a:r>
+              <a:rPr lang="en-US" baseline="0" dirty="0" smtClean="0"/>
+              <a:t>/</a:t>
+            </a:r>
+            <a:r>
+              <a:rPr lang="en-US" baseline="0" dirty="0" err="1" smtClean="0"/>
+              <a:t>ul</a:t>
+            </a:r>
+            <a:r>
+              <a:rPr lang="en-US" baseline="0" dirty="0" smtClean="0"/>
+              <a:t> x 2 = 100 </a:t>
+            </a:r>
+            <a:r>
+              <a:rPr lang="en-US" baseline="0" dirty="0" err="1" smtClean="0"/>
+              <a:t>pg</a:t>
+            </a:r>
+            <a:endParaRPr lang="en-US" baseline="0" dirty="0" smtClean="0"/>
+          </a:p>
+          <a:p>
+            <a:r>
+              <a:rPr lang="en-US" baseline="0" dirty="0" smtClean="0"/>
+              <a:t>1:100 = 5 </a:t>
+            </a:r>
+            <a:r>
+              <a:rPr lang="en-US" baseline="0" dirty="0" err="1" smtClean="0"/>
+              <a:t>pg</a:t>
+            </a:r>
+            <a:r>
+              <a:rPr lang="en-US" baseline="0" dirty="0" smtClean="0"/>
+              <a:t>/</a:t>
+            </a:r>
+            <a:r>
+              <a:rPr lang="en-US" baseline="0" dirty="0" err="1" smtClean="0"/>
+              <a:t>ul</a:t>
+            </a:r>
+            <a:r>
+              <a:rPr lang="en-US" baseline="0" dirty="0" smtClean="0"/>
+              <a:t> x 2 = 10 </a:t>
+            </a:r>
+            <a:r>
+              <a:rPr lang="en-US" baseline="0" dirty="0" err="1" smtClean="0"/>
+              <a:t>pg</a:t>
+            </a:r>
+            <a:endParaRPr lang="en-US" baseline="0" dirty="0" smtClean="0"/>
+          </a:p>
+          <a:p>
+            <a:r>
+              <a:rPr lang="en-US" baseline="0" dirty="0" smtClean="0"/>
+              <a:t>1:1000 = 0.5 </a:t>
+            </a:r>
+            <a:r>
+              <a:rPr lang="en-US" baseline="0" dirty="0" err="1" smtClean="0"/>
+              <a:t>pg</a:t>
+            </a:r>
+            <a:r>
+              <a:rPr lang="en-US" baseline="0" dirty="0" smtClean="0"/>
+              <a:t>/</a:t>
+            </a:r>
+            <a:r>
+              <a:rPr lang="en-US" baseline="0" dirty="0" err="1" smtClean="0"/>
+              <a:t>ul</a:t>
+            </a:r>
+            <a:r>
+              <a:rPr lang="en-US" baseline="0" dirty="0" smtClean="0"/>
+              <a:t> x 2 = 1 </a:t>
+            </a:r>
+            <a:r>
+              <a:rPr lang="en-US" baseline="0" dirty="0" err="1" smtClean="0"/>
+              <a:t>pg</a:t>
+            </a:r>
+            <a:endParaRPr lang="en-US" dirty="0" smtClean="0"/>
+          </a:p>
+          <a:p>
+            <a:endParaRPr lang="en-US" dirty="0" smtClean="0"/>
+          </a:p>
+          <a:p>
+            <a:r>
+              <a:rPr lang="en-US" dirty="0" smtClean="0"/>
+              <a:t>HUMAN:</a:t>
+            </a:r>
+          </a:p>
+          <a:p>
+            <a:r>
+              <a:rPr lang="en-US" dirty="0" err="1" smtClean="0"/>
+              <a:t>Hap_G</a:t>
+            </a:r>
+            <a:r>
+              <a:rPr lang="en-US" dirty="0" smtClean="0"/>
+              <a:t> = 3.2e9</a:t>
+            </a:r>
+          </a:p>
+          <a:p>
+            <a:r>
+              <a:rPr lang="en-US" dirty="0" err="1" smtClean="0"/>
+              <a:t>G_pg</a:t>
+            </a:r>
+            <a:r>
+              <a:rPr lang="en-US" dirty="0" smtClean="0"/>
+              <a:t> = 3.2e9/978e6 = 3.27</a:t>
+            </a:r>
+          </a:p>
+          <a:p>
+            <a:r>
+              <a:rPr lang="en-US" dirty="0" smtClean="0"/>
+              <a:t>30000 copies = 30e3*3.27</a:t>
+            </a:r>
+            <a:r>
+              <a:rPr lang="en-US" baseline="0" dirty="0" smtClean="0"/>
+              <a:t> = 98100 </a:t>
+            </a:r>
+            <a:r>
+              <a:rPr lang="en-US" baseline="0" dirty="0" err="1" smtClean="0"/>
+              <a:t>pg</a:t>
+            </a:r>
+            <a:r>
+              <a:rPr lang="en-US" baseline="0" dirty="0" smtClean="0"/>
+              <a:t> = 98.1 </a:t>
+            </a:r>
+            <a:r>
+              <a:rPr lang="en-US" baseline="0" dirty="0" err="1" smtClean="0"/>
+              <a:t>ng</a:t>
+            </a:r>
+            <a:endParaRPr lang="en-US" baseline="0" dirty="0" smtClean="0"/>
+          </a:p>
+          <a:p>
+            <a:r>
+              <a:rPr lang="en-US" baseline="0" dirty="0" smtClean="0"/>
+              <a:t>30 copies = 98.1 </a:t>
+            </a:r>
+            <a:r>
+              <a:rPr lang="en-US" baseline="0" dirty="0" err="1" smtClean="0"/>
+              <a:t>pg</a:t>
+            </a:r>
+            <a:endParaRPr lang="en-US" baseline="0" dirty="0" smtClean="0"/>
+          </a:p>
+          <a:p>
+            <a:r>
+              <a:rPr lang="en-US" baseline="0" dirty="0" smtClean="0"/>
+              <a:t>Do 10-fold dilution series starting at 50 </a:t>
+            </a:r>
+            <a:r>
+              <a:rPr lang="en-US" baseline="0" dirty="0" err="1" smtClean="0"/>
+              <a:t>ng</a:t>
+            </a:r>
+            <a:r>
+              <a:rPr lang="en-US" baseline="0" dirty="0" smtClean="0"/>
+              <a:t>/</a:t>
+            </a:r>
+            <a:r>
+              <a:rPr lang="en-US" baseline="0" dirty="0" err="1" smtClean="0"/>
+              <a:t>ul</a:t>
+            </a:r>
+            <a:r>
+              <a:rPr lang="en-US" baseline="0" dirty="0" smtClean="0"/>
+              <a:t> when using 2 </a:t>
+            </a:r>
+            <a:r>
+              <a:rPr lang="en-US" baseline="0" dirty="0" err="1" smtClean="0"/>
+              <a:t>ul</a:t>
+            </a:r>
+            <a:r>
+              <a:rPr lang="en-US" baseline="0" dirty="0" smtClean="0"/>
+              <a:t> in each reaction.</a:t>
+            </a:r>
+          </a:p>
+          <a:p>
+            <a:r>
+              <a:rPr lang="en-US" baseline="0" dirty="0" smtClean="0"/>
+              <a:t>1:1 = 50 </a:t>
+            </a:r>
+            <a:r>
+              <a:rPr lang="en-US" baseline="0" dirty="0" err="1" smtClean="0"/>
+              <a:t>ng</a:t>
+            </a:r>
+            <a:r>
+              <a:rPr lang="en-US" baseline="0" dirty="0" smtClean="0"/>
+              <a:t>/</a:t>
+            </a:r>
+            <a:r>
+              <a:rPr lang="en-US" baseline="0" dirty="0" err="1" smtClean="0"/>
+              <a:t>ul</a:t>
+            </a:r>
+            <a:r>
+              <a:rPr lang="en-US" baseline="0" dirty="0" smtClean="0"/>
+              <a:t> x 2 = 100,000 </a:t>
+            </a:r>
+            <a:r>
+              <a:rPr lang="en-US" baseline="0" dirty="0" err="1" smtClean="0"/>
+              <a:t>pg</a:t>
+            </a:r>
+            <a:endParaRPr lang="en-US" baseline="0" dirty="0" smtClean="0"/>
+          </a:p>
+          <a:p>
+            <a:r>
+              <a:rPr lang="en-US" baseline="0" dirty="0" smtClean="0"/>
+              <a:t>1:10 = 5 </a:t>
+            </a:r>
+            <a:r>
+              <a:rPr lang="en-US" baseline="0" dirty="0" err="1" smtClean="0"/>
+              <a:t>ng</a:t>
+            </a:r>
+            <a:r>
+              <a:rPr lang="en-US" baseline="0" dirty="0" smtClean="0"/>
+              <a:t>/</a:t>
+            </a:r>
+            <a:r>
+              <a:rPr lang="en-US" baseline="0" dirty="0" err="1" smtClean="0"/>
+              <a:t>ul</a:t>
+            </a:r>
+            <a:r>
+              <a:rPr lang="en-US" baseline="0" dirty="0" smtClean="0"/>
+              <a:t> x 2 = 10,000 </a:t>
+            </a:r>
+            <a:r>
+              <a:rPr lang="en-US" baseline="0" dirty="0" err="1" smtClean="0"/>
+              <a:t>pg</a:t>
+            </a:r>
+            <a:endParaRPr lang="en-US" baseline="0" dirty="0" smtClean="0"/>
+          </a:p>
+          <a:p>
+            <a:r>
+              <a:rPr lang="en-US" baseline="0" dirty="0" smtClean="0"/>
+              <a:t>1:100 = 0.5 </a:t>
+            </a:r>
+            <a:r>
+              <a:rPr lang="en-US" baseline="0" dirty="0" err="1" smtClean="0"/>
+              <a:t>ng</a:t>
+            </a:r>
+            <a:r>
+              <a:rPr lang="en-US" baseline="0" dirty="0" smtClean="0"/>
+              <a:t> </a:t>
+            </a:r>
+            <a:r>
+              <a:rPr lang="en-US" baseline="0" dirty="0" err="1" smtClean="0"/>
+              <a:t>ul</a:t>
+            </a:r>
+            <a:r>
+              <a:rPr lang="en-US" baseline="0" dirty="0" smtClean="0"/>
+              <a:t> = 500 </a:t>
+            </a:r>
+            <a:r>
+              <a:rPr lang="en-US" baseline="0" dirty="0" err="1" smtClean="0"/>
+              <a:t>pg</a:t>
+            </a:r>
+            <a:r>
+              <a:rPr lang="en-US" baseline="0" dirty="0" smtClean="0"/>
+              <a:t>/</a:t>
+            </a:r>
+            <a:r>
+              <a:rPr lang="en-US" baseline="0" dirty="0" err="1" smtClean="0"/>
+              <a:t>ul</a:t>
+            </a:r>
+            <a:r>
+              <a:rPr lang="en-US" baseline="0" dirty="0" smtClean="0"/>
+              <a:t> x 2 = 1000 </a:t>
+            </a:r>
+            <a:r>
+              <a:rPr lang="en-US" baseline="0" dirty="0" err="1" smtClean="0"/>
+              <a:t>pg</a:t>
+            </a:r>
+            <a:endParaRPr lang="en-US" baseline="0" dirty="0" smtClean="0"/>
+          </a:p>
+          <a:p>
+            <a:r>
+              <a:rPr lang="en-US" baseline="0" dirty="0" smtClean="0"/>
+              <a:t>1:1000 = 0.05 = 50 </a:t>
+            </a:r>
+            <a:r>
+              <a:rPr lang="en-US" baseline="0" dirty="0" err="1" smtClean="0"/>
+              <a:t>pg</a:t>
+            </a:r>
+            <a:r>
+              <a:rPr lang="en-US" baseline="0" dirty="0" smtClean="0"/>
+              <a:t>/</a:t>
+            </a:r>
+            <a:r>
+              <a:rPr lang="en-US" baseline="0" dirty="0" err="1" smtClean="0"/>
+              <a:t>ul</a:t>
+            </a:r>
+            <a:r>
+              <a:rPr lang="en-US" baseline="0" dirty="0" smtClean="0"/>
+              <a:t> x 2 = 100 </a:t>
+            </a:r>
+            <a:r>
+              <a:rPr lang="en-US" baseline="0" dirty="0" err="1" smtClean="0"/>
+              <a:t>pg</a:t>
+            </a:r>
+            <a:endParaRPr lang="en-US" baseline="0" dirty="0" smtClean="0"/>
+          </a:p>
+          <a:p>
+            <a:endParaRPr lang="en-US" dirty="0" smtClean="0"/>
+          </a:p>
+          <a:p>
+            <a:r>
+              <a:rPr lang="en-US" dirty="0" smtClean="0"/>
+              <a:t>Sciara</a:t>
+            </a:r>
+          </a:p>
+          <a:p>
+            <a:r>
+              <a:rPr lang="en-US" dirty="0" err="1" smtClean="0"/>
+              <a:t>Hap_G</a:t>
+            </a:r>
+            <a:r>
+              <a:rPr lang="en-US" dirty="0" smtClean="0"/>
+              <a:t> = 292e6</a:t>
+            </a:r>
+            <a:r>
+              <a:rPr lang="en-US" baseline="0" dirty="0" smtClean="0"/>
+              <a:t> for somatic haploid genome </a:t>
+            </a:r>
+          </a:p>
+          <a:p>
+            <a:r>
+              <a:rPr lang="en-US" baseline="0" dirty="0" err="1" smtClean="0"/>
+              <a:t>G_pg</a:t>
+            </a:r>
+            <a:r>
+              <a:rPr lang="en-US" baseline="0" dirty="0" smtClean="0"/>
+              <a:t> = 292e6/978e6 = 0.2985685 </a:t>
+            </a:r>
+            <a:r>
+              <a:rPr lang="en-US" baseline="0" dirty="0" err="1" smtClean="0"/>
+              <a:t>pg</a:t>
+            </a:r>
+            <a:r>
+              <a:rPr lang="en-US" baseline="0" dirty="0" smtClean="0"/>
+              <a:t> per hap genome</a:t>
+            </a:r>
+          </a:p>
+          <a:p>
+            <a:r>
+              <a:rPr lang="en-US" baseline="0" dirty="0" smtClean="0"/>
+              <a:t>I’ve been doing 4-fold dilutions starting at 1 </a:t>
+            </a:r>
+            <a:r>
+              <a:rPr lang="en-US" baseline="0" dirty="0" err="1" smtClean="0"/>
+              <a:t>ng</a:t>
+            </a:r>
+            <a:r>
+              <a:rPr lang="en-US" baseline="0" dirty="0" smtClean="0"/>
+              <a:t>/</a:t>
+            </a:r>
+            <a:r>
+              <a:rPr lang="en-US" baseline="0" dirty="0" err="1" smtClean="0"/>
+              <a:t>ul</a:t>
+            </a:r>
+            <a:r>
+              <a:rPr lang="en-US" baseline="0" dirty="0" smtClean="0"/>
+              <a:t> x 2 = 2 </a:t>
+            </a:r>
+            <a:r>
+              <a:rPr lang="en-US" baseline="0" dirty="0" err="1" smtClean="0"/>
+              <a:t>ng</a:t>
+            </a:r>
+            <a:r>
+              <a:rPr lang="en-US" baseline="0" dirty="0" smtClean="0"/>
+              <a:t> – and getting down to 15.625 </a:t>
+            </a:r>
+            <a:r>
+              <a:rPr lang="en-US" baseline="0" dirty="0" err="1" smtClean="0"/>
+              <a:t>pg</a:t>
+            </a:r>
+            <a:r>
+              <a:rPr lang="en-US" baseline="0" dirty="0" smtClean="0"/>
+              <a:t>/</a:t>
+            </a:r>
+            <a:r>
+              <a:rPr lang="en-US" baseline="0" dirty="0" err="1" smtClean="0"/>
+              <a:t>ul</a:t>
+            </a:r>
+            <a:r>
+              <a:rPr lang="en-US" baseline="0" dirty="0" smtClean="0"/>
+              <a:t> at the 1:64 </a:t>
+            </a:r>
+          </a:p>
+          <a:p>
+            <a:r>
+              <a:rPr lang="en-US" baseline="0" dirty="0" smtClean="0"/>
+              <a:t>Upper = 2 </a:t>
+            </a:r>
+            <a:r>
+              <a:rPr lang="en-US" baseline="0" dirty="0" err="1" smtClean="0"/>
+              <a:t>ng</a:t>
+            </a:r>
+            <a:r>
+              <a:rPr lang="en-US" baseline="0" dirty="0" smtClean="0"/>
+              <a:t> has 2000/0.2985685 = 6698.6 ~= 6700 copies</a:t>
+            </a:r>
+          </a:p>
+          <a:p>
+            <a:r>
+              <a:rPr lang="en-US" baseline="0" dirty="0" smtClean="0"/>
+              <a:t>Lower = 15.625/0.2985685 = 52.33 copies</a:t>
+            </a:r>
+          </a:p>
+          <a:p>
+            <a:r>
+              <a:rPr lang="en-US" dirty="0" smtClean="0"/>
+              <a:t>If I wanted to,</a:t>
+            </a:r>
+            <a:r>
+              <a:rPr lang="en-US" baseline="0" dirty="0" smtClean="0"/>
+              <a:t> I could possibly try</a:t>
+            </a:r>
+          </a:p>
+          <a:p>
+            <a:r>
+              <a:rPr lang="en-US" baseline="0" dirty="0" smtClean="0"/>
+              <a:t>10 </a:t>
+            </a:r>
+            <a:r>
+              <a:rPr lang="en-US" baseline="0" dirty="0" err="1" smtClean="0"/>
+              <a:t>pg</a:t>
+            </a:r>
+            <a:r>
+              <a:rPr lang="en-US" baseline="0" dirty="0" smtClean="0"/>
+              <a:t> to 10,000 </a:t>
+            </a:r>
+            <a:r>
+              <a:rPr lang="en-US" baseline="0" dirty="0" err="1" smtClean="0"/>
+              <a:t>pg</a:t>
+            </a:r>
+            <a:r>
+              <a:rPr lang="en-US" baseline="0" dirty="0" smtClean="0"/>
+              <a:t> (10 </a:t>
+            </a:r>
+            <a:r>
+              <a:rPr lang="en-US" baseline="0" dirty="0" err="1" smtClean="0"/>
+              <a:t>ng</a:t>
+            </a:r>
+            <a:r>
+              <a:rPr lang="en-US" baseline="0" dirty="0" smtClean="0"/>
+              <a:t>) for 10-fold dilutions</a:t>
+            </a:r>
+          </a:p>
+          <a:p>
+            <a:r>
+              <a:rPr lang="en-US" baseline="0" dirty="0" smtClean="0"/>
+              <a:t>1:1 = 5 </a:t>
+            </a:r>
+            <a:r>
+              <a:rPr lang="en-US" baseline="0" dirty="0" err="1" smtClean="0"/>
+              <a:t>ng</a:t>
+            </a:r>
+            <a:r>
+              <a:rPr lang="en-US" baseline="0" dirty="0" smtClean="0"/>
+              <a:t>/</a:t>
+            </a:r>
+            <a:r>
+              <a:rPr lang="en-US" baseline="0" dirty="0" err="1" smtClean="0"/>
+              <a:t>ul</a:t>
+            </a:r>
+            <a:r>
+              <a:rPr lang="en-US" baseline="0" dirty="0" smtClean="0"/>
+              <a:t> x 2 = 10 </a:t>
+            </a:r>
+            <a:r>
+              <a:rPr lang="en-US" baseline="0" dirty="0" err="1" smtClean="0"/>
+              <a:t>ng</a:t>
+            </a:r>
+            <a:r>
+              <a:rPr lang="en-US" baseline="0" dirty="0" smtClean="0"/>
+              <a:t> = 10,000 </a:t>
+            </a:r>
+            <a:r>
+              <a:rPr lang="en-US" baseline="0" dirty="0" err="1" smtClean="0"/>
+              <a:t>pg</a:t>
+            </a:r>
+            <a:r>
+              <a:rPr lang="en-US" baseline="0" dirty="0" smtClean="0"/>
+              <a:t> = 33493 copies</a:t>
+            </a:r>
+          </a:p>
+          <a:p>
+            <a:r>
+              <a:rPr lang="en-US" baseline="0" dirty="0" smtClean="0"/>
+              <a:t>1:10 = 500 </a:t>
+            </a:r>
+            <a:r>
+              <a:rPr lang="en-US" baseline="0" dirty="0" err="1" smtClean="0"/>
+              <a:t>pg</a:t>
+            </a:r>
+            <a:r>
+              <a:rPr lang="en-US" baseline="0" dirty="0" smtClean="0"/>
+              <a:t>/</a:t>
+            </a:r>
+            <a:r>
+              <a:rPr lang="en-US" baseline="0" dirty="0" err="1" smtClean="0"/>
+              <a:t>ul</a:t>
+            </a:r>
+            <a:r>
+              <a:rPr lang="en-US" baseline="0" dirty="0" smtClean="0"/>
+              <a:t> x 2 = 1000 </a:t>
+            </a:r>
+            <a:r>
+              <a:rPr lang="en-US" baseline="0" dirty="0" err="1" smtClean="0"/>
+              <a:t>pg</a:t>
+            </a:r>
+            <a:r>
+              <a:rPr lang="en-US" baseline="0" dirty="0" smtClean="0"/>
+              <a:t> = 3350 copies</a:t>
+            </a:r>
+          </a:p>
+          <a:p>
+            <a:r>
+              <a:rPr lang="en-US" baseline="0" dirty="0" smtClean="0"/>
+              <a:t>1:100 = 50 </a:t>
+            </a:r>
+            <a:r>
+              <a:rPr lang="en-US" baseline="0" dirty="0" err="1" smtClean="0"/>
+              <a:t>pg</a:t>
+            </a:r>
+            <a:r>
+              <a:rPr lang="en-US" baseline="0" dirty="0" smtClean="0"/>
+              <a:t>/</a:t>
+            </a:r>
+            <a:r>
+              <a:rPr lang="en-US" baseline="0" dirty="0" err="1" smtClean="0"/>
+              <a:t>ul</a:t>
+            </a:r>
+            <a:r>
+              <a:rPr lang="en-US" baseline="0" dirty="0" smtClean="0"/>
+              <a:t> x 2 = 100 </a:t>
+            </a:r>
+            <a:r>
+              <a:rPr lang="en-US" baseline="0" dirty="0" err="1" smtClean="0"/>
+              <a:t>pg</a:t>
+            </a:r>
+            <a:r>
+              <a:rPr lang="en-US" baseline="0" dirty="0" smtClean="0"/>
+              <a:t> = 335 copies</a:t>
+            </a:r>
+          </a:p>
+          <a:p>
+            <a:r>
+              <a:rPr lang="en-US" baseline="0" dirty="0" smtClean="0"/>
+              <a:t>1:1000 = 5 </a:t>
+            </a:r>
+            <a:r>
+              <a:rPr lang="en-US" baseline="0" dirty="0" err="1" smtClean="0"/>
+              <a:t>pg</a:t>
+            </a:r>
+            <a:r>
+              <a:rPr lang="en-US" baseline="0" dirty="0" smtClean="0"/>
+              <a:t>/</a:t>
+            </a:r>
+            <a:r>
+              <a:rPr lang="en-US" baseline="0" dirty="0" err="1" smtClean="0"/>
+              <a:t>ul</a:t>
+            </a:r>
+            <a:r>
+              <a:rPr lang="en-US" baseline="0" dirty="0" smtClean="0"/>
+              <a:t> x 2 = 10 </a:t>
+            </a:r>
+            <a:r>
+              <a:rPr lang="en-US" baseline="0" dirty="0" err="1" smtClean="0"/>
+              <a:t>pg</a:t>
+            </a:r>
+            <a:r>
+              <a:rPr lang="en-US" baseline="0" dirty="0" smtClean="0"/>
+              <a:t> = 33.5 copies</a:t>
+            </a:r>
+          </a:p>
+          <a:p>
+            <a:endParaRPr lang="en-US" baseline="0" dirty="0" smtClean="0"/>
+          </a:p>
+          <a:p>
+            <a:r>
+              <a:rPr lang="en-US" baseline="0" dirty="0" smtClean="0"/>
+              <a:t>Drosophila (dm6) = 143726002 </a:t>
+            </a:r>
+            <a:r>
+              <a:rPr lang="en-US" baseline="0" dirty="0" err="1" smtClean="0"/>
+              <a:t>bp</a:t>
+            </a:r>
+            <a:r>
+              <a:rPr lang="en-US" baseline="0" dirty="0" smtClean="0"/>
+              <a:t> = 143.73 Mb</a:t>
+            </a:r>
+          </a:p>
+          <a:p>
+            <a:r>
+              <a:rPr lang="en-US" baseline="0" dirty="0" err="1" smtClean="0"/>
+              <a:t>Hap_G</a:t>
+            </a:r>
+            <a:r>
+              <a:rPr lang="en-US" baseline="0" dirty="0" smtClean="0"/>
+              <a:t> = 143.73e6</a:t>
+            </a:r>
+          </a:p>
+          <a:p>
+            <a:r>
+              <a:rPr lang="en-US" baseline="0" dirty="0" err="1" smtClean="0"/>
+              <a:t>G_pg</a:t>
+            </a:r>
+            <a:r>
+              <a:rPr lang="en-US" baseline="0" dirty="0" smtClean="0"/>
+              <a:t> = 143.73e6/978e6 = 0.146963190184 </a:t>
+            </a:r>
+            <a:r>
+              <a:rPr lang="en-US" baseline="0" dirty="0" err="1" smtClean="0"/>
+              <a:t>pg</a:t>
+            </a:r>
+            <a:r>
+              <a:rPr lang="en-US" baseline="0" dirty="0" smtClean="0"/>
+              <a:t> per hap genome</a:t>
+            </a:r>
+          </a:p>
+          <a:p>
+            <a:r>
+              <a:rPr lang="en-US" baseline="0" dirty="0" smtClean="0"/>
+              <a:t>6 </a:t>
+            </a:r>
+            <a:r>
+              <a:rPr lang="en-US" baseline="0" dirty="0" err="1" smtClean="0"/>
+              <a:t>ng</a:t>
+            </a:r>
+            <a:r>
+              <a:rPr lang="en-US" baseline="0" dirty="0" smtClean="0"/>
+              <a:t> has 6000/0.146963190184 = 40826.5 copies</a:t>
+            </a:r>
+          </a:p>
+          <a:p>
+            <a:r>
+              <a:rPr lang="en-US" baseline="0" dirty="0" smtClean="0"/>
+              <a:t>1:1 = 3 </a:t>
+            </a:r>
+            <a:r>
+              <a:rPr lang="en-US" baseline="0" dirty="0" err="1" smtClean="0"/>
+              <a:t>ng</a:t>
+            </a:r>
+            <a:r>
+              <a:rPr lang="en-US" baseline="0" dirty="0" smtClean="0"/>
+              <a:t>/</a:t>
+            </a:r>
+            <a:r>
+              <a:rPr lang="en-US" baseline="0" dirty="0" err="1" smtClean="0"/>
+              <a:t>ul</a:t>
+            </a:r>
+            <a:r>
+              <a:rPr lang="en-US" baseline="0" dirty="0" smtClean="0"/>
+              <a:t> x 2 = 6 </a:t>
+            </a:r>
+            <a:r>
+              <a:rPr lang="en-US" baseline="0" dirty="0" err="1" smtClean="0"/>
+              <a:t>ng</a:t>
+            </a:r>
+            <a:r>
+              <a:rPr lang="en-US" baseline="0" dirty="0" smtClean="0"/>
+              <a:t> = 40826.5 copies</a:t>
+            </a:r>
+          </a:p>
+          <a:p>
+            <a:r>
+              <a:rPr lang="en-US" baseline="0" dirty="0" smtClean="0"/>
+              <a:t>1:10 = 300 </a:t>
+            </a:r>
+            <a:r>
+              <a:rPr lang="en-US" baseline="0" dirty="0" err="1" smtClean="0"/>
+              <a:t>pg</a:t>
+            </a:r>
+            <a:r>
+              <a:rPr lang="en-US" baseline="0" dirty="0" smtClean="0"/>
+              <a:t>/</a:t>
+            </a:r>
+            <a:r>
+              <a:rPr lang="en-US" baseline="0" dirty="0" err="1" smtClean="0"/>
+              <a:t>ul</a:t>
+            </a:r>
+            <a:r>
+              <a:rPr lang="en-US" baseline="0" dirty="0" smtClean="0"/>
+              <a:t> x 2 = 600 </a:t>
+            </a:r>
+            <a:r>
+              <a:rPr lang="en-US" baseline="0" dirty="0" err="1" smtClean="0"/>
+              <a:t>pg</a:t>
+            </a:r>
+            <a:r>
+              <a:rPr lang="en-US" baseline="0" dirty="0" smtClean="0"/>
+              <a:t> = 4083 copies</a:t>
+            </a:r>
+          </a:p>
+          <a:p>
+            <a:r>
+              <a:rPr lang="en-US" baseline="0" dirty="0" smtClean="0"/>
+              <a:t>1:100 = 30 </a:t>
+            </a:r>
+            <a:r>
+              <a:rPr lang="en-US" baseline="0" dirty="0" err="1" smtClean="0"/>
+              <a:t>pg</a:t>
+            </a:r>
+            <a:r>
+              <a:rPr lang="en-US" baseline="0" dirty="0" smtClean="0"/>
+              <a:t>/</a:t>
+            </a:r>
+            <a:r>
+              <a:rPr lang="en-US" baseline="0" dirty="0" err="1" smtClean="0"/>
+              <a:t>ul</a:t>
+            </a:r>
+            <a:r>
+              <a:rPr lang="en-US" baseline="0" dirty="0" smtClean="0"/>
+              <a:t> x 2 = 60 </a:t>
+            </a:r>
+            <a:r>
+              <a:rPr lang="en-US" baseline="0" dirty="0" err="1" smtClean="0"/>
+              <a:t>pg</a:t>
+            </a:r>
+            <a:r>
+              <a:rPr lang="en-US" baseline="0" dirty="0" smtClean="0"/>
+              <a:t> = 408.3 copies</a:t>
+            </a:r>
+          </a:p>
+          <a:p>
+            <a:r>
+              <a:rPr lang="en-US" baseline="0" dirty="0" smtClean="0"/>
+              <a:t>1:1000 = 3 </a:t>
+            </a:r>
+            <a:r>
+              <a:rPr lang="en-US" baseline="0" dirty="0" err="1" smtClean="0"/>
+              <a:t>pg</a:t>
+            </a:r>
+            <a:r>
+              <a:rPr lang="en-US" baseline="0" dirty="0" smtClean="0"/>
+              <a:t>/</a:t>
+            </a:r>
+            <a:r>
+              <a:rPr lang="en-US" baseline="0" dirty="0" err="1" smtClean="0"/>
+              <a:t>ul</a:t>
+            </a:r>
+            <a:r>
+              <a:rPr lang="en-US" baseline="0" dirty="0" smtClean="0"/>
+              <a:t> x 2 = 6 </a:t>
+            </a:r>
+            <a:r>
+              <a:rPr lang="en-US" baseline="0" dirty="0" err="1" smtClean="0"/>
+              <a:t>pg</a:t>
+            </a:r>
+            <a:r>
+              <a:rPr lang="en-US" baseline="0" dirty="0" smtClean="0"/>
+              <a:t> = 40.83 copies</a:t>
+            </a:r>
+          </a:p>
+          <a:p>
+            <a:endParaRPr lang="en-US" baseline="0" dirty="0" smtClean="0"/>
+          </a:p>
+          <a:p>
+            <a:endParaRPr lang="en-US" dirty="0" smtClean="0"/>
+          </a:p>
+          <a:p>
+            <a:endParaRPr lang="en-US" dirty="0"/>
+          </a:p>
+        </p:txBody>
+      </p:sp>
+      <p:sp>
+        <p:nvSpPr>
+          <p:cNvPr id="4" name="Slide Number Placeholder 3"/>
+          <p:cNvSpPr>
+            <a:spLocks noGrp="1"/>
+          </p:cNvSpPr>
+          <p:nvPr>
+            <p:ph type="sldNum" sz="quarter" idx="10"/>
+          </p:nvPr>
+        </p:nvSpPr>
+        <p:spPr/>
+        <p:txBody>
+          <a:bodyPr/>
+          <a:lstStyle/>
+          <a:p>
+            <a:fld id="{27AB960A-BBA0-5742-9E7D-81CD16CB01AF}" type="slidenum">
+              <a:rPr lang="en-US" smtClean="0"/>
+              <a:t>4</a:t>
+            </a:fld>
+            <a:endParaRPr lang="en-US"/>
+          </a:p>
+        </p:txBody>
+      </p:sp>
+    </p:spTree>
+    <p:extLst>
+      <p:ext uri="{BB962C8B-B14F-4D97-AF65-F5344CB8AC3E}">
+        <p14:creationId xmlns:p14="http://schemas.microsoft.com/office/powerpoint/2010/main" val="2817394642"/>
+      </p:ext>
+    </p:extLst>
+  </p:cSld>
+  <p:clrMapOvr>
+    <a:masterClrMapping/>
+  </p:clrMapOvr>
+</p:notes>
+</file>
+
+<file path=ppt/notesSlides/notesSlide3.xml><?xml version="1.0" encoding="utf-8"?>
+<p:notes xmlns:a="http://schemas.openxmlformats.org/drawingml/2006/main" xmlns:r="http://schemas.openxmlformats.org/officeDocument/2006/relationships" xmlns:p="http://schemas.openxmlformats.org/presentationml/2006/main">
+  <p:cSld>
+    <p:spTree>
+      <p:nvGrpSpPr>
+        <p:cNvPr id="1" name=""/>
+        <p:cNvGrpSpPr/>
+        <p:nvPr/>
+      </p:nvGrpSpPr>
+      <p:grpSpPr>
+        <a:xfrm>
+          <a:off x="0" y="0"/>
+          <a:ext cx="0" cy="0"/>
+          <a:chOff x="0" y="0"/>
+          <a:chExt cx="0" cy="0"/>
+        </a:xfrm>
+      </p:grpSpPr>
+      <p:sp>
+        <p:nvSpPr>
+          <p:cNvPr id="2" name="Slide Image Placeholder 1"/>
+          <p:cNvSpPr>
+            <a:spLocks noGrp="1" noRot="1" noChangeAspect="1"/>
+          </p:cNvSpPr>
+          <p:nvPr>
+            <p:ph type="sldImg"/>
+          </p:nvPr>
+        </p:nvSpPr>
+        <p:spPr/>
+      </p:sp>
+      <p:sp>
+        <p:nvSpPr>
+          <p:cNvPr id="3" name="Notes Placeholder 2"/>
+          <p:cNvSpPr>
+            <a:spLocks noGrp="1"/>
+          </p:cNvSpPr>
+          <p:nvPr>
+            <p:ph type="body" idx="1"/>
+          </p:nvPr>
+        </p:nvSpPr>
+        <p:spPr/>
+        <p:txBody>
+          <a:bodyPr/>
+          <a:lstStyle/>
+          <a:p>
             <a:pPr marL="0" marR="0" indent="0" algn="l" defTabSz="457200" rtl="0" eaLnBrk="1" fontAlgn="auto" latinLnBrk="0" hangingPunct="1">
               <a:lnSpc>
                 <a:spcPct val="100000"/>
@@ -922,7 +1715,7 @@
           <a:p>
             <a:fld id="{16867D08-03D6-DF46-9ACD-F8806DC6DCC7}" type="slidenum">
               <a:rPr lang="en-US" smtClean="0"/>
-              <a:t>5</a:t>
+              <a:t>6</a:t>
             </a:fld>
             <a:endParaRPr lang="en-US"/>
           </a:p>
@@ -1122,7 +1915,7 @@
           <a:p>
             <a:fld id="{7D6DF951-62CB-E543-814B-92A008CB6EE1}" type="datetimeFigureOut">
               <a:rPr lang="en-US" smtClean="0"/>
-              <a:t>2/4/17</a:t>
+              <a:t>2/5/17</a:t>
             </a:fld>
             <a:endParaRPr lang="en-US"/>
           </a:p>
@@ -1292,7 +2085,7 @@
           <a:p>
             <a:fld id="{7D6DF951-62CB-E543-814B-92A008CB6EE1}" type="datetimeFigureOut">
               <a:rPr lang="en-US" smtClean="0"/>
-              <a:t>2/4/17</a:t>
+              <a:t>2/5/17</a:t>
             </a:fld>
             <a:endParaRPr lang="en-US"/>
           </a:p>
@@ -1472,7 +2265,7 @@
           <a:p>
             <a:fld id="{7D6DF951-62CB-E543-814B-92A008CB6EE1}" type="datetimeFigureOut">
               <a:rPr lang="en-US" smtClean="0"/>
-              <a:t>2/4/17</a:t>
+              <a:t>2/5/17</a:t>
             </a:fld>
             <a:endParaRPr lang="en-US"/>
           </a:p>
@@ -1642,7 +2435,7 @@
           <a:p>
             <a:fld id="{7D6DF951-62CB-E543-814B-92A008CB6EE1}" type="datetimeFigureOut">
               <a:rPr lang="en-US" smtClean="0"/>
-              <a:t>2/4/17</a:t>
+              <a:t>2/5/17</a:t>
             </a:fld>
             <a:endParaRPr lang="en-US"/>
           </a:p>
@@ -1888,7 +2681,7 @@
           <a:p>
             <a:fld id="{7D6DF951-62CB-E543-814B-92A008CB6EE1}" type="datetimeFigureOut">
               <a:rPr lang="en-US" smtClean="0"/>
-              <a:t>2/4/17</a:t>
+              <a:t>2/5/17</a:t>
             </a:fld>
             <a:endParaRPr lang="en-US"/>
           </a:p>
@@ -2176,7 +2969,7 @@
           <a:p>
             <a:fld id="{7D6DF951-62CB-E543-814B-92A008CB6EE1}" type="datetimeFigureOut">
               <a:rPr lang="en-US" smtClean="0"/>
-              <a:t>2/4/17</a:t>
+              <a:t>2/5/17</a:t>
             </a:fld>
             <a:endParaRPr lang="en-US"/>
           </a:p>
@@ -2598,7 +3391,7 @@
           <a:p>
             <a:fld id="{7D6DF951-62CB-E543-814B-92A008CB6EE1}" type="datetimeFigureOut">
               <a:rPr lang="en-US" smtClean="0"/>
-              <a:t>2/4/17</a:t>
+              <a:t>2/5/17</a:t>
             </a:fld>
             <a:endParaRPr lang="en-US"/>
           </a:p>
@@ -2716,7 +3509,7 @@
           <a:p>
             <a:fld id="{7D6DF951-62CB-E543-814B-92A008CB6EE1}" type="datetimeFigureOut">
               <a:rPr lang="en-US" smtClean="0"/>
-              <a:t>2/4/17</a:t>
+              <a:t>2/5/17</a:t>
             </a:fld>
             <a:endParaRPr lang="en-US"/>
           </a:p>
@@ -2811,7 +3604,7 @@
           <a:p>
             <a:fld id="{7D6DF951-62CB-E543-814B-92A008CB6EE1}" type="datetimeFigureOut">
               <a:rPr lang="en-US" smtClean="0"/>
-              <a:t>2/4/17</a:t>
+              <a:t>2/5/17</a:t>
             </a:fld>
             <a:endParaRPr lang="en-US"/>
           </a:p>
@@ -3088,7 +3881,7 @@
           <a:p>
             <a:fld id="{7D6DF951-62CB-E543-814B-92A008CB6EE1}" type="datetimeFigureOut">
               <a:rPr lang="en-US" smtClean="0"/>
-              <a:t>2/4/17</a:t>
+              <a:t>2/5/17</a:t>
             </a:fld>
             <a:endParaRPr lang="en-US"/>
           </a:p>
@@ -3341,7 +4134,7 @@
           <a:p>
             <a:fld id="{7D6DF951-62CB-E543-814B-92A008CB6EE1}" type="datetimeFigureOut">
               <a:rPr lang="en-US" smtClean="0"/>
-              <a:t>2/4/17</a:t>
+              <a:t>2/5/17</a:t>
             </a:fld>
             <a:endParaRPr lang="en-US"/>
           </a:p>
@@ -3554,7 +4347,7 @@
           <a:p>
             <a:fld id="{7D6DF951-62CB-E543-814B-92A008CB6EE1}" type="datetimeFigureOut">
               <a:rPr lang="en-US" smtClean="0"/>
-              <a:t>2/4/17</a:t>
+              <a:t>2/5/17</a:t>
             </a:fld>
             <a:endParaRPr lang="en-US"/>
           </a:p>
@@ -4056,6 +4849,1680 @@
           <p:nvPr>
             <p:extLst>
               <p:ext uri="{D42A27DB-BD31-4B8C-83A1-F6EECF244321}">
+                <p14:modId xmlns:p14="http://schemas.microsoft.com/office/powerpoint/2010/main" val="3404010522"/>
+              </p:ext>
+            </p:extLst>
+          </p:nvPr>
+        </p:nvGraphicFramePr>
+        <p:xfrm>
+          <a:off x="2341923" y="143149"/>
+          <a:ext cx="5228496" cy="6477000"/>
+        </p:xfrm>
+        <a:graphic>
+          <a:graphicData uri="http://schemas.openxmlformats.org/drawingml/2006/table">
+            <a:tbl>
+              <a:tblPr firstRow="1" bandRow="1">
+                <a:tableStyleId>{3C2FFA5D-87B4-456A-9821-1D502468CF0F}</a:tableStyleId>
+              </a:tblPr>
+              <a:tblGrid>
+                <a:gridCol w="871416"/>
+                <a:gridCol w="871416"/>
+                <a:gridCol w="871416"/>
+                <a:gridCol w="871416"/>
+                <a:gridCol w="871416"/>
+                <a:gridCol w="871416"/>
+              </a:tblGrid>
+              <a:tr h="218038">
+                <a:tc>
+                  <a:txBody>
+                    <a:bodyPr/>
+                    <a:lstStyle/>
+                    <a:p>
+                      <a:r>
+                        <a:rPr lang="en-US" sz="1100" dirty="0" smtClean="0"/>
+                        <a:t>Primer pair</a:t>
+                      </a:r>
+                      <a:endParaRPr lang="en-US" sz="1100" dirty="0"/>
+                    </a:p>
+                  </a:txBody>
+                  <a:tcPr/>
+                </a:tc>
+                <a:tc>
+                  <a:txBody>
+                    <a:bodyPr/>
+                    <a:lstStyle/>
+                    <a:p>
+                      <a:r>
+                        <a:rPr lang="en-US" sz="1100" dirty="0" smtClean="0"/>
+                        <a:t>Slope</a:t>
+                      </a:r>
+                      <a:endParaRPr lang="en-US" sz="1100" dirty="0"/>
+                    </a:p>
+                  </a:txBody>
+                  <a:tcPr/>
+                </a:tc>
+                <a:tc>
+                  <a:txBody>
+                    <a:bodyPr/>
+                    <a:lstStyle/>
+                    <a:p>
+                      <a:r>
+                        <a:rPr lang="en-US" sz="1100" dirty="0" smtClean="0"/>
+                        <a:t>Efficiency</a:t>
+                      </a:r>
+                      <a:endParaRPr lang="en-US" sz="1100" dirty="0"/>
+                    </a:p>
+                  </a:txBody>
+                  <a:tcPr/>
+                </a:tc>
+                <a:tc>
+                  <a:txBody>
+                    <a:bodyPr/>
+                    <a:lstStyle/>
+                    <a:p>
+                      <a:r>
+                        <a:rPr lang="en-US" sz="1100" dirty="0" err="1" smtClean="0"/>
+                        <a:t>Rsqr</a:t>
+                      </a:r>
+                      <a:endParaRPr lang="en-US" sz="1100" dirty="0"/>
+                    </a:p>
+                  </a:txBody>
+                  <a:tcPr/>
+                </a:tc>
+                <a:tc>
+                  <a:txBody>
+                    <a:bodyPr/>
+                    <a:lstStyle/>
+                    <a:p>
+                      <a:r>
+                        <a:rPr lang="en-US" sz="1100" dirty="0" smtClean="0"/>
+                        <a:t>pass</a:t>
+                      </a:r>
+                      <a:endParaRPr lang="en-US" sz="1100" dirty="0"/>
+                    </a:p>
+                  </a:txBody>
+                  <a:tcPr/>
+                </a:tc>
+                <a:tc>
+                  <a:txBody>
+                    <a:bodyPr/>
+                    <a:lstStyle/>
+                    <a:p>
+                      <a:r>
+                        <a:rPr lang="en-US" sz="1100" dirty="0" smtClean="0"/>
+                        <a:t>date</a:t>
+                      </a:r>
+                      <a:endParaRPr lang="en-US" sz="1100" dirty="0"/>
+                    </a:p>
+                  </a:txBody>
+                  <a:tcPr/>
+                </a:tc>
+              </a:tr>
+              <a:tr h="218038">
+                <a:tc>
+                  <a:txBody>
+                    <a:bodyPr/>
+                    <a:lstStyle/>
+                    <a:p>
+                      <a:endParaRPr lang="en-US" sz="1100" dirty="0"/>
+                    </a:p>
+                  </a:txBody>
+                  <a:tcPr/>
+                </a:tc>
+                <a:tc>
+                  <a:txBody>
+                    <a:bodyPr/>
+                    <a:lstStyle/>
+                    <a:p>
+                      <a:endParaRPr lang="en-US" sz="1100"/>
+                    </a:p>
+                  </a:txBody>
+                  <a:tcPr/>
+                </a:tc>
+                <a:tc>
+                  <a:txBody>
+                    <a:bodyPr/>
+                    <a:lstStyle/>
+                    <a:p>
+                      <a:endParaRPr lang="en-US" sz="1100"/>
+                    </a:p>
+                  </a:txBody>
+                  <a:tcPr/>
+                </a:tc>
+                <a:tc>
+                  <a:txBody>
+                    <a:bodyPr/>
+                    <a:lstStyle/>
+                    <a:p>
+                      <a:endParaRPr lang="en-US" sz="1100"/>
+                    </a:p>
+                  </a:txBody>
+                  <a:tcPr/>
+                </a:tc>
+                <a:tc>
+                  <a:txBody>
+                    <a:bodyPr/>
+                    <a:lstStyle/>
+                    <a:p>
+                      <a:endParaRPr lang="en-US" sz="1100"/>
+                    </a:p>
+                  </a:txBody>
+                  <a:tcPr/>
+                </a:tc>
+                <a:tc>
+                  <a:txBody>
+                    <a:bodyPr/>
+                    <a:lstStyle/>
+                    <a:p>
+                      <a:endParaRPr lang="en-US" sz="1100"/>
+                    </a:p>
+                  </a:txBody>
+                  <a:tcPr/>
+                </a:tc>
+              </a:tr>
+              <a:tr h="218038">
+                <a:tc>
+                  <a:txBody>
+                    <a:bodyPr/>
+                    <a:lstStyle/>
+                    <a:p>
+                      <a:endParaRPr lang="en-US" sz="1100"/>
+                    </a:p>
+                  </a:txBody>
+                  <a:tcPr/>
+                </a:tc>
+                <a:tc>
+                  <a:txBody>
+                    <a:bodyPr/>
+                    <a:lstStyle/>
+                    <a:p>
+                      <a:endParaRPr lang="en-US" sz="1100"/>
+                    </a:p>
+                  </a:txBody>
+                  <a:tcPr/>
+                </a:tc>
+                <a:tc>
+                  <a:txBody>
+                    <a:bodyPr/>
+                    <a:lstStyle/>
+                    <a:p>
+                      <a:endParaRPr lang="en-US" sz="1100"/>
+                    </a:p>
+                  </a:txBody>
+                  <a:tcPr/>
+                </a:tc>
+                <a:tc>
+                  <a:txBody>
+                    <a:bodyPr/>
+                    <a:lstStyle/>
+                    <a:p>
+                      <a:endParaRPr lang="en-US" sz="1100"/>
+                    </a:p>
+                  </a:txBody>
+                  <a:tcPr/>
+                </a:tc>
+                <a:tc>
+                  <a:txBody>
+                    <a:bodyPr/>
+                    <a:lstStyle/>
+                    <a:p>
+                      <a:endParaRPr lang="en-US" sz="1100"/>
+                    </a:p>
+                  </a:txBody>
+                  <a:tcPr/>
+                </a:tc>
+                <a:tc>
+                  <a:txBody>
+                    <a:bodyPr/>
+                    <a:lstStyle/>
+                    <a:p>
+                      <a:endParaRPr lang="en-US" sz="1100"/>
+                    </a:p>
+                  </a:txBody>
+                  <a:tcPr/>
+                </a:tc>
+              </a:tr>
+              <a:tr h="218038">
+                <a:tc>
+                  <a:txBody>
+                    <a:bodyPr/>
+                    <a:lstStyle/>
+                    <a:p>
+                      <a:endParaRPr lang="en-US" sz="1100"/>
+                    </a:p>
+                  </a:txBody>
+                  <a:tcPr/>
+                </a:tc>
+                <a:tc>
+                  <a:txBody>
+                    <a:bodyPr/>
+                    <a:lstStyle/>
+                    <a:p>
+                      <a:endParaRPr lang="en-US" sz="1100" dirty="0"/>
+                    </a:p>
+                  </a:txBody>
+                  <a:tcPr/>
+                </a:tc>
+                <a:tc>
+                  <a:txBody>
+                    <a:bodyPr/>
+                    <a:lstStyle/>
+                    <a:p>
+                      <a:endParaRPr lang="en-US" sz="1100"/>
+                    </a:p>
+                  </a:txBody>
+                  <a:tcPr/>
+                </a:tc>
+                <a:tc>
+                  <a:txBody>
+                    <a:bodyPr/>
+                    <a:lstStyle/>
+                    <a:p>
+                      <a:endParaRPr lang="en-US" sz="1100"/>
+                    </a:p>
+                  </a:txBody>
+                  <a:tcPr/>
+                </a:tc>
+                <a:tc>
+                  <a:txBody>
+                    <a:bodyPr/>
+                    <a:lstStyle/>
+                    <a:p>
+                      <a:endParaRPr lang="en-US" sz="1100"/>
+                    </a:p>
+                  </a:txBody>
+                  <a:tcPr/>
+                </a:tc>
+                <a:tc>
+                  <a:txBody>
+                    <a:bodyPr/>
+                    <a:lstStyle/>
+                    <a:p>
+                      <a:endParaRPr lang="en-US" sz="1100"/>
+                    </a:p>
+                  </a:txBody>
+                  <a:tcPr/>
+                </a:tc>
+              </a:tr>
+              <a:tr h="218038">
+                <a:tc>
+                  <a:txBody>
+                    <a:bodyPr/>
+                    <a:lstStyle/>
+                    <a:p>
+                      <a:endParaRPr lang="en-US" sz="1100"/>
+                    </a:p>
+                  </a:txBody>
+                  <a:tcPr/>
+                </a:tc>
+                <a:tc>
+                  <a:txBody>
+                    <a:bodyPr/>
+                    <a:lstStyle/>
+                    <a:p>
+                      <a:endParaRPr lang="en-US" sz="1100" dirty="0"/>
+                    </a:p>
+                  </a:txBody>
+                  <a:tcPr/>
+                </a:tc>
+                <a:tc>
+                  <a:txBody>
+                    <a:bodyPr/>
+                    <a:lstStyle/>
+                    <a:p>
+                      <a:endParaRPr lang="en-US" sz="1100"/>
+                    </a:p>
+                  </a:txBody>
+                  <a:tcPr/>
+                </a:tc>
+                <a:tc>
+                  <a:txBody>
+                    <a:bodyPr/>
+                    <a:lstStyle/>
+                    <a:p>
+                      <a:endParaRPr lang="en-US" sz="1100"/>
+                    </a:p>
+                  </a:txBody>
+                  <a:tcPr/>
+                </a:tc>
+                <a:tc>
+                  <a:txBody>
+                    <a:bodyPr/>
+                    <a:lstStyle/>
+                    <a:p>
+                      <a:endParaRPr lang="en-US" sz="1100"/>
+                    </a:p>
+                  </a:txBody>
+                  <a:tcPr/>
+                </a:tc>
+                <a:tc>
+                  <a:txBody>
+                    <a:bodyPr/>
+                    <a:lstStyle/>
+                    <a:p>
+                      <a:endParaRPr lang="en-US" sz="1100"/>
+                    </a:p>
+                  </a:txBody>
+                  <a:tcPr/>
+                </a:tc>
+              </a:tr>
+              <a:tr h="218038">
+                <a:tc>
+                  <a:txBody>
+                    <a:bodyPr/>
+                    <a:lstStyle/>
+                    <a:p>
+                      <a:endParaRPr lang="en-US" sz="1100"/>
+                    </a:p>
+                  </a:txBody>
+                  <a:tcPr/>
+                </a:tc>
+                <a:tc>
+                  <a:txBody>
+                    <a:bodyPr/>
+                    <a:lstStyle/>
+                    <a:p>
+                      <a:endParaRPr lang="en-US" sz="1100" dirty="0"/>
+                    </a:p>
+                  </a:txBody>
+                  <a:tcPr/>
+                </a:tc>
+                <a:tc>
+                  <a:txBody>
+                    <a:bodyPr/>
+                    <a:lstStyle/>
+                    <a:p>
+                      <a:endParaRPr lang="en-US" sz="1100"/>
+                    </a:p>
+                  </a:txBody>
+                  <a:tcPr/>
+                </a:tc>
+                <a:tc>
+                  <a:txBody>
+                    <a:bodyPr/>
+                    <a:lstStyle/>
+                    <a:p>
+                      <a:endParaRPr lang="en-US" sz="1100"/>
+                    </a:p>
+                  </a:txBody>
+                  <a:tcPr/>
+                </a:tc>
+                <a:tc>
+                  <a:txBody>
+                    <a:bodyPr/>
+                    <a:lstStyle/>
+                    <a:p>
+                      <a:endParaRPr lang="en-US" sz="1100"/>
+                    </a:p>
+                  </a:txBody>
+                  <a:tcPr/>
+                </a:tc>
+                <a:tc>
+                  <a:txBody>
+                    <a:bodyPr/>
+                    <a:lstStyle/>
+                    <a:p>
+                      <a:endParaRPr lang="en-US" sz="1100"/>
+                    </a:p>
+                  </a:txBody>
+                  <a:tcPr/>
+                </a:tc>
+              </a:tr>
+              <a:tr h="218038">
+                <a:tc>
+                  <a:txBody>
+                    <a:bodyPr/>
+                    <a:lstStyle/>
+                    <a:p>
+                      <a:endParaRPr lang="en-US" sz="1100"/>
+                    </a:p>
+                  </a:txBody>
+                  <a:tcPr/>
+                </a:tc>
+                <a:tc>
+                  <a:txBody>
+                    <a:bodyPr/>
+                    <a:lstStyle/>
+                    <a:p>
+                      <a:endParaRPr lang="en-US" sz="1100" dirty="0"/>
+                    </a:p>
+                  </a:txBody>
+                  <a:tcPr/>
+                </a:tc>
+                <a:tc>
+                  <a:txBody>
+                    <a:bodyPr/>
+                    <a:lstStyle/>
+                    <a:p>
+                      <a:endParaRPr lang="en-US" sz="1100"/>
+                    </a:p>
+                  </a:txBody>
+                  <a:tcPr/>
+                </a:tc>
+                <a:tc>
+                  <a:txBody>
+                    <a:bodyPr/>
+                    <a:lstStyle/>
+                    <a:p>
+                      <a:endParaRPr lang="en-US" sz="1100"/>
+                    </a:p>
+                  </a:txBody>
+                  <a:tcPr/>
+                </a:tc>
+                <a:tc>
+                  <a:txBody>
+                    <a:bodyPr/>
+                    <a:lstStyle/>
+                    <a:p>
+                      <a:endParaRPr lang="en-US" sz="1100"/>
+                    </a:p>
+                  </a:txBody>
+                  <a:tcPr/>
+                </a:tc>
+                <a:tc>
+                  <a:txBody>
+                    <a:bodyPr/>
+                    <a:lstStyle/>
+                    <a:p>
+                      <a:endParaRPr lang="en-US" sz="1100"/>
+                    </a:p>
+                  </a:txBody>
+                  <a:tcPr/>
+                </a:tc>
+              </a:tr>
+              <a:tr h="218038">
+                <a:tc>
+                  <a:txBody>
+                    <a:bodyPr/>
+                    <a:lstStyle/>
+                    <a:p>
+                      <a:endParaRPr lang="en-US" sz="1100"/>
+                    </a:p>
+                  </a:txBody>
+                  <a:tcPr/>
+                </a:tc>
+                <a:tc>
+                  <a:txBody>
+                    <a:bodyPr/>
+                    <a:lstStyle/>
+                    <a:p>
+                      <a:endParaRPr lang="en-US" sz="1100"/>
+                    </a:p>
+                  </a:txBody>
+                  <a:tcPr/>
+                </a:tc>
+                <a:tc>
+                  <a:txBody>
+                    <a:bodyPr/>
+                    <a:lstStyle/>
+                    <a:p>
+                      <a:endParaRPr lang="en-US" sz="1100"/>
+                    </a:p>
+                  </a:txBody>
+                  <a:tcPr/>
+                </a:tc>
+                <a:tc>
+                  <a:txBody>
+                    <a:bodyPr/>
+                    <a:lstStyle/>
+                    <a:p>
+                      <a:endParaRPr lang="en-US" sz="1100"/>
+                    </a:p>
+                  </a:txBody>
+                  <a:tcPr/>
+                </a:tc>
+                <a:tc>
+                  <a:txBody>
+                    <a:bodyPr/>
+                    <a:lstStyle/>
+                    <a:p>
+                      <a:endParaRPr lang="en-US" sz="1100"/>
+                    </a:p>
+                  </a:txBody>
+                  <a:tcPr/>
+                </a:tc>
+                <a:tc>
+                  <a:txBody>
+                    <a:bodyPr/>
+                    <a:lstStyle/>
+                    <a:p>
+                      <a:endParaRPr lang="en-US" sz="1100"/>
+                    </a:p>
+                  </a:txBody>
+                  <a:tcPr/>
+                </a:tc>
+              </a:tr>
+              <a:tr h="218038">
+                <a:tc>
+                  <a:txBody>
+                    <a:bodyPr/>
+                    <a:lstStyle/>
+                    <a:p>
+                      <a:endParaRPr lang="en-US" sz="1100"/>
+                    </a:p>
+                  </a:txBody>
+                  <a:tcPr/>
+                </a:tc>
+                <a:tc>
+                  <a:txBody>
+                    <a:bodyPr/>
+                    <a:lstStyle/>
+                    <a:p>
+                      <a:endParaRPr lang="en-US" sz="1100"/>
+                    </a:p>
+                  </a:txBody>
+                  <a:tcPr/>
+                </a:tc>
+                <a:tc>
+                  <a:txBody>
+                    <a:bodyPr/>
+                    <a:lstStyle/>
+                    <a:p>
+                      <a:endParaRPr lang="en-US" sz="1100"/>
+                    </a:p>
+                  </a:txBody>
+                  <a:tcPr/>
+                </a:tc>
+                <a:tc>
+                  <a:txBody>
+                    <a:bodyPr/>
+                    <a:lstStyle/>
+                    <a:p>
+                      <a:endParaRPr lang="en-US" sz="1100"/>
+                    </a:p>
+                  </a:txBody>
+                  <a:tcPr/>
+                </a:tc>
+                <a:tc>
+                  <a:txBody>
+                    <a:bodyPr/>
+                    <a:lstStyle/>
+                    <a:p>
+                      <a:endParaRPr lang="en-US" sz="1100"/>
+                    </a:p>
+                  </a:txBody>
+                  <a:tcPr/>
+                </a:tc>
+                <a:tc>
+                  <a:txBody>
+                    <a:bodyPr/>
+                    <a:lstStyle/>
+                    <a:p>
+                      <a:endParaRPr lang="en-US" sz="1100"/>
+                    </a:p>
+                  </a:txBody>
+                  <a:tcPr/>
+                </a:tc>
+              </a:tr>
+              <a:tr h="218038">
+                <a:tc>
+                  <a:txBody>
+                    <a:bodyPr/>
+                    <a:lstStyle/>
+                    <a:p>
+                      <a:endParaRPr lang="en-US" sz="1100"/>
+                    </a:p>
+                  </a:txBody>
+                  <a:tcPr/>
+                </a:tc>
+                <a:tc>
+                  <a:txBody>
+                    <a:bodyPr/>
+                    <a:lstStyle/>
+                    <a:p>
+                      <a:endParaRPr lang="en-US" sz="1100"/>
+                    </a:p>
+                  </a:txBody>
+                  <a:tcPr/>
+                </a:tc>
+                <a:tc>
+                  <a:txBody>
+                    <a:bodyPr/>
+                    <a:lstStyle/>
+                    <a:p>
+                      <a:endParaRPr lang="en-US" sz="1100" dirty="0"/>
+                    </a:p>
+                  </a:txBody>
+                  <a:tcPr/>
+                </a:tc>
+                <a:tc>
+                  <a:txBody>
+                    <a:bodyPr/>
+                    <a:lstStyle/>
+                    <a:p>
+                      <a:endParaRPr lang="en-US" sz="1100"/>
+                    </a:p>
+                  </a:txBody>
+                  <a:tcPr/>
+                </a:tc>
+                <a:tc>
+                  <a:txBody>
+                    <a:bodyPr/>
+                    <a:lstStyle/>
+                    <a:p>
+                      <a:endParaRPr lang="en-US" sz="1100"/>
+                    </a:p>
+                  </a:txBody>
+                  <a:tcPr/>
+                </a:tc>
+                <a:tc>
+                  <a:txBody>
+                    <a:bodyPr/>
+                    <a:lstStyle/>
+                    <a:p>
+                      <a:endParaRPr lang="en-US" sz="1100"/>
+                    </a:p>
+                  </a:txBody>
+                  <a:tcPr/>
+                </a:tc>
+              </a:tr>
+              <a:tr h="218038">
+                <a:tc>
+                  <a:txBody>
+                    <a:bodyPr/>
+                    <a:lstStyle/>
+                    <a:p>
+                      <a:endParaRPr lang="en-US" sz="1100"/>
+                    </a:p>
+                  </a:txBody>
+                  <a:tcPr/>
+                </a:tc>
+                <a:tc>
+                  <a:txBody>
+                    <a:bodyPr/>
+                    <a:lstStyle/>
+                    <a:p>
+                      <a:endParaRPr lang="en-US" sz="1100"/>
+                    </a:p>
+                  </a:txBody>
+                  <a:tcPr/>
+                </a:tc>
+                <a:tc>
+                  <a:txBody>
+                    <a:bodyPr/>
+                    <a:lstStyle/>
+                    <a:p>
+                      <a:endParaRPr lang="en-US" sz="1100"/>
+                    </a:p>
+                  </a:txBody>
+                  <a:tcPr/>
+                </a:tc>
+                <a:tc>
+                  <a:txBody>
+                    <a:bodyPr/>
+                    <a:lstStyle/>
+                    <a:p>
+                      <a:endParaRPr lang="en-US" sz="1100"/>
+                    </a:p>
+                  </a:txBody>
+                  <a:tcPr/>
+                </a:tc>
+                <a:tc>
+                  <a:txBody>
+                    <a:bodyPr/>
+                    <a:lstStyle/>
+                    <a:p>
+                      <a:endParaRPr lang="en-US" sz="1100"/>
+                    </a:p>
+                  </a:txBody>
+                  <a:tcPr/>
+                </a:tc>
+                <a:tc>
+                  <a:txBody>
+                    <a:bodyPr/>
+                    <a:lstStyle/>
+                    <a:p>
+                      <a:endParaRPr lang="en-US" sz="1100"/>
+                    </a:p>
+                  </a:txBody>
+                  <a:tcPr/>
+                </a:tc>
+              </a:tr>
+              <a:tr h="218038">
+                <a:tc>
+                  <a:txBody>
+                    <a:bodyPr/>
+                    <a:lstStyle/>
+                    <a:p>
+                      <a:endParaRPr lang="en-US" sz="1100"/>
+                    </a:p>
+                  </a:txBody>
+                  <a:tcPr/>
+                </a:tc>
+                <a:tc>
+                  <a:txBody>
+                    <a:bodyPr/>
+                    <a:lstStyle/>
+                    <a:p>
+                      <a:endParaRPr lang="en-US" sz="1100"/>
+                    </a:p>
+                  </a:txBody>
+                  <a:tcPr/>
+                </a:tc>
+                <a:tc>
+                  <a:txBody>
+                    <a:bodyPr/>
+                    <a:lstStyle/>
+                    <a:p>
+                      <a:endParaRPr lang="en-US" sz="1100" dirty="0"/>
+                    </a:p>
+                  </a:txBody>
+                  <a:tcPr/>
+                </a:tc>
+                <a:tc>
+                  <a:txBody>
+                    <a:bodyPr/>
+                    <a:lstStyle/>
+                    <a:p>
+                      <a:endParaRPr lang="en-US" sz="1100"/>
+                    </a:p>
+                  </a:txBody>
+                  <a:tcPr/>
+                </a:tc>
+                <a:tc>
+                  <a:txBody>
+                    <a:bodyPr/>
+                    <a:lstStyle/>
+                    <a:p>
+                      <a:endParaRPr lang="en-US" sz="1100"/>
+                    </a:p>
+                  </a:txBody>
+                  <a:tcPr/>
+                </a:tc>
+                <a:tc>
+                  <a:txBody>
+                    <a:bodyPr/>
+                    <a:lstStyle/>
+                    <a:p>
+                      <a:endParaRPr lang="en-US" sz="1100"/>
+                    </a:p>
+                  </a:txBody>
+                  <a:tcPr/>
+                </a:tc>
+              </a:tr>
+              <a:tr h="218038">
+                <a:tc>
+                  <a:txBody>
+                    <a:bodyPr/>
+                    <a:lstStyle/>
+                    <a:p>
+                      <a:endParaRPr lang="en-US" sz="1100"/>
+                    </a:p>
+                  </a:txBody>
+                  <a:tcPr/>
+                </a:tc>
+                <a:tc>
+                  <a:txBody>
+                    <a:bodyPr/>
+                    <a:lstStyle/>
+                    <a:p>
+                      <a:endParaRPr lang="en-US" sz="1100"/>
+                    </a:p>
+                  </a:txBody>
+                  <a:tcPr/>
+                </a:tc>
+                <a:tc>
+                  <a:txBody>
+                    <a:bodyPr/>
+                    <a:lstStyle/>
+                    <a:p>
+                      <a:endParaRPr lang="en-US" sz="1100"/>
+                    </a:p>
+                  </a:txBody>
+                  <a:tcPr/>
+                </a:tc>
+                <a:tc>
+                  <a:txBody>
+                    <a:bodyPr/>
+                    <a:lstStyle/>
+                    <a:p>
+                      <a:endParaRPr lang="en-US" sz="1100"/>
+                    </a:p>
+                  </a:txBody>
+                  <a:tcPr/>
+                </a:tc>
+                <a:tc>
+                  <a:txBody>
+                    <a:bodyPr/>
+                    <a:lstStyle/>
+                    <a:p>
+                      <a:endParaRPr lang="en-US" sz="1100"/>
+                    </a:p>
+                  </a:txBody>
+                  <a:tcPr/>
+                </a:tc>
+                <a:tc>
+                  <a:txBody>
+                    <a:bodyPr/>
+                    <a:lstStyle/>
+                    <a:p>
+                      <a:endParaRPr lang="en-US" sz="1100"/>
+                    </a:p>
+                  </a:txBody>
+                  <a:tcPr/>
+                </a:tc>
+              </a:tr>
+              <a:tr h="218038">
+                <a:tc>
+                  <a:txBody>
+                    <a:bodyPr/>
+                    <a:lstStyle/>
+                    <a:p>
+                      <a:endParaRPr lang="en-US" sz="1100"/>
+                    </a:p>
+                  </a:txBody>
+                  <a:tcPr/>
+                </a:tc>
+                <a:tc>
+                  <a:txBody>
+                    <a:bodyPr/>
+                    <a:lstStyle/>
+                    <a:p>
+                      <a:endParaRPr lang="en-US" sz="1100"/>
+                    </a:p>
+                  </a:txBody>
+                  <a:tcPr/>
+                </a:tc>
+                <a:tc>
+                  <a:txBody>
+                    <a:bodyPr/>
+                    <a:lstStyle/>
+                    <a:p>
+                      <a:endParaRPr lang="en-US" sz="1100"/>
+                    </a:p>
+                  </a:txBody>
+                  <a:tcPr/>
+                </a:tc>
+                <a:tc>
+                  <a:txBody>
+                    <a:bodyPr/>
+                    <a:lstStyle/>
+                    <a:p>
+                      <a:endParaRPr lang="en-US" sz="1100"/>
+                    </a:p>
+                  </a:txBody>
+                  <a:tcPr/>
+                </a:tc>
+                <a:tc>
+                  <a:txBody>
+                    <a:bodyPr/>
+                    <a:lstStyle/>
+                    <a:p>
+                      <a:endParaRPr lang="en-US" sz="1100"/>
+                    </a:p>
+                  </a:txBody>
+                  <a:tcPr/>
+                </a:tc>
+                <a:tc>
+                  <a:txBody>
+                    <a:bodyPr/>
+                    <a:lstStyle/>
+                    <a:p>
+                      <a:endParaRPr lang="en-US" sz="1100"/>
+                    </a:p>
+                  </a:txBody>
+                  <a:tcPr/>
+                </a:tc>
+              </a:tr>
+              <a:tr h="218038">
+                <a:tc>
+                  <a:txBody>
+                    <a:bodyPr/>
+                    <a:lstStyle/>
+                    <a:p>
+                      <a:endParaRPr lang="en-US" sz="1100"/>
+                    </a:p>
+                  </a:txBody>
+                  <a:tcPr/>
+                </a:tc>
+                <a:tc>
+                  <a:txBody>
+                    <a:bodyPr/>
+                    <a:lstStyle/>
+                    <a:p>
+                      <a:endParaRPr lang="en-US" sz="1100"/>
+                    </a:p>
+                  </a:txBody>
+                  <a:tcPr/>
+                </a:tc>
+                <a:tc>
+                  <a:txBody>
+                    <a:bodyPr/>
+                    <a:lstStyle/>
+                    <a:p>
+                      <a:endParaRPr lang="en-US" sz="1100"/>
+                    </a:p>
+                  </a:txBody>
+                  <a:tcPr/>
+                </a:tc>
+                <a:tc>
+                  <a:txBody>
+                    <a:bodyPr/>
+                    <a:lstStyle/>
+                    <a:p>
+                      <a:endParaRPr lang="en-US" sz="1100"/>
+                    </a:p>
+                  </a:txBody>
+                  <a:tcPr/>
+                </a:tc>
+                <a:tc>
+                  <a:txBody>
+                    <a:bodyPr/>
+                    <a:lstStyle/>
+                    <a:p>
+                      <a:endParaRPr lang="en-US" sz="1100"/>
+                    </a:p>
+                  </a:txBody>
+                  <a:tcPr/>
+                </a:tc>
+                <a:tc>
+                  <a:txBody>
+                    <a:bodyPr/>
+                    <a:lstStyle/>
+                    <a:p>
+                      <a:endParaRPr lang="en-US" sz="1100"/>
+                    </a:p>
+                  </a:txBody>
+                  <a:tcPr/>
+                </a:tc>
+              </a:tr>
+              <a:tr h="218038">
+                <a:tc>
+                  <a:txBody>
+                    <a:bodyPr/>
+                    <a:lstStyle/>
+                    <a:p>
+                      <a:endParaRPr lang="en-US" sz="1100"/>
+                    </a:p>
+                  </a:txBody>
+                  <a:tcPr/>
+                </a:tc>
+                <a:tc>
+                  <a:txBody>
+                    <a:bodyPr/>
+                    <a:lstStyle/>
+                    <a:p>
+                      <a:endParaRPr lang="en-US" sz="1100"/>
+                    </a:p>
+                  </a:txBody>
+                  <a:tcPr/>
+                </a:tc>
+                <a:tc>
+                  <a:txBody>
+                    <a:bodyPr/>
+                    <a:lstStyle/>
+                    <a:p>
+                      <a:endParaRPr lang="en-US" sz="1100"/>
+                    </a:p>
+                  </a:txBody>
+                  <a:tcPr/>
+                </a:tc>
+                <a:tc>
+                  <a:txBody>
+                    <a:bodyPr/>
+                    <a:lstStyle/>
+                    <a:p>
+                      <a:endParaRPr lang="en-US" sz="1100"/>
+                    </a:p>
+                  </a:txBody>
+                  <a:tcPr/>
+                </a:tc>
+                <a:tc>
+                  <a:txBody>
+                    <a:bodyPr/>
+                    <a:lstStyle/>
+                    <a:p>
+                      <a:endParaRPr lang="en-US" sz="1100"/>
+                    </a:p>
+                  </a:txBody>
+                  <a:tcPr/>
+                </a:tc>
+                <a:tc>
+                  <a:txBody>
+                    <a:bodyPr/>
+                    <a:lstStyle/>
+                    <a:p>
+                      <a:endParaRPr lang="en-US" sz="1100"/>
+                    </a:p>
+                  </a:txBody>
+                  <a:tcPr/>
+                </a:tc>
+              </a:tr>
+              <a:tr h="218038">
+                <a:tc>
+                  <a:txBody>
+                    <a:bodyPr/>
+                    <a:lstStyle/>
+                    <a:p>
+                      <a:endParaRPr lang="en-US" sz="1100"/>
+                    </a:p>
+                  </a:txBody>
+                  <a:tcPr/>
+                </a:tc>
+                <a:tc>
+                  <a:txBody>
+                    <a:bodyPr/>
+                    <a:lstStyle/>
+                    <a:p>
+                      <a:endParaRPr lang="en-US" sz="1100"/>
+                    </a:p>
+                  </a:txBody>
+                  <a:tcPr/>
+                </a:tc>
+                <a:tc>
+                  <a:txBody>
+                    <a:bodyPr/>
+                    <a:lstStyle/>
+                    <a:p>
+                      <a:endParaRPr lang="en-US" sz="1100"/>
+                    </a:p>
+                  </a:txBody>
+                  <a:tcPr/>
+                </a:tc>
+                <a:tc>
+                  <a:txBody>
+                    <a:bodyPr/>
+                    <a:lstStyle/>
+                    <a:p>
+                      <a:endParaRPr lang="en-US" sz="1100" dirty="0"/>
+                    </a:p>
+                  </a:txBody>
+                  <a:tcPr/>
+                </a:tc>
+                <a:tc>
+                  <a:txBody>
+                    <a:bodyPr/>
+                    <a:lstStyle/>
+                    <a:p>
+                      <a:endParaRPr lang="en-US" sz="1100"/>
+                    </a:p>
+                  </a:txBody>
+                  <a:tcPr/>
+                </a:tc>
+                <a:tc>
+                  <a:txBody>
+                    <a:bodyPr/>
+                    <a:lstStyle/>
+                    <a:p>
+                      <a:endParaRPr lang="en-US" sz="1100"/>
+                    </a:p>
+                  </a:txBody>
+                  <a:tcPr/>
+                </a:tc>
+              </a:tr>
+              <a:tr h="218038">
+                <a:tc>
+                  <a:txBody>
+                    <a:bodyPr/>
+                    <a:lstStyle/>
+                    <a:p>
+                      <a:endParaRPr lang="en-US" sz="1100"/>
+                    </a:p>
+                  </a:txBody>
+                  <a:tcPr/>
+                </a:tc>
+                <a:tc>
+                  <a:txBody>
+                    <a:bodyPr/>
+                    <a:lstStyle/>
+                    <a:p>
+                      <a:endParaRPr lang="en-US" sz="1100"/>
+                    </a:p>
+                  </a:txBody>
+                  <a:tcPr/>
+                </a:tc>
+                <a:tc>
+                  <a:txBody>
+                    <a:bodyPr/>
+                    <a:lstStyle/>
+                    <a:p>
+                      <a:endParaRPr lang="en-US" sz="1100"/>
+                    </a:p>
+                  </a:txBody>
+                  <a:tcPr/>
+                </a:tc>
+                <a:tc>
+                  <a:txBody>
+                    <a:bodyPr/>
+                    <a:lstStyle/>
+                    <a:p>
+                      <a:endParaRPr lang="en-US" sz="1100"/>
+                    </a:p>
+                  </a:txBody>
+                  <a:tcPr/>
+                </a:tc>
+                <a:tc>
+                  <a:txBody>
+                    <a:bodyPr/>
+                    <a:lstStyle/>
+                    <a:p>
+                      <a:endParaRPr lang="en-US" sz="1100"/>
+                    </a:p>
+                  </a:txBody>
+                  <a:tcPr/>
+                </a:tc>
+                <a:tc>
+                  <a:txBody>
+                    <a:bodyPr/>
+                    <a:lstStyle/>
+                    <a:p>
+                      <a:endParaRPr lang="en-US" sz="1100"/>
+                    </a:p>
+                  </a:txBody>
+                  <a:tcPr/>
+                </a:tc>
+              </a:tr>
+              <a:tr h="218038">
+                <a:tc>
+                  <a:txBody>
+                    <a:bodyPr/>
+                    <a:lstStyle/>
+                    <a:p>
+                      <a:endParaRPr lang="en-US" sz="1100"/>
+                    </a:p>
+                  </a:txBody>
+                  <a:tcPr/>
+                </a:tc>
+                <a:tc>
+                  <a:txBody>
+                    <a:bodyPr/>
+                    <a:lstStyle/>
+                    <a:p>
+                      <a:endParaRPr lang="en-US" sz="1100"/>
+                    </a:p>
+                  </a:txBody>
+                  <a:tcPr/>
+                </a:tc>
+                <a:tc>
+                  <a:txBody>
+                    <a:bodyPr/>
+                    <a:lstStyle/>
+                    <a:p>
+                      <a:endParaRPr lang="en-US" sz="1100"/>
+                    </a:p>
+                  </a:txBody>
+                  <a:tcPr/>
+                </a:tc>
+                <a:tc>
+                  <a:txBody>
+                    <a:bodyPr/>
+                    <a:lstStyle/>
+                    <a:p>
+                      <a:endParaRPr lang="en-US" sz="1100"/>
+                    </a:p>
+                  </a:txBody>
+                  <a:tcPr/>
+                </a:tc>
+                <a:tc>
+                  <a:txBody>
+                    <a:bodyPr/>
+                    <a:lstStyle/>
+                    <a:p>
+                      <a:endParaRPr lang="en-US" sz="1100"/>
+                    </a:p>
+                  </a:txBody>
+                  <a:tcPr/>
+                </a:tc>
+                <a:tc>
+                  <a:txBody>
+                    <a:bodyPr/>
+                    <a:lstStyle/>
+                    <a:p>
+                      <a:endParaRPr lang="en-US" sz="1100"/>
+                    </a:p>
+                  </a:txBody>
+                  <a:tcPr/>
+                </a:tc>
+              </a:tr>
+              <a:tr h="218038">
+                <a:tc>
+                  <a:txBody>
+                    <a:bodyPr/>
+                    <a:lstStyle/>
+                    <a:p>
+                      <a:endParaRPr lang="en-US" sz="1100"/>
+                    </a:p>
+                  </a:txBody>
+                  <a:tcPr/>
+                </a:tc>
+                <a:tc>
+                  <a:txBody>
+                    <a:bodyPr/>
+                    <a:lstStyle/>
+                    <a:p>
+                      <a:endParaRPr lang="en-US" sz="1100"/>
+                    </a:p>
+                  </a:txBody>
+                  <a:tcPr/>
+                </a:tc>
+                <a:tc>
+                  <a:txBody>
+                    <a:bodyPr/>
+                    <a:lstStyle/>
+                    <a:p>
+                      <a:endParaRPr lang="en-US" sz="1100"/>
+                    </a:p>
+                  </a:txBody>
+                  <a:tcPr/>
+                </a:tc>
+                <a:tc>
+                  <a:txBody>
+                    <a:bodyPr/>
+                    <a:lstStyle/>
+                    <a:p>
+                      <a:endParaRPr lang="en-US" sz="1100"/>
+                    </a:p>
+                  </a:txBody>
+                  <a:tcPr/>
+                </a:tc>
+                <a:tc>
+                  <a:txBody>
+                    <a:bodyPr/>
+                    <a:lstStyle/>
+                    <a:p>
+                      <a:endParaRPr lang="en-US" sz="1100"/>
+                    </a:p>
+                  </a:txBody>
+                  <a:tcPr/>
+                </a:tc>
+                <a:tc>
+                  <a:txBody>
+                    <a:bodyPr/>
+                    <a:lstStyle/>
+                    <a:p>
+                      <a:endParaRPr lang="en-US" sz="1100"/>
+                    </a:p>
+                  </a:txBody>
+                  <a:tcPr/>
+                </a:tc>
+              </a:tr>
+              <a:tr h="218038">
+                <a:tc>
+                  <a:txBody>
+                    <a:bodyPr/>
+                    <a:lstStyle/>
+                    <a:p>
+                      <a:endParaRPr lang="en-US" sz="1100"/>
+                    </a:p>
+                  </a:txBody>
+                  <a:tcPr/>
+                </a:tc>
+                <a:tc>
+                  <a:txBody>
+                    <a:bodyPr/>
+                    <a:lstStyle/>
+                    <a:p>
+                      <a:endParaRPr lang="en-US" sz="1100"/>
+                    </a:p>
+                  </a:txBody>
+                  <a:tcPr/>
+                </a:tc>
+                <a:tc>
+                  <a:txBody>
+                    <a:bodyPr/>
+                    <a:lstStyle/>
+                    <a:p>
+                      <a:endParaRPr lang="en-US" sz="1100"/>
+                    </a:p>
+                  </a:txBody>
+                  <a:tcPr/>
+                </a:tc>
+                <a:tc>
+                  <a:txBody>
+                    <a:bodyPr/>
+                    <a:lstStyle/>
+                    <a:p>
+                      <a:endParaRPr lang="en-US" sz="1100"/>
+                    </a:p>
+                  </a:txBody>
+                  <a:tcPr/>
+                </a:tc>
+                <a:tc>
+                  <a:txBody>
+                    <a:bodyPr/>
+                    <a:lstStyle/>
+                    <a:p>
+                      <a:endParaRPr lang="en-US" sz="1100"/>
+                    </a:p>
+                  </a:txBody>
+                  <a:tcPr/>
+                </a:tc>
+                <a:tc>
+                  <a:txBody>
+                    <a:bodyPr/>
+                    <a:lstStyle/>
+                    <a:p>
+                      <a:endParaRPr lang="en-US" sz="1100"/>
+                    </a:p>
+                  </a:txBody>
+                  <a:tcPr/>
+                </a:tc>
+              </a:tr>
+              <a:tr h="218038">
+                <a:tc>
+                  <a:txBody>
+                    <a:bodyPr/>
+                    <a:lstStyle/>
+                    <a:p>
+                      <a:endParaRPr lang="en-US" sz="1100"/>
+                    </a:p>
+                  </a:txBody>
+                  <a:tcPr/>
+                </a:tc>
+                <a:tc>
+                  <a:txBody>
+                    <a:bodyPr/>
+                    <a:lstStyle/>
+                    <a:p>
+                      <a:endParaRPr lang="en-US" sz="1100"/>
+                    </a:p>
+                  </a:txBody>
+                  <a:tcPr/>
+                </a:tc>
+                <a:tc>
+                  <a:txBody>
+                    <a:bodyPr/>
+                    <a:lstStyle/>
+                    <a:p>
+                      <a:endParaRPr lang="en-US" sz="1100"/>
+                    </a:p>
+                  </a:txBody>
+                  <a:tcPr/>
+                </a:tc>
+                <a:tc>
+                  <a:txBody>
+                    <a:bodyPr/>
+                    <a:lstStyle/>
+                    <a:p>
+                      <a:endParaRPr lang="en-US" sz="1100"/>
+                    </a:p>
+                  </a:txBody>
+                  <a:tcPr/>
+                </a:tc>
+                <a:tc>
+                  <a:txBody>
+                    <a:bodyPr/>
+                    <a:lstStyle/>
+                    <a:p>
+                      <a:endParaRPr lang="en-US" sz="1100"/>
+                    </a:p>
+                  </a:txBody>
+                  <a:tcPr/>
+                </a:tc>
+                <a:tc>
+                  <a:txBody>
+                    <a:bodyPr/>
+                    <a:lstStyle/>
+                    <a:p>
+                      <a:endParaRPr lang="en-US" sz="1100"/>
+                    </a:p>
+                  </a:txBody>
+                  <a:tcPr/>
+                </a:tc>
+              </a:tr>
+              <a:tr h="218038">
+                <a:tc>
+                  <a:txBody>
+                    <a:bodyPr/>
+                    <a:lstStyle/>
+                    <a:p>
+                      <a:endParaRPr lang="en-US" sz="1100"/>
+                    </a:p>
+                  </a:txBody>
+                  <a:tcPr/>
+                </a:tc>
+                <a:tc>
+                  <a:txBody>
+                    <a:bodyPr/>
+                    <a:lstStyle/>
+                    <a:p>
+                      <a:endParaRPr lang="en-US" sz="1100"/>
+                    </a:p>
+                  </a:txBody>
+                  <a:tcPr/>
+                </a:tc>
+                <a:tc>
+                  <a:txBody>
+                    <a:bodyPr/>
+                    <a:lstStyle/>
+                    <a:p>
+                      <a:endParaRPr lang="en-US" sz="1100"/>
+                    </a:p>
+                  </a:txBody>
+                  <a:tcPr/>
+                </a:tc>
+                <a:tc>
+                  <a:txBody>
+                    <a:bodyPr/>
+                    <a:lstStyle/>
+                    <a:p>
+                      <a:endParaRPr lang="en-US" sz="1100"/>
+                    </a:p>
+                  </a:txBody>
+                  <a:tcPr/>
+                </a:tc>
+                <a:tc>
+                  <a:txBody>
+                    <a:bodyPr/>
+                    <a:lstStyle/>
+                    <a:p>
+                      <a:endParaRPr lang="en-US" sz="1100"/>
+                    </a:p>
+                  </a:txBody>
+                  <a:tcPr/>
+                </a:tc>
+                <a:tc>
+                  <a:txBody>
+                    <a:bodyPr/>
+                    <a:lstStyle/>
+                    <a:p>
+                      <a:endParaRPr lang="en-US" sz="1100"/>
+                    </a:p>
+                  </a:txBody>
+                  <a:tcPr/>
+                </a:tc>
+              </a:tr>
+              <a:tr h="218038">
+                <a:tc>
+                  <a:txBody>
+                    <a:bodyPr/>
+                    <a:lstStyle/>
+                    <a:p>
+                      <a:endParaRPr lang="en-US" sz="1100"/>
+                    </a:p>
+                  </a:txBody>
+                  <a:tcPr/>
+                </a:tc>
+                <a:tc>
+                  <a:txBody>
+                    <a:bodyPr/>
+                    <a:lstStyle/>
+                    <a:p>
+                      <a:endParaRPr lang="en-US" sz="1100"/>
+                    </a:p>
+                  </a:txBody>
+                  <a:tcPr/>
+                </a:tc>
+                <a:tc>
+                  <a:txBody>
+                    <a:bodyPr/>
+                    <a:lstStyle/>
+                    <a:p>
+                      <a:endParaRPr lang="en-US" sz="1100"/>
+                    </a:p>
+                  </a:txBody>
+                  <a:tcPr/>
+                </a:tc>
+                <a:tc>
+                  <a:txBody>
+                    <a:bodyPr/>
+                    <a:lstStyle/>
+                    <a:p>
+                      <a:endParaRPr lang="en-US" sz="1100"/>
+                    </a:p>
+                  </a:txBody>
+                  <a:tcPr/>
+                </a:tc>
+                <a:tc>
+                  <a:txBody>
+                    <a:bodyPr/>
+                    <a:lstStyle/>
+                    <a:p>
+                      <a:endParaRPr lang="en-US" sz="1100"/>
+                    </a:p>
+                  </a:txBody>
+                  <a:tcPr/>
+                </a:tc>
+                <a:tc>
+                  <a:txBody>
+                    <a:bodyPr/>
+                    <a:lstStyle/>
+                    <a:p>
+                      <a:endParaRPr lang="en-US" sz="1100"/>
+                    </a:p>
+                  </a:txBody>
+                  <a:tcPr/>
+                </a:tc>
+              </a:tr>
+              <a:tr h="218038">
+                <a:tc>
+                  <a:txBody>
+                    <a:bodyPr/>
+                    <a:lstStyle/>
+                    <a:p>
+                      <a:endParaRPr lang="en-US" sz="1100" dirty="0"/>
+                    </a:p>
+                  </a:txBody>
+                  <a:tcPr/>
+                </a:tc>
+                <a:tc>
+                  <a:txBody>
+                    <a:bodyPr/>
+                    <a:lstStyle/>
+                    <a:p>
+                      <a:endParaRPr lang="en-US" sz="1100"/>
+                    </a:p>
+                  </a:txBody>
+                  <a:tcPr/>
+                </a:tc>
+                <a:tc>
+                  <a:txBody>
+                    <a:bodyPr/>
+                    <a:lstStyle/>
+                    <a:p>
+                      <a:endParaRPr lang="en-US" sz="1100"/>
+                    </a:p>
+                  </a:txBody>
+                  <a:tcPr/>
+                </a:tc>
+                <a:tc>
+                  <a:txBody>
+                    <a:bodyPr/>
+                    <a:lstStyle/>
+                    <a:p>
+                      <a:endParaRPr lang="en-US" sz="1100"/>
+                    </a:p>
+                  </a:txBody>
+                  <a:tcPr/>
+                </a:tc>
+                <a:tc>
+                  <a:txBody>
+                    <a:bodyPr/>
+                    <a:lstStyle/>
+                    <a:p>
+                      <a:endParaRPr lang="en-US" sz="1100" dirty="0"/>
+                    </a:p>
+                  </a:txBody>
+                  <a:tcPr/>
+                </a:tc>
+                <a:tc>
+                  <a:txBody>
+                    <a:bodyPr/>
+                    <a:lstStyle/>
+                    <a:p>
+                      <a:endParaRPr lang="en-US" sz="1100" dirty="0"/>
+                    </a:p>
+                  </a:txBody>
+                  <a:tcPr/>
+                </a:tc>
+              </a:tr>
+            </a:tbl>
+          </a:graphicData>
+        </a:graphic>
+      </p:graphicFrame>
+      <p:sp>
+        <p:nvSpPr>
+          <p:cNvPr id="3" name="Title 1"/>
+          <p:cNvSpPr>
+            <a:spLocks noGrp="1"/>
+          </p:cNvSpPr>
+          <p:nvPr>
+            <p:ph type="title"/>
+          </p:nvPr>
+        </p:nvSpPr>
+        <p:spPr>
+          <a:xfrm>
+            <a:off x="0" y="846138"/>
+            <a:ext cx="2372622" cy="1143000"/>
+          </a:xfrm>
+        </p:spPr>
+        <p:txBody>
+          <a:bodyPr>
+            <a:normAutofit fontScale="90000"/>
+          </a:bodyPr>
+          <a:lstStyle/>
+          <a:p>
+            <a:r>
+              <a:rPr lang="en-US" dirty="0" smtClean="0"/>
+              <a:t>Primer pair test </a:t>
+            </a:r>
+            <a:r>
+              <a:rPr lang="en-US" dirty="0" err="1" smtClean="0"/>
+              <a:t>restults</a:t>
+            </a:r>
+            <a:endParaRPr lang="en-US" dirty="0"/>
+          </a:p>
+        </p:txBody>
+      </p:sp>
+    </p:spTree>
+    <p:extLst>
+      <p:ext uri="{BB962C8B-B14F-4D97-AF65-F5344CB8AC3E}">
+        <p14:creationId xmlns:p14="http://schemas.microsoft.com/office/powerpoint/2010/main" val="2443491362"/>
+      </p:ext>
+    </p:extLst>
+  </p:cSld>
+  <p:clrMapOvr>
+    <a:masterClrMapping/>
+  </p:clrMapOvr>
+</p:sld>
+</file>
+
+<file path=ppt/slides/slide11.xml><?xml version="1.0" encoding="utf-8"?>
+<p:sld xmlns:a="http://schemas.openxmlformats.org/drawingml/2006/main" xmlns:r="http://schemas.openxmlformats.org/officeDocument/2006/relationships" xmlns:p="http://schemas.openxmlformats.org/presentationml/2006/main">
+  <p:cSld>
+    <p:spTree>
+      <p:nvGrpSpPr>
+        <p:cNvPr id="1" name=""/>
+        <p:cNvGrpSpPr/>
+        <p:nvPr/>
+      </p:nvGrpSpPr>
+      <p:grpSpPr>
+        <a:xfrm>
+          <a:off x="0" y="0"/>
+          <a:ext cx="0" cy="0"/>
+          <a:chOff x="0" y="0"/>
+          <a:chExt cx="0" cy="0"/>
+        </a:xfrm>
+      </p:grpSpPr>
+      <p:graphicFrame>
+        <p:nvGraphicFramePr>
+          <p:cNvPr id="4" name="Table 3"/>
+          <p:cNvGraphicFramePr>
+            <a:graphicFrameLocks noGrp="1"/>
+          </p:cNvGraphicFramePr>
+          <p:nvPr>
+            <p:extLst>
+              <p:ext uri="{D42A27DB-BD31-4B8C-83A1-F6EECF244321}">
                 <p14:modId xmlns:p14="http://schemas.microsoft.com/office/powerpoint/2010/main" val="3567656435"/>
               </p:ext>
             </p:extLst>
@@ -7174,11 +9641,7 @@
           <a:p>
             <a:r>
               <a:rPr lang="en-US" b="1" dirty="0" smtClean="0"/>
-              <a:t>1:</a:t>
-            </a:r>
-            <a:r>
-              <a:rPr lang="en-US" b="1" dirty="0" smtClean="0"/>
-              <a:t>4 or 1:10</a:t>
+              <a:t>1:4 or 1:10</a:t>
             </a:r>
           </a:p>
         </p:txBody>
@@ -7207,11 +9670,7 @@
           <a:p>
             <a:r>
               <a:rPr lang="en-US" b="1" dirty="0" smtClean="0"/>
-              <a:t>1:</a:t>
-            </a:r>
-            <a:r>
-              <a:rPr lang="en-US" b="1" dirty="0" smtClean="0"/>
-              <a:t>16 or 1:100</a:t>
+              <a:t>1:16 or 1:100</a:t>
             </a:r>
             <a:endParaRPr lang="en-US" b="1" dirty="0"/>
           </a:p>
@@ -7241,11 +9700,7 @@
           <a:p>
             <a:r>
               <a:rPr lang="en-US" b="1" dirty="0" smtClean="0"/>
-              <a:t>1:</a:t>
-            </a:r>
-            <a:r>
-              <a:rPr lang="en-US" b="1" dirty="0" smtClean="0"/>
-              <a:t>64 or 1:1000</a:t>
+              <a:t>1:64 or 1:1000</a:t>
             </a:r>
             <a:endParaRPr lang="en-US" b="1" dirty="0"/>
           </a:p>
@@ -7784,7 +10239,7 @@
         <p:spPr>
           <a:xfrm>
             <a:off x="0" y="-62680"/>
-            <a:ext cx="9144000" cy="7017303"/>
+            <a:ext cx="9144000" cy="7232747"/>
           </a:xfrm>
           <a:prstGeom prst="rect">
             <a:avLst/>
@@ -7799,7 +10254,11 @@
           <a:p>
             <a:r>
               <a:rPr lang="en-US" sz="1600" b="1" u="sng" dirty="0" smtClean="0"/>
-              <a:t>Validation plate protocol - 15 </a:t>
+              <a:t>Validation plate protocol </a:t>
+            </a:r>
+            <a:r>
+              <a:rPr lang="en-US" sz="1600" b="1" u="sng" dirty="0" smtClean="0"/>
+              <a:t>– 2 </a:t>
             </a:r>
             <a:r>
               <a:rPr lang="en-US" sz="1600" b="1" u="sng" dirty="0" err="1" smtClean="0"/>
@@ -7807,7 +10266,11 @@
             </a:r>
             <a:r>
               <a:rPr lang="en-US" sz="1600" b="1" u="sng" dirty="0" smtClean="0"/>
-              <a:t> Reaction </a:t>
+              <a:t> DNA per </a:t>
+            </a:r>
+            <a:r>
+              <a:rPr lang="en-US" sz="1600" b="1" u="sng" dirty="0" smtClean="0"/>
+              <a:t>Reaction </a:t>
             </a:r>
           </a:p>
           <a:p>
@@ -7881,11 +10344,7 @@
           <a:p>
             <a:r>
               <a:rPr lang="en-US" sz="1400" dirty="0" smtClean="0"/>
-              <a:t>- Add </a:t>
-            </a:r>
-            <a:r>
-              <a:rPr lang="en-US" sz="1400" dirty="0" smtClean="0"/>
-              <a:t>20 </a:t>
+              <a:t>- Add 20 </a:t>
             </a:r>
             <a:r>
               <a:rPr lang="en-US" sz="1400" dirty="0" err="1"/>
@@ -7915,11 +10374,11 @@
             </a:r>
             <a:r>
               <a:rPr lang="en-US" sz="1400" dirty="0"/>
-              <a:t>primers on ice, and set up workbench (fill 3 ice buckets, empty waste container, wipe down surfaces with EtOH, etc.</a:t>
+              <a:t>primers on ice, and set up workbench (fill 3 ice buckets, empty waste container, wipe down surfaces with </a:t>
             </a:r>
             <a:r>
               <a:rPr lang="en-US" sz="1400" dirty="0" smtClean="0"/>
-              <a:t>)</a:t>
+              <a:t>EtOH)</a:t>
             </a:r>
             <a:endParaRPr lang="en-US" sz="1400" dirty="0"/>
           </a:p>
@@ -7943,19 +10402,24 @@
           </a:p>
           <a:p>
             <a:r>
+              <a:rPr lang="en-US" sz="1400" b="1" u="sng" dirty="0" err="1"/>
+              <a:t>Qubit</a:t>
+            </a:r>
+            <a:r>
+              <a:rPr lang="en-US" sz="1400" b="1" u="sng" dirty="0"/>
+              <a:t> </a:t>
+            </a:r>
+            <a:r>
+              <a:rPr lang="en-US" sz="1400" dirty="0" err="1"/>
+              <a:t>gDNA</a:t>
+            </a:r>
+            <a:r>
+              <a:rPr lang="en-US" sz="1400" dirty="0"/>
+              <a:t> first to get concentration. </a:t>
+            </a:r>
+            <a:r>
               <a:rPr lang="en-US" sz="1400" dirty="0" smtClean="0"/>
-              <a:t>For Sciara (can also do 10-fold dilutions as with yeast – but may want to revisit the Upper/Lower limits of series):</a:t>
-            </a:r>
-            <a:br>
-              <a:rPr lang="en-US" sz="1400" dirty="0" smtClean="0"/>
-            </a:br>
-            <a:r>
-              <a:rPr lang="en-US" sz="1400" dirty="0" smtClean="0"/>
-              <a:t>Starting </a:t>
-            </a:r>
-            <a:r>
-              <a:rPr lang="en-US" sz="1400" dirty="0" smtClean="0"/>
-              <a:t>concentration is 1 </a:t>
+              <a:t>Then dilute it to appropriate 1:1 concentration. If H is the </a:t>
             </a:r>
             <a:r>
               <a:rPr lang="en-US" sz="1400" dirty="0" err="1" smtClean="0"/>
@@ -7963,7 +10427,7 @@
             </a:r>
             <a:r>
               <a:rPr lang="en-US" sz="1400" dirty="0" smtClean="0"/>
-              <a:t>/</a:t>
+              <a:t> amount needed at the high end, then 1:1 is typically H/2 as 2 </a:t>
             </a:r>
             <a:r>
               <a:rPr lang="en-US" sz="1400" dirty="0" err="1" smtClean="0"/>
@@ -7971,73 +10435,388 @@
             </a:r>
             <a:r>
               <a:rPr lang="en-US" sz="1400" dirty="0" smtClean="0"/>
-              <a:t> and will use </a:t>
-            </a:r>
+              <a:t> is used per reaction.</a:t>
+            </a:r>
+            <a:endParaRPr lang="en-US" sz="1400" dirty="0" smtClean="0"/>
+          </a:p>
+          <a:p>
             <a:r>
               <a:rPr lang="en-US" sz="1400" dirty="0" smtClean="0"/>
-              <a:t>2 </a:t>
+              <a:t>Note: C</a:t>
+            </a:r>
+            <a:r>
+              <a:rPr lang="en-US" sz="1400" baseline="-25000" dirty="0" smtClean="0"/>
+              <a:t>1</a:t>
+            </a:r>
+            <a:r>
+              <a:rPr lang="en-US" sz="1400" dirty="0" smtClean="0"/>
+              <a:t>V</a:t>
+            </a:r>
+            <a:r>
+              <a:rPr lang="en-US" sz="1400" baseline="-25000" dirty="0" smtClean="0"/>
+              <a:t>1</a:t>
+            </a:r>
+            <a:r>
+              <a:rPr lang="en-US" sz="1400" dirty="0" smtClean="0"/>
+              <a:t> = C</a:t>
+            </a:r>
+            <a:r>
+              <a:rPr lang="en-US" sz="1400" baseline="-25000" dirty="0" smtClean="0"/>
+              <a:t>2</a:t>
+            </a:r>
+            <a:r>
+              <a:rPr lang="en-US" sz="1400" dirty="0" smtClean="0"/>
+              <a:t>V</a:t>
+            </a:r>
+            <a:r>
+              <a:rPr lang="en-US" sz="1400" baseline="-25000" dirty="0" smtClean="0"/>
+              <a:t>2</a:t>
+            </a:r>
+            <a:r>
+              <a:rPr lang="en-US" sz="1400" dirty="0" smtClean="0"/>
+              <a:t>   </a:t>
+            </a:r>
+            <a:r>
+              <a:rPr lang="en-US" sz="1400" dirty="0" smtClean="0">
+                <a:sym typeface="Wingdings"/>
+              </a:rPr>
+              <a:t> </a:t>
+            </a:r>
+            <a:r>
+              <a:rPr lang="en-US" sz="1400" dirty="0"/>
+              <a:t>V</a:t>
+            </a:r>
+            <a:r>
+              <a:rPr lang="en-US" sz="1400" baseline="-25000" dirty="0"/>
+              <a:t>2</a:t>
+            </a:r>
+            <a:r>
+              <a:rPr lang="en-US" sz="1400" dirty="0" smtClean="0">
+                <a:sym typeface="Wingdings"/>
+              </a:rPr>
+              <a:t> = </a:t>
+            </a:r>
+            <a:r>
+              <a:rPr lang="en-US" sz="1400" dirty="0"/>
+              <a:t>C</a:t>
+            </a:r>
+            <a:r>
+              <a:rPr lang="en-US" sz="1400" baseline="-25000" dirty="0"/>
+              <a:t>1</a:t>
+            </a:r>
+            <a:r>
+              <a:rPr lang="en-US" sz="1400" dirty="0"/>
+              <a:t>V</a:t>
+            </a:r>
+            <a:r>
+              <a:rPr lang="en-US" sz="1400" baseline="-25000" dirty="0"/>
+              <a:t>1</a:t>
+            </a:r>
+            <a:r>
+              <a:rPr lang="en-US" sz="1400" dirty="0" smtClean="0">
+                <a:sym typeface="Wingdings"/>
+              </a:rPr>
+              <a:t>/</a:t>
+            </a:r>
+            <a:r>
+              <a:rPr lang="en-US" sz="1400" dirty="0" smtClean="0"/>
+              <a:t>C</a:t>
+            </a:r>
+            <a:r>
+              <a:rPr lang="en-US" sz="1400" baseline="-25000" dirty="0"/>
+              <a:t>2</a:t>
+            </a:r>
+            <a:r>
+              <a:rPr lang="en-US" sz="1400" dirty="0" smtClean="0">
+                <a:sym typeface="Wingdings"/>
+              </a:rPr>
+              <a:t>   Add V</a:t>
+            </a:r>
+            <a:r>
+              <a:rPr lang="en-US" sz="1400" baseline="-25000" dirty="0" smtClean="0">
+                <a:sym typeface="Wingdings"/>
+              </a:rPr>
+              <a:t>2</a:t>
+            </a:r>
+            <a:r>
+              <a:rPr lang="en-US" sz="1400" dirty="0" smtClean="0">
+                <a:sym typeface="Wingdings"/>
+              </a:rPr>
+              <a:t>-V</a:t>
+            </a:r>
+            <a:r>
+              <a:rPr lang="en-US" sz="1400" baseline="-25000" dirty="0" smtClean="0">
+                <a:sym typeface="Wingdings"/>
+              </a:rPr>
+              <a:t>1</a:t>
+            </a:r>
+            <a:r>
+              <a:rPr lang="en-US" sz="1400" dirty="0" smtClean="0">
+                <a:sym typeface="Wingdings"/>
+              </a:rPr>
+              <a:t> </a:t>
+            </a:r>
+            <a:r>
+              <a:rPr lang="en-US" sz="1400" dirty="0" err="1" smtClean="0">
+                <a:sym typeface="Wingdings"/>
+              </a:rPr>
+              <a:t>ul</a:t>
+            </a:r>
+            <a:r>
+              <a:rPr lang="en-US" sz="1400" dirty="0" smtClean="0">
+                <a:sym typeface="Wingdings"/>
+              </a:rPr>
+              <a:t> UPW to the </a:t>
+            </a:r>
+            <a:r>
+              <a:rPr lang="en-US" sz="1400" dirty="0"/>
+              <a:t>C</a:t>
+            </a:r>
+            <a:r>
+              <a:rPr lang="en-US" sz="1400" baseline="-25000" dirty="0"/>
+              <a:t>1</a:t>
+            </a:r>
+            <a:r>
+              <a:rPr lang="en-US" sz="1400" dirty="0"/>
+              <a:t>V</a:t>
+            </a:r>
+            <a:r>
+              <a:rPr lang="en-US" sz="1400" baseline="-25000" dirty="0"/>
+              <a:t>1</a:t>
+            </a:r>
+            <a:r>
+              <a:rPr lang="en-US" sz="1400" dirty="0" smtClean="0">
+                <a:sym typeface="Wingdings"/>
+              </a:rPr>
+              <a:t> tube.</a:t>
+            </a:r>
+          </a:p>
+          <a:p>
+            <a:r>
+              <a:rPr lang="en-US" sz="1400" dirty="0" smtClean="0">
+                <a:sym typeface="Wingdings"/>
+              </a:rPr>
+              <a:t>Label 4 tubes as 1:1  1:64 OR 1:1  1:1000 depending on dilution series you’re performing.</a:t>
+            </a:r>
+            <a:endParaRPr lang="en-US" sz="1400" dirty="0" smtClean="0"/>
+          </a:p>
+          <a:p>
+            <a:endParaRPr lang="en-US" sz="1400" dirty="0" smtClean="0"/>
+          </a:p>
+          <a:p>
+            <a:r>
+              <a:rPr lang="en-US" sz="1400" dirty="0" smtClean="0"/>
+              <a:t>For 4-fold dilutions:</a:t>
+            </a:r>
+          </a:p>
+          <a:p>
+            <a:r>
+              <a:rPr lang="en-US" sz="1400" dirty="0"/>
+              <a:t>Need at least 48 </a:t>
+            </a:r>
+            <a:r>
+              <a:rPr lang="en-US" sz="1400" dirty="0" err="1"/>
+              <a:t>ul</a:t>
+            </a:r>
+            <a:r>
+              <a:rPr lang="en-US" sz="1400" dirty="0"/>
+              <a:t> at 2 </a:t>
+            </a:r>
+            <a:r>
+              <a:rPr lang="en-US" sz="1400" dirty="0" err="1"/>
+              <a:t>ul</a:t>
+            </a:r>
+            <a:r>
+              <a:rPr lang="en-US" sz="1400" dirty="0"/>
+              <a:t> per reaction, 24 </a:t>
+            </a:r>
+            <a:r>
+              <a:rPr lang="en-US" sz="1400" dirty="0" err="1"/>
+              <a:t>rxn</a:t>
+            </a:r>
+            <a:r>
+              <a:rPr lang="en-US" sz="1400" dirty="0"/>
+              <a:t> per plate + 25 </a:t>
+            </a:r>
+            <a:r>
+              <a:rPr lang="en-US" sz="1400" dirty="0" err="1"/>
+              <a:t>ul</a:t>
+            </a:r>
+            <a:r>
+              <a:rPr lang="en-US" sz="1400" dirty="0"/>
+              <a:t> for dilution + </a:t>
+            </a:r>
+            <a:r>
+              <a:rPr lang="en-US" sz="1400" dirty="0" err="1"/>
+              <a:t>pipeting</a:t>
+            </a:r>
+            <a:r>
+              <a:rPr lang="en-US" sz="1400" dirty="0"/>
+              <a:t> error. So need &gt;75 </a:t>
+            </a:r>
+            <a:r>
+              <a:rPr lang="en-US" sz="1400" dirty="0" err="1"/>
+              <a:t>ul</a:t>
+            </a:r>
+            <a:r>
+              <a:rPr lang="en-US" sz="1400" dirty="0"/>
+              <a:t> – get 100 </a:t>
             </a:r>
             <a:r>
               <a:rPr lang="en-US" sz="1400" dirty="0" err="1" smtClean="0"/>
               <a:t>ul</a:t>
             </a:r>
             <a:r>
-              <a:rPr lang="en-US" sz="1400" dirty="0" smtClean="0"/>
-              <a:t> </a:t>
-            </a:r>
-            <a:r>
-              <a:rPr lang="en-US" sz="1400" dirty="0" smtClean="0"/>
-              <a:t>per </a:t>
-            </a:r>
-            <a:r>
-              <a:rPr lang="en-US" sz="1400" dirty="0" smtClean="0"/>
-              <a:t>reaction (for 1:1).</a:t>
-            </a:r>
-            <a:r>
-              <a:rPr lang="en-US" sz="1400" b="1" u="sng" dirty="0" smtClean="0"/>
-              <a:t> </a:t>
-            </a:r>
-            <a:r>
-              <a:rPr lang="en-US" sz="1400" b="1" u="sng" dirty="0" err="1" smtClean="0"/>
-              <a:t>Qubit</a:t>
-            </a:r>
-            <a:r>
-              <a:rPr lang="en-US" sz="1400" b="1" u="sng" dirty="0" smtClean="0"/>
-              <a:t> </a:t>
-            </a:r>
-            <a:r>
-              <a:rPr lang="en-US" sz="1400" dirty="0" err="1" smtClean="0"/>
-              <a:t>gDNA</a:t>
-            </a:r>
-            <a:r>
               <a:rPr lang="en-US" sz="1400" dirty="0"/>
               <a:t> </a:t>
             </a:r>
             <a:r>
               <a:rPr lang="en-US" sz="1400" dirty="0" smtClean="0"/>
-              <a:t>first to get concentration. </a:t>
-            </a:r>
+              <a:t>1:1. </a:t>
+            </a:r>
+            <a:endParaRPr lang="en-US" sz="1400" dirty="0"/>
           </a:p>
           <a:p>
             <a:r>
               <a:rPr lang="en-US" sz="1400" dirty="0" smtClean="0"/>
-              <a:t>Then </a:t>
-            </a:r>
+              <a:t>Mix well after each dilution.</a:t>
+            </a:r>
+          </a:p>
+          <a:p>
             <a:r>
               <a:rPr lang="en-US" sz="1400" dirty="0"/>
-              <a:t>d</a:t>
-            </a:r>
+              <a:t>Make 1:4 by combining 25 </a:t>
+            </a:r>
+            <a:r>
+              <a:rPr lang="en-US" sz="1400" dirty="0" err="1"/>
+              <a:t>ul</a:t>
+            </a:r>
+            <a:r>
+              <a:rPr lang="en-US" sz="1400" dirty="0"/>
+              <a:t> 1:1 with 75 </a:t>
+            </a:r>
+            <a:r>
+              <a:rPr lang="en-US" sz="1400" dirty="0" err="1"/>
+              <a:t>ul</a:t>
+            </a:r>
+            <a:r>
+              <a:rPr lang="en-US" sz="1400" dirty="0"/>
+              <a:t> UPW.        [[Use new tips!]]</a:t>
+            </a:r>
+          </a:p>
+          <a:p>
+            <a:r>
+              <a:rPr lang="en-US" sz="1400" dirty="0"/>
+              <a:t>Make 1:16 by combining 25 </a:t>
+            </a:r>
+            <a:r>
+              <a:rPr lang="en-US" sz="1400" dirty="0" err="1"/>
+              <a:t>ul</a:t>
+            </a:r>
+            <a:r>
+              <a:rPr lang="en-US" sz="1400" dirty="0"/>
+              <a:t> 1:4 with 75 </a:t>
+            </a:r>
+            <a:r>
+              <a:rPr lang="en-US" sz="1400" dirty="0" err="1"/>
+              <a:t>ul</a:t>
+            </a:r>
+            <a:r>
+              <a:rPr lang="en-US" sz="1400" dirty="0"/>
+              <a:t> UPW.      [[Use new tips!]]</a:t>
+            </a:r>
+          </a:p>
+          <a:p>
+            <a:r>
+              <a:rPr lang="en-US" sz="1400" dirty="0"/>
+              <a:t>Make 1:64 by combining 25 </a:t>
+            </a:r>
+            <a:r>
+              <a:rPr lang="en-US" sz="1400" dirty="0" err="1"/>
+              <a:t>ul</a:t>
+            </a:r>
+            <a:r>
+              <a:rPr lang="en-US" sz="1400" dirty="0"/>
+              <a:t> 1:16 with 75 </a:t>
+            </a:r>
+            <a:r>
+              <a:rPr lang="en-US" sz="1400" dirty="0" err="1"/>
+              <a:t>ul</a:t>
+            </a:r>
+            <a:r>
+              <a:rPr lang="en-US" sz="1400" dirty="0"/>
+              <a:t> UPW.   [[Use new tips!]]</a:t>
+            </a:r>
+          </a:p>
+          <a:p>
+            <a:endParaRPr lang="en-US" sz="1400" dirty="0" smtClean="0"/>
+          </a:p>
+          <a:p>
             <a:r>
               <a:rPr lang="en-US" sz="1400" dirty="0" smtClean="0"/>
-              <a:t>ilute down to 1 </a:t>
-            </a:r>
-            <a:r>
-              <a:rPr lang="en-US" sz="1400" dirty="0" err="1" smtClean="0"/>
-              <a:t>ng</a:t>
-            </a:r>
+              <a:t>For 10-fold dilutions:</a:t>
+            </a:r>
+          </a:p>
+          <a:p>
             <a:r>
               <a:rPr lang="en-US" sz="1400" dirty="0"/>
-              <a:t>/</a:t>
+              <a:t>Need at least 48 </a:t>
+            </a:r>
+            <a:r>
+              <a:rPr lang="en-US" sz="1400" dirty="0" err="1"/>
+              <a:t>ul</a:t>
+            </a:r>
+            <a:r>
+              <a:rPr lang="en-US" sz="1400" dirty="0"/>
+              <a:t> </a:t>
+            </a:r>
+            <a:r>
+              <a:rPr lang="en-US" sz="1400" dirty="0" smtClean="0"/>
+              <a:t>of 1:1 at </a:t>
+            </a:r>
+            <a:r>
+              <a:rPr lang="en-US" sz="1400" dirty="0"/>
+              <a:t>2 </a:t>
+            </a:r>
+            <a:r>
+              <a:rPr lang="en-US" sz="1400" dirty="0" err="1"/>
+              <a:t>ul</a:t>
+            </a:r>
+            <a:r>
+              <a:rPr lang="en-US" sz="1400" dirty="0"/>
+              <a:t> per reaction, 24 </a:t>
+            </a:r>
+            <a:r>
+              <a:rPr lang="en-US" sz="1400" dirty="0" err="1"/>
+              <a:t>rxn</a:t>
+            </a:r>
+            <a:r>
+              <a:rPr lang="en-US" sz="1400" dirty="0"/>
+              <a:t> per plate + 10 </a:t>
+            </a:r>
+            <a:r>
+              <a:rPr lang="en-US" sz="1400" dirty="0" err="1"/>
+              <a:t>ul</a:t>
+            </a:r>
+            <a:r>
+              <a:rPr lang="en-US" sz="1400" dirty="0"/>
+              <a:t> for dilution + </a:t>
+            </a:r>
+            <a:r>
+              <a:rPr lang="en-US" sz="1400" dirty="0" err="1"/>
+              <a:t>pipeting</a:t>
+            </a:r>
+            <a:r>
+              <a:rPr lang="en-US" sz="1400" dirty="0"/>
+              <a:t> error. So need &gt;60 </a:t>
+            </a:r>
+            <a:r>
+              <a:rPr lang="en-US" sz="1400" dirty="0" err="1"/>
+              <a:t>ul</a:t>
+            </a:r>
+            <a:r>
+              <a:rPr lang="en-US" sz="1400" dirty="0"/>
+              <a:t> – get 70 </a:t>
             </a:r>
             <a:r>
               <a:rPr lang="en-US" sz="1400" dirty="0" err="1" smtClean="0"/>
@@ -8045,216 +10824,23 @@
             </a:r>
             <a:r>
               <a:rPr lang="en-US" sz="1400" dirty="0" smtClean="0"/>
-              <a:t> in sufficient volume for all reactions (24/plate) and dilution series. </a:t>
-            </a:r>
-            <a:endParaRPr lang="en-US" sz="1400" dirty="0" smtClean="0"/>
+              <a:t> 1:1.</a:t>
+            </a:r>
           </a:p>
           <a:p>
             <a:r>
               <a:rPr lang="en-US" sz="1400" dirty="0" smtClean="0"/>
-              <a:t>This </a:t>
-            </a:r>
+              <a:t>Mix well after each dilution.</a:t>
+            </a:r>
+          </a:p>
+          <a:p>
             <a:r>
               <a:rPr lang="en-US" sz="1400" dirty="0" smtClean="0"/>
-              <a:t>is 1:1. </a:t>
-            </a:r>
-            <a:r>
-              <a:rPr lang="en-US" sz="1400" dirty="0" smtClean="0"/>
-              <a:t>Need </a:t>
-            </a:r>
-            <a:r>
-              <a:rPr lang="en-US" sz="1400" dirty="0" smtClean="0"/>
-              <a:t>at least 48 </a:t>
-            </a:r>
-            <a:r>
-              <a:rPr lang="en-US" sz="1400" dirty="0" err="1" smtClean="0"/>
-              <a:t>ul</a:t>
-            </a:r>
-            <a:r>
-              <a:rPr lang="en-US" sz="1400" dirty="0" smtClean="0"/>
-              <a:t> at 2 </a:t>
-            </a:r>
-            <a:r>
-              <a:rPr lang="en-US" sz="1400" dirty="0" err="1" smtClean="0"/>
-              <a:t>ul</a:t>
-            </a:r>
-            <a:r>
-              <a:rPr lang="en-US" sz="1400" dirty="0" smtClean="0"/>
-              <a:t> per reaction, 24</a:t>
+              <a:t>Make </a:t>
             </a:r>
             <a:r>
               <a:rPr lang="en-US" sz="1400" dirty="0"/>
-              <a:t> </a:t>
-            </a:r>
-            <a:r>
-              <a:rPr lang="en-US" sz="1400" dirty="0" err="1" smtClean="0"/>
-              <a:t>rxn</a:t>
-            </a:r>
-            <a:r>
-              <a:rPr lang="en-US" sz="1400" dirty="0" smtClean="0"/>
-              <a:t> per plate + 25 </a:t>
-            </a:r>
-            <a:r>
-              <a:rPr lang="en-US" sz="1400" dirty="0" err="1" smtClean="0"/>
-              <a:t>ul</a:t>
-            </a:r>
-            <a:r>
-              <a:rPr lang="en-US" sz="1400" dirty="0" smtClean="0"/>
-              <a:t> for dilution + </a:t>
-            </a:r>
-            <a:r>
-              <a:rPr lang="en-US" sz="1400" dirty="0" err="1" smtClean="0"/>
-              <a:t>pipeting</a:t>
-            </a:r>
-            <a:r>
-              <a:rPr lang="en-US" sz="1400" dirty="0" smtClean="0"/>
-              <a:t> error. So need &gt;75</a:t>
-            </a:r>
-            <a:r>
-              <a:rPr lang="en-US" sz="1400" dirty="0"/>
-              <a:t> </a:t>
-            </a:r>
-            <a:r>
-              <a:rPr lang="en-US" sz="1400" dirty="0" err="1" smtClean="0"/>
-              <a:t>ul</a:t>
-            </a:r>
-            <a:r>
-              <a:rPr lang="en-US" sz="1400" dirty="0" smtClean="0"/>
-              <a:t> – get 100 </a:t>
-            </a:r>
-            <a:r>
-              <a:rPr lang="en-US" sz="1400" dirty="0" err="1" smtClean="0"/>
-              <a:t>ul</a:t>
-            </a:r>
-            <a:r>
-              <a:rPr lang="en-US" sz="1400" dirty="0" smtClean="0"/>
-              <a:t> at 1 </a:t>
-            </a:r>
-            <a:r>
-              <a:rPr lang="en-US" sz="1400" dirty="0" err="1" smtClean="0"/>
-              <a:t>ng</a:t>
-            </a:r>
-            <a:r>
-              <a:rPr lang="en-US" sz="1400" dirty="0" smtClean="0"/>
-              <a:t>/</a:t>
-            </a:r>
-            <a:r>
-              <a:rPr lang="en-US" sz="1400" dirty="0" err="1" smtClean="0"/>
-              <a:t>ul</a:t>
-            </a:r>
-            <a:r>
-              <a:rPr lang="en-US" sz="1400" dirty="0" smtClean="0"/>
-              <a:t> (100 </a:t>
-            </a:r>
-            <a:r>
-              <a:rPr lang="en-US" sz="1400" dirty="0" err="1" smtClean="0"/>
-              <a:t>ng</a:t>
-            </a:r>
-            <a:r>
-              <a:rPr lang="en-US" sz="1400" dirty="0" smtClean="0"/>
-              <a:t> total is all you need per 96-well validation plate). </a:t>
-            </a:r>
-            <a:endParaRPr lang="en-US" sz="1400" dirty="0" smtClean="0"/>
-          </a:p>
-          <a:p>
-            <a:r>
-              <a:rPr lang="en-US" sz="1400" dirty="0" smtClean="0"/>
-              <a:t>Make 1:4 by combining 25 </a:t>
-            </a:r>
-            <a:r>
-              <a:rPr lang="en-US" sz="1400" dirty="0" err="1" smtClean="0"/>
-              <a:t>ul</a:t>
-            </a:r>
-            <a:r>
-              <a:rPr lang="en-US" sz="1400" dirty="0" smtClean="0"/>
-              <a:t> 1:1 with 75 </a:t>
-            </a:r>
-            <a:r>
-              <a:rPr lang="en-US" sz="1400" dirty="0" err="1" smtClean="0"/>
-              <a:t>ul</a:t>
-            </a:r>
-            <a:r>
-              <a:rPr lang="en-US" sz="1400" dirty="0" smtClean="0"/>
-              <a:t> UPW.        [[Use new tips!]]</a:t>
-            </a:r>
-          </a:p>
-          <a:p>
-            <a:r>
-              <a:rPr lang="en-US" sz="1400" dirty="0" smtClean="0"/>
-              <a:t>Make 1:16 by combining 25 </a:t>
-            </a:r>
-            <a:r>
-              <a:rPr lang="en-US" sz="1400" dirty="0" err="1" smtClean="0"/>
-              <a:t>ul</a:t>
-            </a:r>
-            <a:r>
-              <a:rPr lang="en-US" sz="1400" dirty="0" smtClean="0"/>
-              <a:t> 1:4 with 75 </a:t>
-            </a:r>
-            <a:r>
-              <a:rPr lang="en-US" sz="1400" dirty="0" err="1" smtClean="0"/>
-              <a:t>ul</a:t>
-            </a:r>
-            <a:r>
-              <a:rPr lang="en-US" sz="1400" dirty="0" smtClean="0"/>
-              <a:t> UPW.      [[Use new tips!]]</a:t>
-            </a:r>
-          </a:p>
-          <a:p>
-            <a:r>
-              <a:rPr lang="en-US" sz="1400" dirty="0" smtClean="0"/>
-              <a:t>Make 1:64 by combining 25 </a:t>
-            </a:r>
-            <a:r>
-              <a:rPr lang="en-US" sz="1400" dirty="0" err="1" smtClean="0"/>
-              <a:t>ul</a:t>
-            </a:r>
-            <a:r>
-              <a:rPr lang="en-US" sz="1400" dirty="0" smtClean="0"/>
-              <a:t> 1:16 with 75 </a:t>
-            </a:r>
-            <a:r>
-              <a:rPr lang="en-US" sz="1400" dirty="0" err="1" smtClean="0"/>
-              <a:t>ul</a:t>
-            </a:r>
-            <a:r>
-              <a:rPr lang="en-US" sz="1400" dirty="0" smtClean="0"/>
-              <a:t> UPW.   [[Use new tips!]]</a:t>
-            </a:r>
-            <a:endParaRPr lang="en-US" sz="1400" dirty="0"/>
-          </a:p>
-          <a:p>
-            <a:endParaRPr lang="en-US" sz="1400" b="1" dirty="0" smtClean="0"/>
-          </a:p>
-          <a:p>
-            <a:endParaRPr lang="en-US" sz="1400" b="1" dirty="0" smtClean="0"/>
-          </a:p>
-          <a:p>
-            <a:r>
-              <a:rPr lang="ro-RO" sz="1400" dirty="0" smtClean="0"/>
-              <a:t>For yeast:</a:t>
-            </a:r>
-          </a:p>
-          <a:p>
-            <a:r>
-              <a:rPr lang="en-US" sz="1400" dirty="0" smtClean="0"/>
-              <a:t>Starting </a:t>
-            </a:r>
-            <a:r>
-              <a:rPr lang="en-US" sz="1400" dirty="0"/>
-              <a:t>concentration is </a:t>
-            </a:r>
-            <a:r>
-              <a:rPr lang="en-US" sz="1400" dirty="0" smtClean="0"/>
-              <a:t>0.5 </a:t>
-            </a:r>
-            <a:r>
-              <a:rPr lang="en-US" sz="1400" dirty="0" err="1"/>
-              <a:t>ng</a:t>
-            </a:r>
-            <a:r>
-              <a:rPr lang="en-US" sz="1400" dirty="0"/>
-              <a:t>/</a:t>
+              <a:t>1:10 by combining 10 </a:t>
             </a:r>
             <a:r>
               <a:rPr lang="en-US" sz="1400" dirty="0" err="1"/>
@@ -8262,57 +10848,7 @@
             </a:r>
             <a:r>
               <a:rPr lang="en-US" sz="1400" dirty="0"/>
-              <a:t> and will use </a:t>
-            </a:r>
-            <a:r>
-              <a:rPr lang="en-US" sz="1400" dirty="0" smtClean="0"/>
-              <a:t>2 </a:t>
-            </a:r>
-            <a:r>
-              <a:rPr lang="en-US" sz="1400" dirty="0" err="1" smtClean="0"/>
-              <a:t>ul</a:t>
-            </a:r>
-            <a:r>
-              <a:rPr lang="en-US" sz="1400" dirty="0" smtClean="0"/>
-              <a:t> </a:t>
-            </a:r>
-            <a:r>
-              <a:rPr lang="en-US" sz="1400" dirty="0"/>
-              <a:t>per reaction.</a:t>
-            </a:r>
-            <a:r>
-              <a:rPr lang="en-US" sz="1400" b="1" u="sng" dirty="0"/>
-              <a:t> </a:t>
-            </a:r>
-            <a:r>
-              <a:rPr lang="en-US" sz="1400" b="1" u="sng" dirty="0" err="1" smtClean="0"/>
-              <a:t>Qubit</a:t>
-            </a:r>
-            <a:r>
-              <a:rPr lang="en-US" sz="1400" b="1" u="sng" dirty="0" smtClean="0"/>
-              <a:t> </a:t>
-            </a:r>
-            <a:r>
-              <a:rPr lang="en-US" sz="1400" dirty="0" err="1"/>
-              <a:t>gDNA</a:t>
-            </a:r>
-            <a:r>
-              <a:rPr lang="en-US" sz="1400" dirty="0"/>
-              <a:t> first to get concentration. </a:t>
-            </a:r>
-          </a:p>
-          <a:p>
-            <a:r>
-              <a:rPr lang="en-US" sz="1400" dirty="0"/>
-              <a:t>Then dilute down to 1 </a:t>
-            </a:r>
-            <a:r>
-              <a:rPr lang="en-US" sz="1400" dirty="0" err="1"/>
-              <a:t>ng</a:t>
-            </a:r>
-            <a:r>
-              <a:rPr lang="en-US" sz="1400" dirty="0"/>
-              <a:t>/</a:t>
+              <a:t> 1:1 with 90 </a:t>
             </a:r>
             <a:r>
               <a:rPr lang="en-US" sz="1400" dirty="0" err="1"/>
@@ -8320,21 +10856,13 @@
             </a:r>
             <a:r>
               <a:rPr lang="en-US" sz="1400" dirty="0"/>
-              <a:t> in sufficient volume for all reactions (24/plate) and dilution series</a:t>
-            </a:r>
-            <a:r>
-              <a:rPr lang="en-US" sz="1400" dirty="0" smtClean="0"/>
-              <a:t>.</a:t>
-            </a:r>
-          </a:p>
-          <a:p>
-            <a:r>
-              <a:rPr lang="en-US" sz="1400" dirty="0" smtClean="0"/>
-              <a:t> </a:t>
-            </a:r>
+              <a:t> UPW.        [[Use new tips!]]</a:t>
+            </a:r>
+          </a:p>
+          <a:p>
             <a:r>
               <a:rPr lang="en-US" sz="1400" dirty="0"/>
-              <a:t>This is 1:1. Need at least 48 </a:t>
+              <a:t>Make 1:100 by combining 10 </a:t>
             </a:r>
             <a:r>
               <a:rPr lang="en-US" sz="1400" dirty="0" err="1"/>
@@ -8342,7 +10870,7 @@
             </a:r>
             <a:r>
               <a:rPr lang="en-US" sz="1400" dirty="0"/>
-              <a:t> at 2 </a:t>
+              <a:t> 1:10 with 90 </a:t>
             </a:r>
             <a:r>
               <a:rPr lang="en-US" sz="1400" dirty="0" err="1"/>
@@ -8350,19 +10878,13 @@
             </a:r>
             <a:r>
               <a:rPr lang="en-US" sz="1400" dirty="0"/>
-              <a:t> per reaction, 24 </a:t>
-            </a:r>
-            <a:r>
-              <a:rPr lang="en-US" sz="1400" dirty="0" err="1"/>
-              <a:t>rxn</a:t>
-            </a:r>
+              <a:t> UPW.      [[Use new tips!]]</a:t>
+            </a:r>
+          </a:p>
+          <a:p>
             <a:r>
               <a:rPr lang="en-US" sz="1400" dirty="0"/>
-              <a:t> per plate + </a:t>
-            </a:r>
-            <a:r>
-              <a:rPr lang="en-US" sz="1400" dirty="0" smtClean="0"/>
-              <a:t>10 </a:t>
+              <a:t>Make 1:1000 by combining 10 </a:t>
             </a:r>
             <a:r>
               <a:rPr lang="en-US" sz="1400" dirty="0" err="1"/>
@@ -8370,23 +10892,7 @@
             </a:r>
             <a:r>
               <a:rPr lang="en-US" sz="1400" dirty="0"/>
-              <a:t> for dilution + </a:t>
-            </a:r>
-            <a:r>
-              <a:rPr lang="en-US" sz="1400" dirty="0" err="1" smtClean="0"/>
-              <a:t>pipeting</a:t>
-            </a:r>
-            <a:r>
-              <a:rPr lang="en-US" sz="1400" dirty="0" smtClean="0"/>
-              <a:t> </a:t>
-            </a:r>
-            <a:r>
-              <a:rPr lang="en-US" sz="1400" dirty="0"/>
-              <a:t>error. So need </a:t>
-            </a:r>
-            <a:r>
-              <a:rPr lang="en-US" sz="1400" dirty="0" smtClean="0"/>
-              <a:t>&gt;60 </a:t>
+              <a:t> 1:100 with 90 </a:t>
             </a:r>
             <a:r>
               <a:rPr lang="en-US" sz="1400" dirty="0" err="1"/>
@@ -8394,174 +10900,14 @@
             </a:r>
             <a:r>
               <a:rPr lang="en-US" sz="1400" dirty="0"/>
-              <a:t> – get </a:t>
-            </a:r>
-            <a:r>
-              <a:rPr lang="en-US" sz="1400" dirty="0" smtClean="0"/>
-              <a:t>70 </a:t>
-            </a:r>
-            <a:r>
-              <a:rPr lang="en-US" sz="1400" dirty="0" err="1"/>
-              <a:t>ul</a:t>
-            </a:r>
-            <a:r>
-              <a:rPr lang="en-US" sz="1400" dirty="0"/>
-              <a:t> at </a:t>
-            </a:r>
-            <a:r>
-              <a:rPr lang="en-US" sz="1400" dirty="0" smtClean="0"/>
-              <a:t>0.5 </a:t>
-            </a:r>
-            <a:r>
-              <a:rPr lang="en-US" sz="1400" dirty="0" err="1"/>
-              <a:t>ng</a:t>
-            </a:r>
-            <a:r>
-              <a:rPr lang="en-US" sz="1400" dirty="0"/>
-              <a:t>/</a:t>
-            </a:r>
-            <a:r>
-              <a:rPr lang="en-US" sz="1400" dirty="0" err="1" smtClean="0"/>
-              <a:t>ul</a:t>
-            </a:r>
-            <a:r>
-              <a:rPr lang="en-US" sz="1400" dirty="0" smtClean="0"/>
-              <a:t> (35 </a:t>
-            </a:r>
-            <a:r>
-              <a:rPr lang="en-US" sz="1400" dirty="0" err="1" smtClean="0"/>
-              <a:t>ng</a:t>
-            </a:r>
-            <a:r>
-              <a:rPr lang="en-US" sz="1400" dirty="0" smtClean="0"/>
-              <a:t> total is all you need per 96-well validation plate). </a:t>
-            </a:r>
+              <a:t> UPW.   [[Use new tips!]]</a:t>
+            </a:r>
+          </a:p>
+          <a:p>
             <a:endParaRPr lang="en-US" sz="1400" dirty="0"/>
           </a:p>
           <a:p>
-            <a:r>
-              <a:rPr lang="en-US" sz="1400" dirty="0"/>
-              <a:t>Make 1</a:t>
-            </a:r>
-            <a:r>
-              <a:rPr lang="en-US" sz="1400" dirty="0" smtClean="0"/>
-              <a:t>:10 </a:t>
-            </a:r>
-            <a:r>
-              <a:rPr lang="en-US" sz="1400" dirty="0"/>
-              <a:t>by combining </a:t>
-            </a:r>
-            <a:r>
-              <a:rPr lang="en-US" sz="1400" dirty="0" smtClean="0"/>
-              <a:t>10 </a:t>
-            </a:r>
-            <a:r>
-              <a:rPr lang="en-US" sz="1400" dirty="0" err="1"/>
-              <a:t>ul</a:t>
-            </a:r>
-            <a:r>
-              <a:rPr lang="en-US" sz="1400" dirty="0"/>
-              <a:t> 1:1 with </a:t>
-            </a:r>
-            <a:r>
-              <a:rPr lang="en-US" sz="1400" dirty="0" smtClean="0"/>
-              <a:t>90 </a:t>
-            </a:r>
-            <a:r>
-              <a:rPr lang="en-US" sz="1400" dirty="0" err="1"/>
-              <a:t>ul</a:t>
-            </a:r>
-            <a:r>
-              <a:rPr lang="en-US" sz="1400" dirty="0"/>
-              <a:t> UPW.        [[Use new tips!]]</a:t>
-            </a:r>
-          </a:p>
-          <a:p>
-            <a:r>
-              <a:rPr lang="en-US" sz="1400" dirty="0"/>
-              <a:t>Make 1:</a:t>
-            </a:r>
-            <a:r>
-              <a:rPr lang="en-US" sz="1400" dirty="0" smtClean="0"/>
-              <a:t>100 </a:t>
-            </a:r>
-            <a:r>
-              <a:rPr lang="en-US" sz="1400" dirty="0"/>
-              <a:t>by combining </a:t>
-            </a:r>
-            <a:r>
-              <a:rPr lang="en-US" sz="1400" dirty="0" smtClean="0"/>
-              <a:t>10 </a:t>
-            </a:r>
-            <a:r>
-              <a:rPr lang="en-US" sz="1400" dirty="0" err="1"/>
-              <a:t>ul</a:t>
-            </a:r>
-            <a:r>
-              <a:rPr lang="en-US" sz="1400" dirty="0"/>
-              <a:t> 1</a:t>
-            </a:r>
-            <a:r>
-              <a:rPr lang="en-US" sz="1400" dirty="0" smtClean="0"/>
-              <a:t>:10 with 90 </a:t>
-            </a:r>
-            <a:r>
-              <a:rPr lang="en-US" sz="1400" dirty="0" err="1"/>
-              <a:t>ul</a:t>
-            </a:r>
-            <a:r>
-              <a:rPr lang="en-US" sz="1400" dirty="0"/>
-              <a:t> UPW.      [[Use new tips!]]</a:t>
-            </a:r>
-          </a:p>
-          <a:p>
-            <a:r>
-              <a:rPr lang="en-US" sz="1400" dirty="0"/>
-              <a:t>Make 1</a:t>
-            </a:r>
-            <a:r>
-              <a:rPr lang="en-US" sz="1400" dirty="0" smtClean="0"/>
-              <a:t>:1000 </a:t>
-            </a:r>
-            <a:r>
-              <a:rPr lang="en-US" sz="1400" dirty="0"/>
-              <a:t>by combining </a:t>
-            </a:r>
-            <a:r>
-              <a:rPr lang="en-US" sz="1400" dirty="0" smtClean="0"/>
-              <a:t>10 </a:t>
-            </a:r>
-            <a:r>
-              <a:rPr lang="en-US" sz="1400" dirty="0" err="1"/>
-              <a:t>ul</a:t>
-            </a:r>
-            <a:r>
-              <a:rPr lang="en-US" sz="1400" dirty="0"/>
-              <a:t> 1:</a:t>
-            </a:r>
-            <a:r>
-              <a:rPr lang="en-US" sz="1400" dirty="0" smtClean="0"/>
-              <a:t>100 </a:t>
-            </a:r>
-            <a:r>
-              <a:rPr lang="en-US" sz="1400" dirty="0"/>
-              <a:t>with </a:t>
-            </a:r>
-            <a:r>
-              <a:rPr lang="en-US" sz="1400" dirty="0" smtClean="0"/>
-              <a:t>90 </a:t>
-            </a:r>
-            <a:r>
-              <a:rPr lang="en-US" sz="1400" dirty="0" err="1"/>
-              <a:t>ul</a:t>
-            </a:r>
-            <a:r>
-              <a:rPr lang="en-US" sz="1400" dirty="0"/>
-              <a:t> UPW.   [[Use new tips!]]</a:t>
-            </a:r>
-          </a:p>
-          <a:p>
-            <a:endParaRPr lang="ro-RO" sz="1400" dirty="0"/>
+            <a:endParaRPr lang="en-US" sz="1400" dirty="0" smtClean="0"/>
           </a:p>
         </p:txBody>
       </p:sp>
@@ -8604,7 +10950,7 @@
         <p:spPr>
           <a:xfrm>
             <a:off x="0" y="-62680"/>
-            <a:ext cx="9144000" cy="7448190"/>
+            <a:ext cx="9144000" cy="3570208"/>
           </a:xfrm>
           <a:prstGeom prst="rect">
             <a:avLst/>
@@ -8619,16 +10965,398 @@
           <a:p>
             <a:r>
               <a:rPr lang="en-US" sz="1600" b="1" u="sng" dirty="0" smtClean="0"/>
-              <a:t>Validation plate protocol - 15 </a:t>
-            </a:r>
-            <a:r>
-              <a:rPr lang="en-US" sz="1600" b="1" u="sng" dirty="0" err="1" smtClean="0"/>
+              <a:t>Validation plate protocol - </a:t>
+            </a:r>
+            <a:r>
+              <a:rPr lang="en-US" sz="1600" b="1" u="sng" dirty="0"/>
+              <a:t>2 </a:t>
+            </a:r>
+            <a:r>
+              <a:rPr lang="en-US" sz="1600" b="1" u="sng" dirty="0" err="1"/>
               <a:t>ul</a:t>
             </a:r>
             <a:r>
+              <a:rPr lang="en-US" sz="1600" b="1" u="sng" dirty="0"/>
+              <a:t> DNA per Reaction </a:t>
+            </a:r>
+            <a:endParaRPr lang="en-US" sz="1600" b="1" u="sng" dirty="0" smtClean="0"/>
+          </a:p>
+          <a:p>
+            <a:r>
+              <a:rPr lang="en-US" sz="1400" dirty="0"/>
+              <a:t>For Sciara </a:t>
+            </a:r>
+            <a:r>
+              <a:rPr lang="en-US" sz="1400" dirty="0" smtClean="0"/>
+              <a:t>:</a:t>
+            </a:r>
+            <a:r>
+              <a:rPr lang="en-US" sz="1400" dirty="0"/>
+              <a:t/>
+            </a:r>
+            <a:br>
+              <a:rPr lang="en-US" sz="1400" dirty="0"/>
+            </a:br>
+            <a:r>
+              <a:rPr lang="en-US" sz="1400" dirty="0" smtClean="0"/>
+              <a:t>For 4-fold dilutions, starting </a:t>
+            </a:r>
+            <a:r>
+              <a:rPr lang="en-US" sz="1400" dirty="0"/>
+              <a:t>concentration is 1 </a:t>
+            </a:r>
+            <a:r>
+              <a:rPr lang="en-US" sz="1400" dirty="0" err="1"/>
+              <a:t>ng</a:t>
+            </a:r>
+            <a:r>
+              <a:rPr lang="en-US" sz="1400" dirty="0"/>
+              <a:t>/</a:t>
+            </a:r>
+            <a:r>
+              <a:rPr lang="en-US" sz="1400" dirty="0" err="1"/>
+              <a:t>ul</a:t>
+            </a:r>
+            <a:r>
+              <a:rPr lang="en-US" sz="1400" dirty="0"/>
+              <a:t> and will use 2 </a:t>
+            </a:r>
+            <a:r>
+              <a:rPr lang="en-US" sz="1400" dirty="0" err="1"/>
+              <a:t>ul</a:t>
+            </a:r>
+            <a:r>
+              <a:rPr lang="en-US" sz="1400" dirty="0"/>
+              <a:t> per reaction (for 1:1</a:t>
+            </a:r>
+            <a:r>
+              <a:rPr lang="en-US" sz="1400" dirty="0" smtClean="0"/>
+              <a:t>).</a:t>
+            </a:r>
+            <a:r>
+              <a:rPr lang="en-US" sz="1400" b="1" u="sng" dirty="0" smtClean="0"/>
+              <a:t> </a:t>
+            </a:r>
+            <a:r>
+              <a:rPr lang="en-US" sz="1400" dirty="0" smtClean="0"/>
+              <a:t>Need 100 </a:t>
+            </a:r>
+            <a:r>
+              <a:rPr lang="en-US" sz="1400" dirty="0" err="1" smtClean="0"/>
+              <a:t>ng</a:t>
+            </a:r>
+            <a:r>
+              <a:rPr lang="en-US" sz="1400" dirty="0" smtClean="0"/>
+              <a:t> in 100 </a:t>
+            </a:r>
+            <a:r>
+              <a:rPr lang="en-US" sz="1400" dirty="0" err="1" smtClean="0"/>
+              <a:t>ul</a:t>
+            </a:r>
+            <a:r>
+              <a:rPr lang="en-US" sz="1400" dirty="0" smtClean="0"/>
+              <a:t> for 1:1 for validating 12 primer pairs.</a:t>
+            </a:r>
+          </a:p>
+          <a:p>
+            <a:endParaRPr lang="en-US" sz="1400" dirty="0"/>
+          </a:p>
+          <a:p>
+            <a:r>
+              <a:rPr lang="en-US" sz="1400" dirty="0"/>
+              <a:t>For Drosophila:</a:t>
+            </a:r>
+          </a:p>
+          <a:p>
+            <a:r>
+              <a:rPr lang="en-US" sz="1400" dirty="0" smtClean="0"/>
+              <a:t>For 10-fold dilutions, starting </a:t>
+            </a:r>
+            <a:r>
+              <a:rPr lang="en-US" sz="1400" dirty="0"/>
+              <a:t>concentration is 3 </a:t>
+            </a:r>
+            <a:r>
+              <a:rPr lang="en-US" sz="1400" dirty="0" err="1"/>
+              <a:t>ng</a:t>
+            </a:r>
+            <a:r>
+              <a:rPr lang="en-US" sz="1400" dirty="0"/>
+              <a:t>/</a:t>
+            </a:r>
+            <a:r>
+              <a:rPr lang="en-US" sz="1400" dirty="0" err="1"/>
+              <a:t>ul</a:t>
+            </a:r>
+            <a:r>
+              <a:rPr lang="en-US" sz="1400" dirty="0"/>
+              <a:t> and will use 2 </a:t>
+            </a:r>
+            <a:r>
+              <a:rPr lang="en-US" sz="1400" dirty="0" err="1"/>
+              <a:t>ul</a:t>
+            </a:r>
+            <a:r>
+              <a:rPr lang="en-US" sz="1400" dirty="0"/>
+              <a:t> per reaction (for 1:</a:t>
+            </a:r>
+            <a:r>
+              <a:rPr lang="en-US" sz="1400" dirty="0" smtClean="0"/>
+              <a:t>1). Need 210 </a:t>
+            </a:r>
+            <a:r>
+              <a:rPr lang="en-US" sz="1400" dirty="0" err="1" smtClean="0"/>
+              <a:t>ng</a:t>
+            </a:r>
+            <a:r>
+              <a:rPr lang="en-US" sz="1400" dirty="0" smtClean="0"/>
+              <a:t> in 70 </a:t>
+            </a:r>
+            <a:r>
+              <a:rPr lang="en-US" sz="1400" dirty="0" err="1" smtClean="0"/>
+              <a:t>ul</a:t>
+            </a:r>
+            <a:r>
+              <a:rPr lang="en-US" sz="1400" dirty="0" smtClean="0"/>
+              <a:t> for 1:1 for validating 12 primer pairs.</a:t>
+            </a:r>
+            <a:endParaRPr lang="en-US" sz="1400" b="1" dirty="0" smtClean="0"/>
+          </a:p>
+          <a:p>
+            <a:endParaRPr lang="en-US" sz="1400" b="1" dirty="0" smtClean="0"/>
+          </a:p>
+          <a:p>
+            <a:r>
+              <a:rPr lang="ro-RO" sz="1400" dirty="0" smtClean="0"/>
+              <a:t>For yeast:</a:t>
+            </a:r>
+          </a:p>
+          <a:p>
+            <a:r>
+              <a:rPr lang="en-US" sz="1400" dirty="0" smtClean="0"/>
+              <a:t>For 10-fold dilutions, starting </a:t>
+            </a:r>
+            <a:r>
+              <a:rPr lang="en-US" sz="1400" dirty="0"/>
+              <a:t>concentration is </a:t>
+            </a:r>
+            <a:r>
+              <a:rPr lang="en-US" sz="1400" dirty="0" smtClean="0"/>
+              <a:t>0.5 </a:t>
+            </a:r>
+            <a:r>
+              <a:rPr lang="en-US" sz="1400" dirty="0" err="1"/>
+              <a:t>ng</a:t>
+            </a:r>
+            <a:r>
+              <a:rPr lang="en-US" sz="1400" dirty="0"/>
+              <a:t>/</a:t>
+            </a:r>
+            <a:r>
+              <a:rPr lang="en-US" sz="1400" dirty="0" err="1"/>
+              <a:t>ul</a:t>
+            </a:r>
+            <a:r>
+              <a:rPr lang="en-US" sz="1400" dirty="0"/>
+              <a:t> and will use </a:t>
+            </a:r>
+            <a:r>
+              <a:rPr lang="en-US" sz="1400" dirty="0" smtClean="0"/>
+              <a:t>2 </a:t>
+            </a:r>
+            <a:r>
+              <a:rPr lang="en-US" sz="1400" dirty="0" err="1" smtClean="0"/>
+              <a:t>ul</a:t>
+            </a:r>
+            <a:r>
+              <a:rPr lang="en-US" sz="1400" dirty="0" smtClean="0"/>
+              <a:t> </a:t>
+            </a:r>
+            <a:r>
+              <a:rPr lang="en-US" sz="1400" dirty="0"/>
+              <a:t>per reaction.</a:t>
+            </a:r>
+            <a:r>
+              <a:rPr lang="en-US" sz="1400" b="1" u="sng" dirty="0"/>
+              <a:t> </a:t>
+            </a:r>
+            <a:r>
+              <a:rPr lang="en-US" sz="1400" dirty="0" smtClean="0"/>
+              <a:t>Need </a:t>
+            </a:r>
+            <a:r>
+              <a:rPr lang="en-US" sz="1400" dirty="0" smtClean="0"/>
+              <a:t>35 </a:t>
+            </a:r>
+            <a:r>
+              <a:rPr lang="en-US" sz="1400" dirty="0" err="1" smtClean="0"/>
+              <a:t>ng</a:t>
+            </a:r>
+            <a:r>
+              <a:rPr lang="en-US" sz="1400" dirty="0" smtClean="0"/>
+              <a:t> in 70 </a:t>
+            </a:r>
+            <a:r>
+              <a:rPr lang="en-US" sz="1400" dirty="0" err="1" smtClean="0"/>
+              <a:t>ul</a:t>
+            </a:r>
+            <a:r>
+              <a:rPr lang="en-US" sz="1400" dirty="0"/>
+              <a:t> </a:t>
+            </a:r>
+            <a:r>
+              <a:rPr lang="en-US" sz="1400" dirty="0" smtClean="0"/>
+              <a:t>for validating 12 primer pairs.</a:t>
+            </a:r>
+            <a:endParaRPr lang="en-US" sz="1400" dirty="0"/>
+          </a:p>
+          <a:p>
+            <a:endParaRPr lang="ro-RO" sz="1400" dirty="0" smtClean="0"/>
+          </a:p>
+          <a:p>
+            <a:r>
+              <a:rPr lang="ro-RO" sz="1400" dirty="0"/>
+              <a:t>For Human:</a:t>
+            </a:r>
+          </a:p>
+          <a:p>
+            <a:r>
+              <a:rPr lang="en-US" sz="1400" dirty="0" smtClean="0"/>
+              <a:t>For 10-fold dilutions, starting </a:t>
+            </a:r>
+            <a:r>
+              <a:rPr lang="en-US" sz="1400" dirty="0"/>
+              <a:t>concentration is </a:t>
+            </a:r>
+            <a:r>
+              <a:rPr lang="en-US" sz="1400" dirty="0" smtClean="0"/>
+              <a:t>50 </a:t>
+            </a:r>
+            <a:r>
+              <a:rPr lang="en-US" sz="1400" dirty="0" err="1"/>
+              <a:t>ng</a:t>
+            </a:r>
+            <a:r>
+              <a:rPr lang="en-US" sz="1400" dirty="0"/>
+              <a:t>/</a:t>
+            </a:r>
+            <a:r>
+              <a:rPr lang="en-US" sz="1400" dirty="0" err="1"/>
+              <a:t>ul</a:t>
+            </a:r>
+            <a:r>
+              <a:rPr lang="en-US" sz="1400" dirty="0"/>
+              <a:t> and will use 2 </a:t>
+            </a:r>
+            <a:r>
+              <a:rPr lang="en-US" sz="1400" dirty="0" err="1"/>
+              <a:t>ul</a:t>
+            </a:r>
+            <a:r>
+              <a:rPr lang="en-US" sz="1400" dirty="0"/>
+              <a:t> per </a:t>
+            </a:r>
+            <a:r>
+              <a:rPr lang="en-US" sz="1400" dirty="0" smtClean="0"/>
+              <a:t>reaction. Need 3500 </a:t>
+            </a:r>
+            <a:r>
+              <a:rPr lang="en-US" sz="1400" dirty="0" err="1" smtClean="0"/>
+              <a:t>ng</a:t>
+            </a:r>
+            <a:r>
+              <a:rPr lang="en-US" sz="1400" dirty="0" smtClean="0"/>
+              <a:t> in 70 </a:t>
+            </a:r>
+            <a:r>
+              <a:rPr lang="en-US" sz="1400" dirty="0" err="1" smtClean="0"/>
+              <a:t>ul</a:t>
+            </a:r>
+            <a:r>
+              <a:rPr lang="en-US" sz="1400" dirty="0" smtClean="0"/>
+              <a:t> for validating 12 </a:t>
+            </a:r>
+            <a:r>
+              <a:rPr lang="en-US" sz="1400" dirty="0" err="1" smtClean="0"/>
+              <a:t>pimer</a:t>
+            </a:r>
+            <a:r>
+              <a:rPr lang="en-US" sz="1400" dirty="0" smtClean="0"/>
+              <a:t> pairs.</a:t>
+            </a:r>
+            <a:endParaRPr lang="ro-RO" sz="1400" dirty="0"/>
+          </a:p>
+        </p:txBody>
+      </p:sp>
+    </p:spTree>
+    <p:extLst>
+      <p:ext uri="{BB962C8B-B14F-4D97-AF65-F5344CB8AC3E}">
+        <p14:creationId xmlns:p14="http://schemas.microsoft.com/office/powerpoint/2010/main" val="1864513757"/>
+      </p:ext>
+    </p:extLst>
+  </p:cSld>
+  <p:clrMapOvr>
+    <a:masterClrMapping/>
+  </p:clrMapOvr>
+</p:sld>
+</file>
+
+<file path=ppt/slides/slide5.xml><?xml version="1.0" encoding="utf-8"?>
+<p:sld xmlns:a="http://schemas.openxmlformats.org/drawingml/2006/main" xmlns:r="http://schemas.openxmlformats.org/officeDocument/2006/relationships" xmlns:p="http://schemas.openxmlformats.org/presentationml/2006/main">
+  <p:cSld>
+    <p:spTree>
+      <p:nvGrpSpPr>
+        <p:cNvPr id="1" name=""/>
+        <p:cNvGrpSpPr/>
+        <p:nvPr/>
+      </p:nvGrpSpPr>
+      <p:grpSpPr>
+        <a:xfrm>
+          <a:off x="0" y="0"/>
+          <a:ext cx="0" cy="0"/>
+          <a:chOff x="0" y="0"/>
+          <a:chExt cx="0" cy="0"/>
+        </a:xfrm>
+      </p:grpSpPr>
+      <p:sp>
+        <p:nvSpPr>
+          <p:cNvPr id="4" name="TextBox 3"/>
+          <p:cNvSpPr txBox="1"/>
+          <p:nvPr/>
+        </p:nvSpPr>
+        <p:spPr>
+          <a:xfrm>
+            <a:off x="0" y="-62680"/>
+            <a:ext cx="9144000" cy="7232747"/>
+          </a:xfrm>
+          <a:prstGeom prst="rect">
+            <a:avLst/>
+          </a:prstGeom>
+          <a:noFill/>
+        </p:spPr>
+        <p:txBody>
+          <a:bodyPr wrap="square" rtlCol="0">
+            <a:spAutoFit/>
+          </a:bodyPr>
+          <a:lstStyle/>
+          <a:p>
+            <a:r>
               <a:rPr lang="en-US" sz="1600" b="1" u="sng" dirty="0" smtClean="0"/>
-              <a:t> Reaction </a:t>
-            </a:r>
+              <a:t>Validation plate protocol - </a:t>
+            </a:r>
+            <a:r>
+              <a:rPr lang="en-US" sz="1600" b="1" u="sng" dirty="0"/>
+              <a:t>2 </a:t>
+            </a:r>
+            <a:r>
+              <a:rPr lang="en-US" sz="1600" b="1" u="sng" dirty="0" err="1"/>
+              <a:t>ul</a:t>
+            </a:r>
+            <a:r>
+              <a:rPr lang="en-US" sz="1600" b="1" u="sng" dirty="0"/>
+              <a:t> DNA per Reaction </a:t>
+            </a:r>
+            <a:endParaRPr lang="en-US" sz="1600" b="1" u="sng" dirty="0" smtClean="0"/>
           </a:p>
           <a:p>
             <a:endParaRPr lang="en-US" sz="1400" b="1" dirty="0" smtClean="0"/>
@@ -8691,11 +11419,7 @@
             </a:pPr>
             <a:r>
               <a:rPr lang="en-US" sz="1400" dirty="0" smtClean="0"/>
-              <a:t>in </a:t>
-            </a:r>
-            <a:r>
-              <a:rPr lang="en-US" sz="1400" dirty="0" smtClean="0"/>
-              <a:t>each add </a:t>
+              <a:t>in each add </a:t>
             </a:r>
             <a:r>
               <a:rPr lang="en-US" sz="1400" dirty="0" smtClean="0">
@@ -8756,11 +11480,7 @@
             </a:pPr>
             <a:r>
               <a:rPr lang="ro-RO" sz="1400" dirty="0" smtClean="0"/>
-              <a:t>(put primers back in freezer</a:t>
-            </a:r>
-            <a:r>
-              <a:rPr lang="ro-RO" sz="1400" dirty="0" smtClean="0"/>
-              <a:t>)</a:t>
+              <a:t>(put primers back in freezer)</a:t>
             </a:r>
           </a:p>
           <a:p>
@@ -8816,27 +11536,7 @@
             </a:pPr>
             <a:r>
               <a:rPr lang="ro-RO" sz="1400" dirty="0" smtClean="0"/>
-              <a:t>Master mix </a:t>
-            </a:r>
-            <a:r>
-              <a:rPr lang="ro-RO" sz="1400" dirty="0" smtClean="0"/>
-              <a:t>‘n’</a:t>
-            </a:r>
-            <a:r>
-              <a:rPr lang="ro-RO" sz="1400" dirty="0" smtClean="0"/>
-              <a:t> </a:t>
-            </a:r>
-            <a:r>
-              <a:rPr lang="ro-RO" sz="1400" dirty="0" smtClean="0"/>
-              <a:t>goes into every row cell of column </a:t>
-            </a:r>
-            <a:r>
-              <a:rPr lang="ro-RO" sz="1400" dirty="0" smtClean="0"/>
-              <a:t>‘n’ </a:t>
-            </a:r>
-            <a:r>
-              <a:rPr lang="ro-RO" sz="1400" dirty="0" smtClean="0"/>
-              <a:t>(see plate guide)</a:t>
+              <a:t>Master mix ‘n’ goes into every row cell of column ‘n’ (see plate guide)</a:t>
             </a:r>
             <a:endParaRPr lang="ro-RO" sz="1400" dirty="0"/>
           </a:p>
@@ -8849,15 +11549,7 @@
           <a:p>
             <a:r>
               <a:rPr lang="en-US" sz="1400" dirty="0" smtClean="0"/>
-              <a:t>--&gt; Only </a:t>
-            </a:r>
-            <a:r>
-              <a:rPr lang="en-US" sz="1400" dirty="0" smtClean="0"/>
-              <a:t>move pipette over the covered regions and current </a:t>
-            </a:r>
-            <a:r>
-              <a:rPr lang="en-US" sz="1400" dirty="0" smtClean="0"/>
-              <a:t>well</a:t>
+              <a:t>--&gt; Only move pipette over the covered regions and current well</a:t>
             </a:r>
           </a:p>
           <a:p>
@@ -8960,7 +11652,7 @@
         <p:spPr>
           <a:xfrm>
             <a:off x="3413557" y="824226"/>
-            <a:ext cx="1953467" cy="1384995"/>
+            <a:ext cx="1912878" cy="1600438"/>
           </a:xfrm>
           <a:prstGeom prst="rect">
             <a:avLst/>
@@ -8975,7 +11667,29 @@
           <a:p>
             <a:r>
               <a:rPr lang="en-US" sz="1400" b="1" u="sng" dirty="0" smtClean="0"/>
-              <a:t> 9 reactions using 1 </a:t>
+              <a:t> </a:t>
+            </a:r>
+            <a:r>
+              <a:rPr lang="en-US" sz="1400" b="1" u="sng" dirty="0" smtClean="0"/>
+              <a:t>15 </a:t>
+            </a:r>
+            <a:r>
+              <a:rPr lang="en-US" sz="1400" b="1" u="sng" dirty="0" err="1" smtClean="0"/>
+              <a:t>ul</a:t>
+            </a:r>
+            <a:r>
+              <a:rPr lang="en-US" sz="1400" b="1" u="sng" dirty="0" smtClean="0"/>
+              <a:t> Reaction for </a:t>
+            </a:r>
+          </a:p>
+          <a:p>
+            <a:r>
+              <a:rPr lang="en-US" sz="1400" b="1" u="sng" dirty="0" smtClean="0"/>
+              <a:t>9 </a:t>
+            </a:r>
+            <a:r>
+              <a:rPr lang="en-US" sz="1400" b="1" u="sng" dirty="0" smtClean="0"/>
+              <a:t>reactions using 1 </a:t>
             </a:r>
             <a:r>
               <a:rPr lang="en-US" sz="1400" b="1" u="sng" dirty="0" err="1" smtClean="0"/>
@@ -8988,6 +11702,25 @@
           </a:p>
           <a:p>
             <a:r>
+              <a:rPr lang="en-US" sz="1400" dirty="0"/>
+              <a:t>22.5 </a:t>
+            </a:r>
+            <a:r>
+              <a:rPr lang="en-US" sz="1400" dirty="0" err="1"/>
+              <a:t>ul</a:t>
+            </a:r>
+            <a:r>
+              <a:rPr lang="en-US" sz="1400" dirty="0"/>
+              <a:t> </a:t>
+            </a:r>
+            <a:r>
+              <a:rPr lang="en-US" sz="1400" dirty="0" smtClean="0"/>
+              <a:t>UPW</a:t>
+            </a:r>
+            <a:endParaRPr lang="en-US" sz="1400" dirty="0" smtClean="0"/>
+          </a:p>
+          <a:p>
+            <a:r>
               <a:rPr lang="en-US" sz="1400" dirty="0" smtClean="0"/>
               <a:t>67.5 </a:t>
             </a:r>
@@ -9003,7 +11736,7 @@
           <a:p>
             <a:r>
               <a:rPr lang="en-US" sz="1400" dirty="0" smtClean="0"/>
-              <a:t>22.5 </a:t>
+              <a:t>13.5 </a:t>
             </a:r>
             <a:r>
               <a:rPr lang="en-US" sz="1400" dirty="0" err="1" smtClean="0"/>
@@ -9011,18 +11744,255 @@
             </a:r>
             <a:r>
               <a:rPr lang="en-US" sz="1400" dirty="0" smtClean="0"/>
-              <a:t> UPW</a:t>
-            </a:r>
-          </a:p>
-          <a:p>
+              <a:t> 1 </a:t>
+            </a:r>
+            <a:r>
+              <a:rPr lang="en-US" sz="1400" dirty="0" err="1" smtClean="0"/>
+              <a:t>uM</a:t>
+            </a:r>
             <a:r>
               <a:rPr lang="en-US" sz="1400" dirty="0" smtClean="0"/>
+              <a:t> </a:t>
+            </a:r>
+            <a:r>
+              <a:rPr lang="en-US" sz="1400" dirty="0" err="1" smtClean="0"/>
+              <a:t>Fwd</a:t>
+            </a:r>
+            <a:endParaRPr lang="en-US" sz="1400" dirty="0" smtClean="0"/>
+          </a:p>
+          <a:p>
+            <a:r>
+              <a:rPr lang="en-US" sz="1400" u="sng" dirty="0" smtClean="0"/>
               <a:t>13.5 </a:t>
+            </a:r>
+            <a:r>
+              <a:rPr lang="en-US" sz="1400" u="sng" dirty="0" err="1" smtClean="0"/>
+              <a:t>ul</a:t>
+            </a:r>
+            <a:r>
+              <a:rPr lang="en-US" sz="1400" u="sng" dirty="0" smtClean="0"/>
+              <a:t> 1 </a:t>
+            </a:r>
+            <a:r>
+              <a:rPr lang="en-US" sz="1400" u="sng" dirty="0" err="1" smtClean="0"/>
+              <a:t>uM</a:t>
+            </a:r>
+            <a:r>
+              <a:rPr lang="en-US" sz="1400" u="sng" dirty="0" smtClean="0"/>
+              <a:t> Rev</a:t>
+            </a:r>
+          </a:p>
+          <a:p>
+            <a:r>
+              <a:rPr lang="en-US" sz="1400" dirty="0" smtClean="0"/>
+              <a:t>117 </a:t>
             </a:r>
             <a:r>
               <a:rPr lang="en-US" sz="1400" dirty="0" err="1" smtClean="0"/>
               <a:t>ul</a:t>
             </a:r>
+            <a:endParaRPr lang="en-US" sz="1400" dirty="0"/>
+          </a:p>
+        </p:txBody>
+      </p:sp>
+      <p:sp>
+        <p:nvSpPr>
+          <p:cNvPr id="2" name="TextBox 1"/>
+          <p:cNvSpPr txBox="1"/>
+          <p:nvPr/>
+        </p:nvSpPr>
+        <p:spPr>
+          <a:xfrm>
+            <a:off x="7493000" y="832024"/>
+            <a:ext cx="1614714" cy="1815882"/>
+          </a:xfrm>
+          <a:prstGeom prst="rect">
+            <a:avLst/>
+          </a:prstGeom>
+          <a:noFill/>
+          <a:ln>
+            <a:solidFill>
+              <a:schemeClr val="tx1"/>
+            </a:solidFill>
+          </a:ln>
+        </p:spPr>
+        <p:txBody>
+          <a:bodyPr wrap="square" rtlCol="0">
+            <a:spAutoFit/>
+          </a:bodyPr>
+          <a:lstStyle/>
+          <a:p>
+            <a:r>
+              <a:rPr lang="en-US" sz="1400" u="sng" dirty="0" smtClean="0"/>
+              <a:t>Optional:</a:t>
+            </a:r>
+          </a:p>
+          <a:p>
+            <a:r>
+              <a:rPr lang="en-US" sz="1400" dirty="0" smtClean="0"/>
+              <a:t>May want to first make a SYBR+UPW pool, then add 90 </a:t>
+            </a:r>
+            <a:r>
+              <a:rPr lang="en-US" sz="1400" dirty="0" err="1" smtClean="0"/>
+              <a:t>ul</a:t>
+            </a:r>
+            <a:r>
+              <a:rPr lang="en-US" sz="1400" dirty="0" smtClean="0"/>
+              <a:t> (for 15 </a:t>
+            </a:r>
+            <a:r>
+              <a:rPr lang="en-US" sz="1400" dirty="0" err="1" smtClean="0"/>
+              <a:t>ul</a:t>
+            </a:r>
+            <a:r>
+              <a:rPr lang="en-US" sz="1400" dirty="0" smtClean="0"/>
+              <a:t> </a:t>
+            </a:r>
+            <a:r>
+              <a:rPr lang="en-US" sz="1400" dirty="0" err="1" smtClean="0"/>
+              <a:t>rxns</a:t>
+            </a:r>
+            <a:r>
+              <a:rPr lang="en-US" sz="1400" dirty="0" smtClean="0"/>
+              <a:t>) or 54 </a:t>
+            </a:r>
+            <a:r>
+              <a:rPr lang="en-US" sz="1400" dirty="0" err="1" smtClean="0"/>
+              <a:t>ul</a:t>
+            </a:r>
+            <a:r>
+              <a:rPr lang="en-US" sz="1400" dirty="0" smtClean="0"/>
+              <a:t> (for 10 </a:t>
+            </a:r>
+            <a:r>
+              <a:rPr lang="en-US" sz="1400" dirty="0" err="1" smtClean="0"/>
+              <a:t>ul</a:t>
+            </a:r>
+            <a:r>
+              <a:rPr lang="en-US" sz="1400" dirty="0" smtClean="0"/>
+              <a:t> </a:t>
+            </a:r>
+            <a:r>
+              <a:rPr lang="en-US" sz="1400" dirty="0" err="1" smtClean="0"/>
+              <a:t>rxns</a:t>
+            </a:r>
+            <a:r>
+              <a:rPr lang="en-US" sz="1400" dirty="0" smtClean="0"/>
+              <a:t>) to each master mix tube.</a:t>
+            </a:r>
+          </a:p>
+        </p:txBody>
+      </p:sp>
+      <p:sp>
+        <p:nvSpPr>
+          <p:cNvPr id="5" name="TextBox 4"/>
+          <p:cNvSpPr txBox="1"/>
+          <p:nvPr/>
+        </p:nvSpPr>
+        <p:spPr>
+          <a:xfrm>
+            <a:off x="5326435" y="824226"/>
+            <a:ext cx="1912878" cy="1600438"/>
+          </a:xfrm>
+          <a:prstGeom prst="rect">
+            <a:avLst/>
+          </a:prstGeom>
+          <a:noFill/>
+        </p:spPr>
+        <p:txBody>
+          <a:bodyPr wrap="none" rtlCol="0">
+            <a:spAutoFit/>
+          </a:bodyPr>
+          <a:lstStyle/>
+          <a:p>
+            <a:r>
+              <a:rPr lang="en-US" sz="1400" b="1" u="sng" dirty="0" smtClean="0"/>
+              <a:t> </a:t>
+            </a:r>
+            <a:r>
+              <a:rPr lang="en-US" sz="1400" b="1" u="sng" dirty="0" smtClean="0"/>
+              <a:t>10 </a:t>
+            </a:r>
+            <a:r>
+              <a:rPr lang="en-US" sz="1400" b="1" u="sng" dirty="0" err="1" smtClean="0"/>
+              <a:t>ul</a:t>
+            </a:r>
+            <a:r>
+              <a:rPr lang="en-US" sz="1400" b="1" u="sng" dirty="0" smtClean="0"/>
+              <a:t> Reaction for </a:t>
+            </a:r>
+          </a:p>
+          <a:p>
+            <a:r>
+              <a:rPr lang="en-US" sz="1400" b="1" u="sng" dirty="0" smtClean="0"/>
+              <a:t>9 </a:t>
+            </a:r>
+            <a:r>
+              <a:rPr lang="en-US" sz="1400" b="1" u="sng" dirty="0" smtClean="0"/>
+              <a:t>reactions using 1 </a:t>
+            </a:r>
+            <a:r>
+              <a:rPr lang="en-US" sz="1400" b="1" u="sng" dirty="0" err="1" smtClean="0"/>
+              <a:t>uM</a:t>
+            </a:r>
+            <a:r>
+              <a:rPr lang="en-US" sz="1400" b="1" u="sng" dirty="0" smtClean="0"/>
+              <a:t>:</a:t>
+            </a:r>
+          </a:p>
+          <a:p>
+            <a:r>
+              <a:rPr lang="en-US" sz="1400" dirty="0"/>
+              <a:t>9</a:t>
+            </a:r>
+            <a:r>
+              <a:rPr lang="en-US" sz="1400" dirty="0" smtClean="0"/>
+              <a:t> </a:t>
+            </a:r>
+            <a:r>
+              <a:rPr lang="en-US" sz="1400" dirty="0" err="1"/>
+              <a:t>ul</a:t>
+            </a:r>
+            <a:r>
+              <a:rPr lang="en-US" sz="1400" dirty="0"/>
+              <a:t> UPW</a:t>
+            </a:r>
+          </a:p>
+          <a:p>
+            <a:r>
+              <a:rPr lang="en-US" sz="1400" dirty="0" smtClean="0"/>
+              <a:t>45</a:t>
+            </a:r>
+            <a:r>
+              <a:rPr lang="en-US" sz="1400" dirty="0" smtClean="0"/>
+              <a:t> </a:t>
+            </a:r>
+            <a:r>
+              <a:rPr lang="en-US" sz="1400" dirty="0" err="1" smtClean="0"/>
+              <a:t>ul</a:t>
+            </a:r>
+            <a:r>
+              <a:rPr lang="en-US" sz="1400" dirty="0" smtClean="0"/>
+              <a:t> 2X SYBR </a:t>
+            </a:r>
+            <a:r>
+              <a:rPr lang="en-US" sz="1400" dirty="0" smtClean="0"/>
+              <a:t>Green</a:t>
+            </a:r>
+          </a:p>
+          <a:p>
+            <a:r>
+              <a:rPr lang="en-US" sz="1400" dirty="0"/>
+              <a:t>9</a:t>
+            </a:r>
+            <a:r>
+              <a:rPr lang="en-US" sz="1400" dirty="0" smtClean="0"/>
+              <a:t> </a:t>
+            </a:r>
+            <a:r>
+              <a:rPr lang="en-US" sz="1400" dirty="0" err="1" smtClean="0"/>
+              <a:t>ul</a:t>
+            </a:r>
             <a:r>
               <a:rPr lang="en-US" sz="1400" dirty="0" smtClean="0"/>
               <a:t> 1 </a:t>
@@ -9044,7 +12014,7 @@
           <a:p>
             <a:r>
               <a:rPr lang="en-US" sz="1400" u="sng" dirty="0" smtClean="0"/>
-              <a:t>13.5 </a:t>
+              <a:t>9 </a:t>
             </a:r>
             <a:r>
               <a:rPr lang="en-US" sz="1400" u="sng" dirty="0" err="1" smtClean="0"/>
@@ -9066,7 +12036,11 @@
           <a:p>
             <a:r>
               <a:rPr lang="en-US" sz="1400" dirty="0" smtClean="0"/>
-              <a:t>117 </a:t>
+              <a:t>72</a:t>
+            </a:r>
+            <a:r>
+              <a:rPr lang="en-US" sz="1400" dirty="0" smtClean="0"/>
+              <a:t> </a:t>
             </a:r>
             <a:r>
               <a:rPr lang="en-US" sz="1400" dirty="0" err="1" smtClean="0"/>
@@ -9089,7 +12063,7 @@
 </p:sld>
 </file>
 
-<file path=ppt/slides/slide5.xml><?xml version="1.0" encoding="utf-8"?>
+<file path=ppt/slides/slide6.xml><?xml version="1.0" encoding="utf-8"?>
 <p:sld xmlns:a="http://schemas.openxmlformats.org/drawingml/2006/main" xmlns:r="http://schemas.openxmlformats.org/officeDocument/2006/relationships" xmlns:p="http://schemas.openxmlformats.org/presentationml/2006/main">
   <p:cSld>
     <p:spTree>
@@ -9130,16 +12104,21 @@
           <a:p>
             <a:r>
               <a:rPr lang="en-US" sz="1400" b="1" u="sng" dirty="0" smtClean="0"/>
-              <a:t>Validation plate protocol - 15 </a:t>
-            </a:r>
-            <a:r>
-              <a:rPr lang="en-US" sz="1400" b="1" u="sng" dirty="0" err="1" smtClean="0"/>
+              <a:t>Validation plate protocol - </a:t>
+            </a:r>
+            <a:r>
+              <a:rPr lang="en-US" sz="1400" b="1" u="sng" dirty="0"/>
+              <a:t>2 </a:t>
+            </a:r>
+            <a:r>
+              <a:rPr lang="en-US" sz="1400" b="1" u="sng" dirty="0" err="1"/>
               <a:t>ul</a:t>
             </a:r>
             <a:r>
-              <a:rPr lang="en-US" sz="1400" b="1" u="sng" dirty="0" smtClean="0"/>
-              <a:t> Reaction </a:t>
-            </a:r>
+              <a:rPr lang="en-US" sz="1400" b="1" u="sng" dirty="0"/>
+              <a:t> DNA per Reaction  </a:t>
+            </a:r>
+            <a:endParaRPr lang="en-US" sz="1400" b="1" u="sng" dirty="0" smtClean="0"/>
           </a:p>
           <a:p>
             <a:endParaRPr lang="en-US" sz="1400" dirty="0"/>
@@ -9164,12 +12143,21 @@
             </a:pPr>
             <a:r>
               <a:rPr lang="ro-RO" sz="1400" dirty="0" smtClean="0"/>
-              <a:t>spin down at 1000 RPM for 1 </a:t>
+              <a:t>spin down at 1000 </a:t>
+            </a:r>
+            <a:r>
+              <a:rPr lang="ro-RO" sz="1400" dirty="0"/>
+              <a:t>RPM (106 RCF) </a:t>
+            </a:r>
+            <a:r>
+              <a:rPr lang="ro-RO" sz="1400" dirty="0" smtClean="0"/>
+              <a:t>for 1 </a:t>
             </a:r>
             <a:r>
               <a:rPr lang="ro-RO" sz="1400" dirty="0" smtClean="0"/>
               <a:t>min</a:t>
             </a:r>
+            <a:endParaRPr lang="ro-RO" sz="1400" dirty="0" smtClean="0"/>
           </a:p>
           <a:p>
             <a:pPr marL="742950" lvl="1" indent="-285750">
@@ -9195,7 +12183,19 @@
               <a:rPr lang="ro-RO" sz="1400" dirty="0">
                 <a:sym typeface="Wingdings"/>
               </a:rPr>
-              <a:t> Spin plate at 1500 RPM to pop any remaining </a:t>
+              <a:t> Spin plate at 1500 </a:t>
+            </a:r>
+            <a:r>
+              <a:rPr lang="ro-RO" sz="1400" dirty="0" smtClean="0">
+                <a:sym typeface="Wingdings"/>
+              </a:rPr>
+              <a:t>RPM (239 RCF) </a:t>
+            </a:r>
+            <a:r>
+              <a:rPr lang="ro-RO" sz="1400" dirty="0">
+                <a:sym typeface="Wingdings"/>
+              </a:rPr>
+              <a:t>to pop any remaining </a:t>
             </a:r>
             <a:r>
               <a:rPr lang="ro-RO" sz="1400" dirty="0" smtClean="0">
@@ -9392,11 +12392,7 @@
             </a:r>
             <a:r>
               <a:rPr lang="en-US" sz="1400" dirty="0" smtClean="0"/>
-              <a:t>, put </a:t>
-            </a:r>
-            <a:r>
-              <a:rPr lang="en-US" sz="1400" dirty="0" smtClean="0"/>
-              <a:t>plate into machine</a:t>
+              <a:t>, put plate into machine</a:t>
             </a:r>
           </a:p>
           <a:p>
@@ -9422,681 +12418,6 @@
     <p:extLst>
       <p:ext uri="{BB962C8B-B14F-4D97-AF65-F5344CB8AC3E}">
         <p14:creationId xmlns:p14="http://schemas.microsoft.com/office/powerpoint/2010/main" val="1165278413"/>
-      </p:ext>
-    </p:extLst>
-  </p:cSld>
-  <p:clrMapOvr>
-    <a:masterClrMapping/>
-  </p:clrMapOvr>
-</p:sld>
-</file>
-
-<file path=ppt/slides/slide6.xml><?xml version="1.0" encoding="utf-8"?>
-<p:sld xmlns:a="http://schemas.openxmlformats.org/drawingml/2006/main" xmlns:r="http://schemas.openxmlformats.org/officeDocument/2006/relationships" xmlns:p="http://schemas.openxmlformats.org/presentationml/2006/main">
-  <p:cSld>
-    <p:spTree>
-      <p:nvGrpSpPr>
-        <p:cNvPr id="1" name=""/>
-        <p:cNvGrpSpPr/>
-        <p:nvPr/>
-      </p:nvGrpSpPr>
-      <p:grpSpPr>
-        <a:xfrm>
-          <a:off x="0" y="0"/>
-          <a:ext cx="0" cy="0"/>
-          <a:chOff x="0" y="0"/>
-          <a:chExt cx="0" cy="0"/>
-        </a:xfrm>
-      </p:grpSpPr>
-      <p:sp>
-        <p:nvSpPr>
-          <p:cNvPr id="4" name="TextBox 3"/>
-          <p:cNvSpPr txBox="1"/>
-          <p:nvPr/>
-        </p:nvSpPr>
-        <p:spPr>
-          <a:xfrm>
-            <a:off x="0" y="38100"/>
-            <a:ext cx="9144000" cy="5909308"/>
-          </a:xfrm>
-          <a:prstGeom prst="rect">
-            <a:avLst/>
-          </a:prstGeom>
-          <a:noFill/>
-        </p:spPr>
-        <p:txBody>
-          <a:bodyPr wrap="square" rtlCol="0">
-            <a:spAutoFit/>
-          </a:bodyPr>
-          <a:lstStyle/>
-          <a:p>
-            <a:r>
-              <a:rPr lang="en-US" sz="1400" b="1" u="sng" dirty="0" smtClean="0"/>
-              <a:t>Validation plate protocol - 15 </a:t>
-            </a:r>
-            <a:r>
-              <a:rPr lang="en-US" sz="1400" b="1" u="sng" dirty="0" err="1" smtClean="0"/>
-              <a:t>ul</a:t>
-            </a:r>
-            <a:r>
-              <a:rPr lang="en-US" sz="1400" b="1" u="sng" dirty="0" smtClean="0"/>
-              <a:t> Reaction </a:t>
-            </a:r>
-          </a:p>
-          <a:p>
-            <a:r>
-              <a:rPr lang="en-US" sz="1400" b="1" dirty="0" smtClean="0"/>
-              <a:t>Step 8. Finalize qPCR run and obtain data</a:t>
-            </a:r>
-          </a:p>
-          <a:p>
-            <a:pPr marL="285750" indent="-285750">
-              <a:buFontTx/>
-              <a:buChar char="-"/>
-            </a:pPr>
-            <a:r>
-              <a:rPr lang="en-US" sz="1400" dirty="0" smtClean="0"/>
-              <a:t>When qPCR complete, go to Analysis tab </a:t>
-            </a:r>
-          </a:p>
-          <a:p>
-            <a:pPr marL="285750" indent="-285750">
-              <a:buFontTx/>
-              <a:buChar char="-"/>
-            </a:pPr>
-            <a:r>
-              <a:rPr lang="en-US" sz="1400" dirty="0" smtClean="0"/>
-              <a:t>start cycle = 3 </a:t>
-            </a:r>
-          </a:p>
-          <a:p>
-            <a:pPr marL="285750" indent="-285750">
-              <a:buFontTx/>
-              <a:buChar char="-"/>
-            </a:pPr>
-            <a:r>
-              <a:rPr lang="en-US" sz="1400" dirty="0" smtClean="0"/>
-              <a:t>double click y-axis, make linear  </a:t>
-            </a:r>
-          </a:p>
-          <a:p>
-            <a:pPr marL="285750" indent="-285750">
-              <a:buFontTx/>
-              <a:buChar char="-"/>
-            </a:pPr>
-            <a:r>
-              <a:rPr lang="en-US" sz="1400" dirty="0" smtClean="0"/>
-              <a:t>look at cycle number where traces begin to lift off baseline  </a:t>
-            </a:r>
-          </a:p>
-          <a:p>
-            <a:pPr marL="285750" indent="-285750">
-              <a:buFontTx/>
-              <a:buChar char="-"/>
-            </a:pPr>
-            <a:r>
-              <a:rPr lang="en-US" sz="1400" dirty="0" smtClean="0"/>
-              <a:t>subtract 3 from that cycle number and make that the “end cycle”  </a:t>
-            </a:r>
-          </a:p>
-          <a:p>
-            <a:pPr marL="285750" indent="-285750">
-              <a:buFontTx/>
-              <a:buChar char="-"/>
-            </a:pPr>
-            <a:r>
-              <a:rPr lang="en-US" sz="1400" dirty="0" smtClean="0"/>
-              <a:t>This is setting cycle threshold </a:t>
-            </a:r>
-          </a:p>
-          <a:p>
-            <a:pPr marL="285750" indent="-285750">
-              <a:buFontTx/>
-              <a:buChar char="-"/>
-            </a:pPr>
-            <a:r>
-              <a:rPr lang="en-US" sz="1400" dirty="0" smtClean="0"/>
-              <a:t>Export results to thumb drive</a:t>
-            </a:r>
-          </a:p>
-          <a:p>
-            <a:endParaRPr lang="en-US" sz="1400" dirty="0" smtClean="0"/>
-          </a:p>
-          <a:p>
-            <a:r>
-              <a:rPr lang="en-US" sz="1400" b="1" dirty="0" smtClean="0"/>
-              <a:t>Step 9. Analyze results in Excel or R</a:t>
-            </a:r>
-          </a:p>
-          <a:p>
-            <a:r>
-              <a:rPr lang="en-US" sz="1400" b="1" dirty="0" smtClean="0"/>
-              <a:t>– results – check slope, </a:t>
-            </a:r>
-            <a:r>
-              <a:rPr lang="en-US" sz="1400" b="1" dirty="0" err="1" smtClean="0"/>
-              <a:t>eff</a:t>
-            </a:r>
-            <a:r>
-              <a:rPr lang="en-US" sz="1400" b="1" dirty="0" smtClean="0"/>
-              <a:t>, </a:t>
-            </a:r>
-            <a:r>
-              <a:rPr lang="en-US" sz="1400" b="1" dirty="0" err="1" smtClean="0"/>
-              <a:t>Rsqr</a:t>
-            </a:r>
-            <a:r>
-              <a:rPr lang="en-US" sz="1400" b="1" dirty="0" smtClean="0"/>
-              <a:t> – pass/fail – example:</a:t>
-            </a:r>
-            <a:endParaRPr lang="en-US" sz="1400" dirty="0"/>
-          </a:p>
-          <a:p>
-            <a:endParaRPr lang="en-US" sz="1400" b="1" dirty="0"/>
-          </a:p>
-          <a:p>
-            <a:r>
-              <a:rPr lang="en-US" sz="1400" b="1" dirty="0"/>
-              <a:t>       </a:t>
-            </a:r>
-            <a:r>
-              <a:rPr lang="en-US" sz="1400" b="1" dirty="0" err="1"/>
-              <a:t>primerPair</a:t>
-            </a:r>
-            <a:r>
-              <a:rPr lang="en-US" sz="1400" b="1" dirty="0"/>
-              <a:t>     slope       efficiency       </a:t>
-            </a:r>
-            <a:r>
-              <a:rPr lang="en-US" sz="1400" b="1" dirty="0" err="1"/>
-              <a:t>Rsqr</a:t>
-            </a:r>
-            <a:r>
-              <a:rPr lang="en-US" sz="1400" b="1" dirty="0"/>
-              <a:t>      pass</a:t>
-            </a:r>
-            <a:endParaRPr lang="en-US" sz="1400" dirty="0"/>
-          </a:p>
-          <a:p>
-            <a:r>
-              <a:rPr lang="ro-RO" sz="1400" dirty="0"/>
-              <a:t>1     </a:t>
-            </a:r>
-            <a:r>
-              <a:rPr lang="ro-RO" sz="1400" dirty="0" smtClean="0"/>
-              <a:t>n1</a:t>
-            </a:r>
-            <a:r>
-              <a:rPr lang="ro-RO" sz="1400" dirty="0"/>
-              <a:t>     </a:t>
-            </a:r>
-            <a:r>
-              <a:rPr lang="ro-RO" sz="1400" dirty="0" smtClean="0"/>
-              <a:t>      </a:t>
-            </a:r>
-            <a:r>
-              <a:rPr lang="ro-RO" sz="1400" dirty="0"/>
-              <a:t>-3.120475  1.0915297     0.9934686    1</a:t>
-            </a:r>
-          </a:p>
-          <a:p>
-            <a:r>
-              <a:rPr lang="ro-RO" sz="1400" dirty="0"/>
-              <a:t>2     </a:t>
-            </a:r>
-            <a:r>
-              <a:rPr lang="ro-RO" sz="1400" dirty="0" smtClean="0"/>
-              <a:t>n2</a:t>
-            </a:r>
-            <a:r>
-              <a:rPr lang="ro-RO" sz="1400" dirty="0"/>
-              <a:t>      </a:t>
-            </a:r>
-            <a:r>
-              <a:rPr lang="ro-RO" sz="1400" dirty="0" smtClean="0"/>
-              <a:t>    -</a:t>
-            </a:r>
-            <a:r>
-              <a:rPr lang="ro-RO" sz="1400" dirty="0"/>
-              <a:t>3.711285  0.8597238     0.9795718    0</a:t>
-            </a:r>
-          </a:p>
-          <a:p>
-            <a:r>
-              <a:rPr lang="ro-RO" sz="1400" dirty="0"/>
-              <a:t>3     </a:t>
-            </a:r>
-            <a:r>
-              <a:rPr lang="ro-RO" sz="1400" dirty="0" smtClean="0"/>
-              <a:t>n3</a:t>
-            </a:r>
-            <a:r>
-              <a:rPr lang="ro-RO" sz="1400" dirty="0"/>
-              <a:t>     </a:t>
-            </a:r>
-            <a:r>
-              <a:rPr lang="ro-RO" sz="1400" dirty="0" smtClean="0"/>
-              <a:t>   </a:t>
-            </a:r>
-            <a:r>
-              <a:rPr lang="ro-RO" sz="1400" dirty="0"/>
-              <a:t>-3.229430  1.0401033     0.9985078    1</a:t>
-            </a:r>
-          </a:p>
-          <a:p>
-            <a:r>
-              <a:rPr lang="ro-RO" sz="1400" dirty="0"/>
-              <a:t>4     </a:t>
-            </a:r>
-            <a:r>
-              <a:rPr lang="ro-RO" sz="1400" dirty="0" smtClean="0"/>
-              <a:t>n4</a:t>
-            </a:r>
-            <a:r>
-              <a:rPr lang="ro-RO" sz="1400" dirty="0"/>
-              <a:t>    </a:t>
-            </a:r>
-            <a:r>
-              <a:rPr lang="ro-RO" sz="1400" dirty="0" smtClean="0"/>
-              <a:t>  </a:t>
-            </a:r>
-            <a:r>
-              <a:rPr lang="ro-RO" sz="1400" dirty="0"/>
-              <a:t>  -3.254095  1.0291077     0.9960876    1</a:t>
-            </a:r>
-          </a:p>
-          <a:p>
-            <a:r>
-              <a:rPr lang="ro-RO" sz="1400" dirty="0"/>
-              <a:t>5     </a:t>
-            </a:r>
-            <a:r>
-              <a:rPr lang="ro-RO" sz="1400" dirty="0" smtClean="0"/>
-              <a:t>n5</a:t>
-            </a:r>
-            <a:r>
-              <a:rPr lang="ro-RO" sz="1400" dirty="0"/>
-              <a:t>     -3.218725  1.0449468      0.9955501    1</a:t>
-            </a:r>
-          </a:p>
-          <a:p>
-            <a:r>
-              <a:rPr lang="ro-RO" sz="1400" dirty="0"/>
-              <a:t>6     </a:t>
-            </a:r>
-            <a:r>
-              <a:rPr lang="ro-RO" sz="1400" dirty="0" smtClean="0"/>
-              <a:t>n6</a:t>
-            </a:r>
-            <a:r>
-              <a:rPr lang="ro-RO" sz="1400" dirty="0"/>
-              <a:t>      -3.155280  1.0745747     0.9966649    1</a:t>
-            </a:r>
-          </a:p>
-          <a:p>
-            <a:r>
-              <a:rPr lang="ro-RO" sz="1400" dirty="0"/>
-              <a:t>7     </a:t>
-            </a:r>
-            <a:r>
-              <a:rPr lang="ro-RO" sz="1400" dirty="0" smtClean="0"/>
-              <a:t>n7</a:t>
-            </a:r>
-            <a:r>
-              <a:rPr lang="ro-RO" sz="1400" dirty="0"/>
-              <a:t>        -3.246655  1.0324006     0.9964864    1</a:t>
-            </a:r>
-          </a:p>
-          <a:p>
-            <a:r>
-              <a:rPr lang="ro-RO" sz="1400" dirty="0"/>
-              <a:t>8       </a:t>
-            </a:r>
-            <a:r>
-              <a:rPr lang="ro-RO" sz="1400" dirty="0" smtClean="0"/>
-              <a:t>n8</a:t>
-            </a:r>
-            <a:r>
-              <a:rPr lang="ro-RO" sz="1400" dirty="0"/>
-              <a:t>        -3.253750  1.0292600      0.9846853    1</a:t>
-            </a:r>
-          </a:p>
-          <a:p>
-            <a:r>
-              <a:rPr lang="ro-RO" sz="1400" dirty="0"/>
-              <a:t>9      </a:t>
-            </a:r>
-            <a:r>
-              <a:rPr lang="ro-RO" sz="1400" dirty="0" smtClean="0"/>
-              <a:t>n9</a:t>
-            </a:r>
-            <a:r>
-              <a:rPr lang="ro-RO" sz="1400" dirty="0"/>
-              <a:t>        -3.194015  1.0562957      0.9970389    1</a:t>
-            </a:r>
-          </a:p>
-          <a:p>
-            <a:r>
-              <a:rPr lang="ro-RO" sz="1400" dirty="0"/>
-              <a:t>10      </a:t>
-            </a:r>
-            <a:r>
-              <a:rPr lang="ro-RO" sz="1400" dirty="0" smtClean="0"/>
-              <a:t>n10</a:t>
-            </a:r>
-            <a:r>
-              <a:rPr lang="ro-RO" sz="1400" dirty="0"/>
-              <a:t>      -3.145015  1.0795219      0.9932453    1</a:t>
-            </a:r>
-          </a:p>
-          <a:p>
-            <a:r>
-              <a:rPr lang="ro-RO" sz="1400" dirty="0"/>
-              <a:t>11     </a:t>
-            </a:r>
-            <a:r>
-              <a:rPr lang="ro-RO" sz="1400" dirty="0" smtClean="0"/>
-              <a:t>n11</a:t>
-            </a:r>
-            <a:r>
-              <a:rPr lang="ro-RO" sz="1400" dirty="0"/>
-              <a:t>     -3.192585  1.0569598      0.9935030    1</a:t>
-            </a:r>
-          </a:p>
-          <a:p>
-            <a:r>
-              <a:rPr lang="ro-RO" sz="1400" dirty="0"/>
-              <a:t>12     </a:t>
-            </a:r>
-            <a:r>
-              <a:rPr lang="ro-RO" sz="1400" dirty="0" smtClean="0"/>
-              <a:t>n12</a:t>
-            </a:r>
-            <a:r>
-              <a:rPr lang="ro-RO" sz="1400" dirty="0"/>
-              <a:t>     -3.352260  0.9874958      0.9971362    1</a:t>
-            </a:r>
-          </a:p>
-          <a:p>
-            <a:endParaRPr lang="ro-RO" sz="1400" dirty="0" smtClean="0"/>
-          </a:p>
-        </p:txBody>
-      </p:sp>
-      <p:sp>
-        <p:nvSpPr>
-          <p:cNvPr id="5" name="TextBox 4"/>
-          <p:cNvSpPr txBox="1"/>
-          <p:nvPr/>
-        </p:nvSpPr>
-        <p:spPr>
-          <a:xfrm>
-            <a:off x="4228350" y="2175669"/>
-            <a:ext cx="4915650" cy="4401204"/>
-          </a:xfrm>
-          <a:prstGeom prst="rect">
-            <a:avLst/>
-          </a:prstGeom>
-          <a:noFill/>
-        </p:spPr>
-        <p:txBody>
-          <a:bodyPr wrap="square" rtlCol="0">
-            <a:spAutoFit/>
-          </a:bodyPr>
-          <a:lstStyle/>
-          <a:p>
-            <a:r>
-              <a:rPr lang="ro-RO" sz="1400" b="1" dirty="0" smtClean="0"/>
-              <a:t>Relative Eficiency</a:t>
-            </a:r>
-            <a:endParaRPr lang="ro-RO" sz="1400" dirty="0"/>
-          </a:p>
-          <a:p>
-            <a:r>
-              <a:rPr lang="ro-RO" sz="1400" dirty="0" smtClean="0"/>
-              <a:t>Using a given normalizer --- this helps pick the best normalization site, if testing more than 1.</a:t>
-            </a:r>
-            <a:r>
-              <a:rPr lang="ro-RO" sz="1400" dirty="0"/>
-              <a:t> </a:t>
-            </a:r>
-            <a:r>
-              <a:rPr lang="ro-RO" sz="1400" dirty="0" smtClean="0"/>
-              <a:t>The goal is to have the same ratio of test:normalizer across serial dilution conditions.In other words, a line drawn through should have a slope close to 0.</a:t>
-            </a:r>
-            <a:endParaRPr lang="ro-RO" sz="1400" dirty="0"/>
-          </a:p>
-          <a:p>
-            <a:r>
-              <a:rPr lang="ro-RO" sz="1400" b="1" dirty="0" smtClean="0"/>
-              <a:t>Example Norm-site-1 </a:t>
-            </a:r>
-            <a:r>
-              <a:rPr lang="ro-RO" sz="1400" b="1" dirty="0"/>
-              <a:t>as normalizer</a:t>
-            </a:r>
-            <a:r>
-              <a:rPr lang="ro-RO" sz="1400" dirty="0"/>
-              <a:t>:</a:t>
-            </a:r>
-          </a:p>
-          <a:p>
-            <a:r>
-              <a:rPr lang="es-ES_tradnl" sz="1400" b="1" dirty="0"/>
-              <a:t>primer               </a:t>
-            </a:r>
-            <a:r>
-              <a:rPr lang="es-ES_tradnl" sz="1400" b="1" dirty="0" err="1"/>
-              <a:t>slope</a:t>
-            </a:r>
-            <a:r>
-              <a:rPr lang="es-ES_tradnl" sz="1400" b="1" dirty="0"/>
-              <a:t>                           </a:t>
-            </a:r>
-            <a:r>
-              <a:rPr lang="es-ES_tradnl" sz="1400" b="1" dirty="0" err="1"/>
-              <a:t>pass</a:t>
-            </a:r>
-            <a:endParaRPr lang="es-ES_tradnl" sz="1400" dirty="0"/>
-          </a:p>
-          <a:p>
-            <a:r>
-              <a:rPr lang="ro-RO" sz="1400" dirty="0" smtClean="0"/>
-              <a:t>n1</a:t>
-            </a:r>
-            <a:r>
-              <a:rPr lang="ro-RO" sz="1400" dirty="0"/>
-              <a:t>        0.0735400000000006      TRUE</a:t>
-            </a:r>
-          </a:p>
-          <a:p>
-            <a:r>
-              <a:rPr lang="ro-RO" sz="1400" dirty="0" smtClean="0"/>
-              <a:t>n2</a:t>
-            </a:r>
-            <a:r>
-              <a:rPr lang="ro-RO" sz="1400" dirty="0"/>
-              <a:t>        -0.517269999999997      FALSE</a:t>
-            </a:r>
-          </a:p>
-          <a:p>
-            <a:r>
-              <a:rPr lang="ro-RO" sz="1400" dirty="0" smtClean="0"/>
-              <a:t>n3</a:t>
-            </a:r>
-            <a:r>
-              <a:rPr lang="ro-RO" sz="1400" dirty="0"/>
-              <a:t>        -0.0354149999999997     TRUE</a:t>
-            </a:r>
-          </a:p>
-          <a:p>
-            <a:r>
-              <a:rPr lang="ro-RO" sz="1400" dirty="0" smtClean="0"/>
-              <a:t>n4</a:t>
-            </a:r>
-            <a:r>
-              <a:rPr lang="ro-RO" sz="1400" dirty="0"/>
-              <a:t>       -0.0600799999999992     TRUE</a:t>
-            </a:r>
-          </a:p>
-          <a:p>
-            <a:r>
-              <a:rPr lang="ro-RO" sz="1400" dirty="0" smtClean="0"/>
-              <a:t>n5</a:t>
-            </a:r>
-            <a:r>
-              <a:rPr lang="ro-RO" sz="1400" dirty="0"/>
-              <a:t>       -0.0247099999999982    TRUE</a:t>
-            </a:r>
-          </a:p>
-          <a:p>
-            <a:r>
-              <a:rPr lang="ro-RO" sz="1400" dirty="0" smtClean="0"/>
-              <a:t>n6</a:t>
-            </a:r>
-            <a:r>
-              <a:rPr lang="ro-RO" sz="1400" dirty="0"/>
-              <a:t>       0.0387350000000001      TRUE</a:t>
-            </a:r>
-          </a:p>
-          <a:p>
-            <a:r>
-              <a:rPr lang="ro-RO" sz="1400" dirty="0" smtClean="0"/>
-              <a:t>n7</a:t>
-            </a:r>
-            <a:r>
-              <a:rPr lang="ro-RO" sz="1400" dirty="0"/>
-              <a:t>       -0.0526399999999992       TRUE</a:t>
-            </a:r>
-          </a:p>
-          <a:p>
-            <a:r>
-              <a:rPr lang="ro-RO" sz="1400" dirty="0" smtClean="0"/>
-              <a:t>n8</a:t>
-            </a:r>
-            <a:r>
-              <a:rPr lang="ro-RO" sz="1400" dirty="0"/>
-              <a:t>           -0.0597349999999995      TRUE</a:t>
-            </a:r>
-          </a:p>
-          <a:p>
-            <a:r>
-              <a:rPr lang="ro-RO" sz="1400" dirty="0" smtClean="0"/>
-              <a:t>n9</a:t>
-            </a:r>
-            <a:r>
-              <a:rPr lang="ro-RO" sz="1400" dirty="0"/>
-              <a:t>                  0                           TRUE</a:t>
-            </a:r>
-          </a:p>
-          <a:p>
-            <a:r>
-              <a:rPr lang="ro-RO" sz="1400" dirty="0" smtClean="0"/>
-              <a:t>n10</a:t>
-            </a:r>
-            <a:r>
-              <a:rPr lang="ro-RO" sz="1400" dirty="0"/>
-              <a:t>         0.0490000000000006     TRUE</a:t>
-            </a:r>
-          </a:p>
-          <a:p>
-            <a:r>
-              <a:rPr lang="ro-RO" sz="1400" dirty="0" smtClean="0"/>
-              <a:t>n11</a:t>
-            </a:r>
-            <a:r>
-              <a:rPr lang="ro-RO" sz="1400" dirty="0"/>
-              <a:t>        0.00143000000000023   TRUE</a:t>
-            </a:r>
-          </a:p>
-          <a:p>
-            <a:r>
-              <a:rPr lang="ro-RO" sz="1400" dirty="0" smtClean="0"/>
-              <a:t>n12</a:t>
-            </a:r>
-            <a:r>
-              <a:rPr lang="ro-RO" sz="1400" dirty="0"/>
-              <a:t>         -0.158244999999999    FALSE</a:t>
-            </a:r>
-            <a:endParaRPr lang="en-US" sz="1400" dirty="0" smtClean="0"/>
-          </a:p>
-          <a:p>
-            <a:endParaRPr lang="en-US" sz="1400" dirty="0"/>
-          </a:p>
-        </p:txBody>
-      </p:sp>
-      <p:sp>
-        <p:nvSpPr>
-          <p:cNvPr id="3" name="TextBox 2"/>
-          <p:cNvSpPr txBox="1"/>
-          <p:nvPr/>
-        </p:nvSpPr>
-        <p:spPr>
-          <a:xfrm>
-            <a:off x="4574574" y="141823"/>
-            <a:ext cx="4296112" cy="954107"/>
-          </a:xfrm>
-          <a:prstGeom prst="rect">
-            <a:avLst/>
-          </a:prstGeom>
-          <a:noFill/>
-        </p:spPr>
-        <p:txBody>
-          <a:bodyPr wrap="square" rtlCol="0">
-            <a:spAutoFit/>
-          </a:bodyPr>
-          <a:lstStyle/>
-          <a:p>
-            <a:r>
-              <a:rPr lang="en-US" sz="1400" b="1" dirty="0" smtClean="0"/>
-              <a:t>When qPCR finishes, take notes on melt curve and what each reaction looks like.</a:t>
-            </a:r>
-          </a:p>
-          <a:p>
-            <a:endParaRPr lang="en-US" sz="1400" b="1" dirty="0" smtClean="0"/>
-          </a:p>
-          <a:p>
-            <a:endParaRPr lang="en-US" sz="1400" b="1" dirty="0"/>
-          </a:p>
-        </p:txBody>
-      </p:sp>
-      <p:sp>
-        <p:nvSpPr>
-          <p:cNvPr id="6" name="TextBox 5"/>
-          <p:cNvSpPr txBox="1"/>
-          <p:nvPr/>
-        </p:nvSpPr>
-        <p:spPr>
-          <a:xfrm>
-            <a:off x="192929" y="6359519"/>
-            <a:ext cx="8826471" cy="738664"/>
-          </a:xfrm>
-          <a:prstGeom prst="rect">
-            <a:avLst/>
-          </a:prstGeom>
-          <a:noFill/>
-        </p:spPr>
-        <p:txBody>
-          <a:bodyPr wrap="square" rtlCol="0">
-            <a:spAutoFit/>
-          </a:bodyPr>
-          <a:lstStyle/>
-          <a:p>
-            <a:pPr algn="ctr"/>
-            <a:r>
-              <a:rPr lang="en-US" sz="1400" dirty="0" smtClean="0"/>
-              <a:t>For those that do not immediately pass validation, check if there is a clear outlier. When that is removed, does it then pass? If so, it is worth trying re-validation.</a:t>
-            </a:r>
-          </a:p>
-          <a:p>
-            <a:pPr algn="ctr"/>
-            <a:endParaRPr lang="en-US" sz="1400" dirty="0"/>
-          </a:p>
-        </p:txBody>
-      </p:sp>
-    </p:spTree>
-    <p:extLst>
-      <p:ext uri="{BB962C8B-B14F-4D97-AF65-F5344CB8AC3E}">
-        <p14:creationId xmlns:p14="http://schemas.microsoft.com/office/powerpoint/2010/main" val="906792354"/>
       </p:ext>
     </p:extLst>
   </p:cSld>
@@ -10125,493 +12446,709 @@
       </p:grpSpPr>
       <p:sp>
         <p:nvSpPr>
-          <p:cNvPr id="2" name="Title 1"/>
-          <p:cNvSpPr>
-            <a:spLocks noGrp="1"/>
-          </p:cNvSpPr>
-          <p:nvPr>
-            <p:ph type="title"/>
-          </p:nvPr>
+          <p:cNvPr id="4" name="TextBox 3"/>
+          <p:cNvSpPr txBox="1"/>
+          <p:nvPr/>
         </p:nvSpPr>
-        <p:spPr/>
+        <p:spPr>
+          <a:xfrm>
+            <a:off x="0" y="38100"/>
+            <a:ext cx="9144000" cy="6340195"/>
+          </a:xfrm>
+          <a:prstGeom prst="rect">
+            <a:avLst/>
+          </a:prstGeom>
+          <a:noFill/>
+        </p:spPr>
         <p:txBody>
-          <a:bodyPr/>
+          <a:bodyPr wrap="square" rtlCol="0">
+            <a:spAutoFit/>
+          </a:bodyPr>
           <a:lstStyle/>
           <a:p>
             <a:r>
-              <a:rPr lang="en-US" dirty="0" smtClean="0"/>
-              <a:t>Dissociation notes</a:t>
-            </a:r>
-            <a:endParaRPr lang="en-US" dirty="0"/>
+              <a:rPr lang="en-US" sz="1400" b="1" u="sng" dirty="0" smtClean="0"/>
+              <a:t>Validation plate protocol - </a:t>
+            </a:r>
+            <a:r>
+              <a:rPr lang="en-US" sz="1400" b="1" u="sng" dirty="0"/>
+              <a:t>2 </a:t>
+            </a:r>
+            <a:r>
+              <a:rPr lang="en-US" sz="1400" b="1" u="sng" dirty="0" err="1"/>
+              <a:t>ul</a:t>
+            </a:r>
+            <a:r>
+              <a:rPr lang="en-US" sz="1400" b="1" u="sng" dirty="0"/>
+              <a:t> DNA per </a:t>
+            </a:r>
+            <a:r>
+              <a:rPr lang="en-US" sz="1400" b="1" u="sng" dirty="0" smtClean="0"/>
+              <a:t>Reaction </a:t>
+            </a:r>
+            <a:endParaRPr lang="en-US" sz="1400" b="1" u="sng" dirty="0" smtClean="0"/>
+          </a:p>
+          <a:p>
+            <a:r>
+              <a:rPr lang="en-US" sz="1400" b="1" dirty="0" smtClean="0"/>
+              <a:t>Step 8. Finalize qPCR run and obtain data</a:t>
+            </a:r>
+          </a:p>
+          <a:p>
+            <a:pPr marL="285750" indent="-285750">
+              <a:buFontTx/>
+              <a:buChar char="-"/>
+            </a:pPr>
+            <a:r>
+              <a:rPr lang="en-US" sz="1400" dirty="0" smtClean="0"/>
+              <a:t>When qPCR complete, go to </a:t>
+            </a:r>
+            <a:r>
+              <a:rPr lang="en-US" sz="1400" dirty="0" smtClean="0"/>
+              <a:t>Results tab (may be called Analysis Tab) </a:t>
+            </a:r>
+            <a:endParaRPr lang="en-US" sz="1400" dirty="0" smtClean="0"/>
+          </a:p>
+          <a:p>
+            <a:pPr marL="285750" indent="-285750">
+              <a:buFontTx/>
+              <a:buChar char="-"/>
+            </a:pPr>
+            <a:r>
+              <a:rPr lang="en-US" sz="1400" dirty="0" smtClean="0"/>
+              <a:t>start cycle = 3 </a:t>
+            </a:r>
+          </a:p>
+          <a:p>
+            <a:pPr marL="285750" indent="-285750">
+              <a:buFontTx/>
+              <a:buChar char="-"/>
+            </a:pPr>
+            <a:r>
+              <a:rPr lang="en-US" sz="1400" dirty="0" smtClean="0"/>
+              <a:t>double click y-axis, make linear  </a:t>
+            </a:r>
+            <a:r>
+              <a:rPr lang="en-US" sz="1400" dirty="0" smtClean="0"/>
+              <a:t>(post run settings)</a:t>
+            </a:r>
+            <a:endParaRPr lang="en-US" sz="1400" dirty="0" smtClean="0"/>
+          </a:p>
+          <a:p>
+            <a:pPr marL="285750" indent="-285750">
+              <a:buFontTx/>
+              <a:buChar char="-"/>
+            </a:pPr>
+            <a:r>
+              <a:rPr lang="en-US" sz="1400" dirty="0" smtClean="0"/>
+              <a:t>look at cycle number where traces begin to lift off baseline  </a:t>
+            </a:r>
+            <a:r>
+              <a:rPr lang="en-US" sz="1400" dirty="0" smtClean="0"/>
+              <a:t>and subtract </a:t>
+            </a:r>
+            <a:r>
+              <a:rPr lang="en-US" sz="1400" dirty="0" smtClean="0"/>
+              <a:t>3 from that cycle number and make that the “end cycle”  </a:t>
+            </a:r>
+            <a:r>
+              <a:rPr lang="en-US" sz="1400" dirty="0" smtClean="0">
+                <a:sym typeface="Wingdings"/>
+              </a:rPr>
+              <a:t> ALTERNATIVELY just do “auto baseline”</a:t>
+            </a:r>
+            <a:endParaRPr lang="en-US" sz="1400" dirty="0" smtClean="0"/>
+          </a:p>
+          <a:p>
+            <a:pPr marL="285750" indent="-285750">
+              <a:buFontTx/>
+              <a:buChar char="-"/>
+            </a:pPr>
+            <a:r>
+              <a:rPr lang="en-US" sz="1400" dirty="0" smtClean="0"/>
+              <a:t>Set the horizontal line to an appropriate height/</a:t>
+            </a:r>
+            <a:r>
+              <a:rPr lang="en-US" sz="1400" dirty="0" err="1" smtClean="0"/>
+              <a:t>cycle_threshold</a:t>
+            </a:r>
+            <a:r>
+              <a:rPr lang="en-US" sz="1400" dirty="0" smtClean="0"/>
+              <a:t> </a:t>
+            </a:r>
+          </a:p>
+          <a:p>
+            <a:pPr marL="285750" indent="-285750">
+              <a:buFontTx/>
+              <a:buChar char="-"/>
+            </a:pPr>
+            <a:r>
+              <a:rPr lang="en-US" sz="1400" dirty="0" smtClean="0"/>
+              <a:t>Click “analyze”</a:t>
+            </a:r>
+          </a:p>
+          <a:p>
+            <a:pPr marL="285750" indent="-285750">
+              <a:buFontTx/>
+              <a:buChar char="-"/>
+            </a:pPr>
+            <a:r>
+              <a:rPr lang="en-US" sz="1400" dirty="0" smtClean="0"/>
+              <a:t>Review amp plot and dis curve</a:t>
+            </a:r>
+            <a:endParaRPr lang="en-US" sz="1400" dirty="0" smtClean="0"/>
+          </a:p>
+          <a:p>
+            <a:pPr marL="285750" indent="-285750">
+              <a:buFontTx/>
+              <a:buChar char="-"/>
+            </a:pPr>
+            <a:r>
+              <a:rPr lang="en-US" sz="1400" dirty="0" smtClean="0"/>
+              <a:t>Export results to thumb drive</a:t>
+            </a:r>
+          </a:p>
+          <a:p>
+            <a:endParaRPr lang="en-US" sz="1400" dirty="0" smtClean="0"/>
+          </a:p>
+          <a:p>
+            <a:r>
+              <a:rPr lang="en-US" sz="1400" b="1" dirty="0" smtClean="0"/>
+              <a:t>Step 9. Analyze results in Excel or R</a:t>
+            </a:r>
+          </a:p>
+          <a:p>
+            <a:r>
+              <a:rPr lang="en-US" sz="1400" b="1" dirty="0" smtClean="0"/>
+              <a:t>– results – check slope, </a:t>
+            </a:r>
+            <a:r>
+              <a:rPr lang="en-US" sz="1400" b="1" dirty="0" err="1" smtClean="0"/>
+              <a:t>eff</a:t>
+            </a:r>
+            <a:r>
+              <a:rPr lang="en-US" sz="1400" b="1" dirty="0" smtClean="0"/>
+              <a:t>, </a:t>
+            </a:r>
+            <a:r>
+              <a:rPr lang="en-US" sz="1400" b="1" dirty="0" err="1" smtClean="0"/>
+              <a:t>Rsqr</a:t>
+            </a:r>
+            <a:r>
+              <a:rPr lang="en-US" sz="1400" b="1" dirty="0" smtClean="0"/>
+              <a:t> – pass/fail – example:</a:t>
+            </a:r>
+            <a:endParaRPr lang="en-US" sz="1400" dirty="0"/>
+          </a:p>
+          <a:p>
+            <a:endParaRPr lang="en-US" sz="1400" b="1" dirty="0"/>
+          </a:p>
+          <a:p>
+            <a:r>
+              <a:rPr lang="en-US" sz="1400" b="1" dirty="0"/>
+              <a:t>       </a:t>
+            </a:r>
+            <a:r>
+              <a:rPr lang="en-US" sz="1400" b="1" dirty="0" err="1"/>
+              <a:t>primerPair</a:t>
+            </a:r>
+            <a:r>
+              <a:rPr lang="en-US" sz="1400" b="1" dirty="0"/>
+              <a:t>     slope       efficiency       </a:t>
+            </a:r>
+            <a:r>
+              <a:rPr lang="en-US" sz="1400" b="1" dirty="0" err="1"/>
+              <a:t>Rsqr</a:t>
+            </a:r>
+            <a:r>
+              <a:rPr lang="en-US" sz="1400" b="1" dirty="0"/>
+              <a:t>      pass</a:t>
+            </a:r>
+            <a:endParaRPr lang="en-US" sz="1400" dirty="0"/>
+          </a:p>
+          <a:p>
+            <a:r>
+              <a:rPr lang="ro-RO" sz="1400" dirty="0"/>
+              <a:t>1     </a:t>
+            </a:r>
+            <a:r>
+              <a:rPr lang="ro-RO" sz="1400" dirty="0" smtClean="0"/>
+              <a:t>n1</a:t>
+            </a:r>
+            <a:r>
+              <a:rPr lang="ro-RO" sz="1400" dirty="0"/>
+              <a:t>     </a:t>
+            </a:r>
+            <a:r>
+              <a:rPr lang="ro-RO" sz="1400" dirty="0" smtClean="0"/>
+              <a:t>      </a:t>
+            </a:r>
+            <a:r>
+              <a:rPr lang="ro-RO" sz="1400" dirty="0"/>
+              <a:t>-3.120475  1.0915297     0.9934686    1</a:t>
+            </a:r>
+          </a:p>
+          <a:p>
+            <a:r>
+              <a:rPr lang="ro-RO" sz="1400" dirty="0"/>
+              <a:t>2     </a:t>
+            </a:r>
+            <a:r>
+              <a:rPr lang="ro-RO" sz="1400" dirty="0" smtClean="0"/>
+              <a:t>n2</a:t>
+            </a:r>
+            <a:r>
+              <a:rPr lang="ro-RO" sz="1400" dirty="0"/>
+              <a:t>      </a:t>
+            </a:r>
+            <a:r>
+              <a:rPr lang="ro-RO" sz="1400" dirty="0" smtClean="0"/>
+              <a:t>    -</a:t>
+            </a:r>
+            <a:r>
+              <a:rPr lang="ro-RO" sz="1400" dirty="0"/>
+              <a:t>3.711285  0.8597238     0.9795718    0</a:t>
+            </a:r>
+          </a:p>
+          <a:p>
+            <a:r>
+              <a:rPr lang="ro-RO" sz="1400" dirty="0"/>
+              <a:t>3     </a:t>
+            </a:r>
+            <a:r>
+              <a:rPr lang="ro-RO" sz="1400" dirty="0" smtClean="0"/>
+              <a:t>n3</a:t>
+            </a:r>
+            <a:r>
+              <a:rPr lang="ro-RO" sz="1400" dirty="0"/>
+              <a:t>     </a:t>
+            </a:r>
+            <a:r>
+              <a:rPr lang="ro-RO" sz="1400" dirty="0" smtClean="0"/>
+              <a:t>   </a:t>
+            </a:r>
+            <a:r>
+              <a:rPr lang="ro-RO" sz="1400" dirty="0"/>
+              <a:t>-3.229430  1.0401033     0.9985078    1</a:t>
+            </a:r>
+          </a:p>
+          <a:p>
+            <a:r>
+              <a:rPr lang="ro-RO" sz="1400" dirty="0"/>
+              <a:t>4     </a:t>
+            </a:r>
+            <a:r>
+              <a:rPr lang="ro-RO" sz="1400" dirty="0" smtClean="0"/>
+              <a:t>n4</a:t>
+            </a:r>
+            <a:r>
+              <a:rPr lang="ro-RO" sz="1400" dirty="0"/>
+              <a:t>    </a:t>
+            </a:r>
+            <a:r>
+              <a:rPr lang="ro-RO" sz="1400" dirty="0" smtClean="0"/>
+              <a:t>  </a:t>
+            </a:r>
+            <a:r>
+              <a:rPr lang="ro-RO" sz="1400" dirty="0"/>
+              <a:t>  -3.254095  1.0291077     0.9960876    1</a:t>
+            </a:r>
+          </a:p>
+          <a:p>
+            <a:r>
+              <a:rPr lang="ro-RO" sz="1400" dirty="0"/>
+              <a:t>5     </a:t>
+            </a:r>
+            <a:r>
+              <a:rPr lang="ro-RO" sz="1400" dirty="0" smtClean="0"/>
+              <a:t>n5</a:t>
+            </a:r>
+            <a:r>
+              <a:rPr lang="ro-RO" sz="1400" dirty="0"/>
+              <a:t>     -3.218725  1.0449468      0.9955501    1</a:t>
+            </a:r>
+          </a:p>
+          <a:p>
+            <a:r>
+              <a:rPr lang="ro-RO" sz="1400" dirty="0"/>
+              <a:t>6     </a:t>
+            </a:r>
+            <a:r>
+              <a:rPr lang="ro-RO" sz="1400" dirty="0" smtClean="0"/>
+              <a:t>n6</a:t>
+            </a:r>
+            <a:r>
+              <a:rPr lang="ro-RO" sz="1400" dirty="0"/>
+              <a:t>      -3.155280  1.0745747     0.9966649    1</a:t>
+            </a:r>
+          </a:p>
+          <a:p>
+            <a:r>
+              <a:rPr lang="ro-RO" sz="1400" dirty="0"/>
+              <a:t>7     </a:t>
+            </a:r>
+            <a:r>
+              <a:rPr lang="ro-RO" sz="1400" dirty="0" smtClean="0"/>
+              <a:t>n7</a:t>
+            </a:r>
+            <a:r>
+              <a:rPr lang="ro-RO" sz="1400" dirty="0"/>
+              <a:t>        -3.246655  1.0324006     0.9964864    1</a:t>
+            </a:r>
+          </a:p>
+          <a:p>
+            <a:r>
+              <a:rPr lang="ro-RO" sz="1400" dirty="0"/>
+              <a:t>8       </a:t>
+            </a:r>
+            <a:r>
+              <a:rPr lang="ro-RO" sz="1400" dirty="0" smtClean="0"/>
+              <a:t>n8</a:t>
+            </a:r>
+            <a:r>
+              <a:rPr lang="ro-RO" sz="1400" dirty="0"/>
+              <a:t>        -3.253750  1.0292600      0.9846853    1</a:t>
+            </a:r>
+          </a:p>
+          <a:p>
+            <a:r>
+              <a:rPr lang="ro-RO" sz="1400" dirty="0"/>
+              <a:t>9      </a:t>
+            </a:r>
+            <a:r>
+              <a:rPr lang="ro-RO" sz="1400" dirty="0" smtClean="0"/>
+              <a:t>n9</a:t>
+            </a:r>
+            <a:r>
+              <a:rPr lang="ro-RO" sz="1400" dirty="0"/>
+              <a:t>        -3.194015  1.0562957      0.9970389    1</a:t>
+            </a:r>
+          </a:p>
+          <a:p>
+            <a:r>
+              <a:rPr lang="ro-RO" sz="1400" dirty="0"/>
+              <a:t>10      </a:t>
+            </a:r>
+            <a:r>
+              <a:rPr lang="ro-RO" sz="1400" dirty="0" smtClean="0"/>
+              <a:t>n10</a:t>
+            </a:r>
+            <a:r>
+              <a:rPr lang="ro-RO" sz="1400" dirty="0"/>
+              <a:t>      -3.145015  1.0795219      0.9932453    1</a:t>
+            </a:r>
+          </a:p>
+          <a:p>
+            <a:r>
+              <a:rPr lang="ro-RO" sz="1400" dirty="0"/>
+              <a:t>11     </a:t>
+            </a:r>
+            <a:r>
+              <a:rPr lang="ro-RO" sz="1400" dirty="0" smtClean="0"/>
+              <a:t>n11</a:t>
+            </a:r>
+            <a:r>
+              <a:rPr lang="ro-RO" sz="1400" dirty="0"/>
+              <a:t>     -3.192585  1.0569598      0.9935030    1</a:t>
+            </a:r>
+          </a:p>
+          <a:p>
+            <a:r>
+              <a:rPr lang="ro-RO" sz="1400" dirty="0"/>
+              <a:t>12     </a:t>
+            </a:r>
+            <a:r>
+              <a:rPr lang="ro-RO" sz="1400" dirty="0" smtClean="0"/>
+              <a:t>n12</a:t>
+            </a:r>
+            <a:r>
+              <a:rPr lang="ro-RO" sz="1400" dirty="0"/>
+              <a:t>     -3.352260  0.9874958      0.9971362    1</a:t>
+            </a:r>
+          </a:p>
+          <a:p>
+            <a:endParaRPr lang="ro-RO" sz="1400" dirty="0" smtClean="0"/>
           </a:p>
         </p:txBody>
       </p:sp>
-      <p:graphicFrame>
-        <p:nvGraphicFramePr>
-          <p:cNvPr id="5" name="Table 4"/>
-          <p:cNvGraphicFramePr>
-            <a:graphicFrameLocks noGrp="1"/>
-          </p:cNvGraphicFramePr>
-          <p:nvPr>
-            <p:extLst>
-              <p:ext uri="{D42A27DB-BD31-4B8C-83A1-F6EECF244321}">
-                <p14:modId xmlns:p14="http://schemas.microsoft.com/office/powerpoint/2010/main" val="2119128588"/>
-              </p:ext>
-            </p:extLst>
-          </p:nvPr>
-        </p:nvGraphicFramePr>
-        <p:xfrm>
-          <a:off x="457200" y="1397000"/>
-          <a:ext cx="8367224" cy="5090160"/>
-        </p:xfrm>
-        <a:graphic>
-          <a:graphicData uri="http://schemas.openxmlformats.org/drawingml/2006/table">
-            <a:tbl>
-              <a:tblPr firstRow="1" bandRow="1">
-                <a:tableStyleId>{3C2FFA5D-87B4-456A-9821-1D502468CF0F}</a:tableStyleId>
-              </a:tblPr>
-              <a:tblGrid>
-                <a:gridCol w="1340673"/>
-                <a:gridCol w="7026551"/>
-              </a:tblGrid>
-              <a:tr h="370840">
-                <a:tc>
-                  <a:txBody>
-                    <a:bodyPr/>
-                    <a:lstStyle/>
-                    <a:p>
-                      <a:r>
-                        <a:rPr lang="en-US" dirty="0" smtClean="0"/>
-                        <a:t>Sample/condition</a:t>
-                      </a:r>
-                      <a:endParaRPr lang="en-US" dirty="0"/>
-                    </a:p>
-                  </a:txBody>
-                  <a:tcPr/>
-                </a:tc>
-                <a:tc>
-                  <a:txBody>
-                    <a:bodyPr/>
-                    <a:lstStyle/>
-                    <a:p>
-                      <a:r>
-                        <a:rPr lang="en-US" dirty="0" smtClean="0"/>
-                        <a:t>observations</a:t>
-                      </a:r>
-                      <a:endParaRPr lang="en-US" dirty="0"/>
-                    </a:p>
-                  </a:txBody>
-                  <a:tcPr/>
-                </a:tc>
-              </a:tr>
-              <a:tr h="370840">
-                <a:tc>
-                  <a:txBody>
-                    <a:bodyPr/>
-                    <a:lstStyle/>
-                    <a:p>
-                      <a:endParaRPr lang="en-US"/>
-                    </a:p>
-                  </a:txBody>
-                  <a:tcPr/>
-                </a:tc>
-                <a:tc>
-                  <a:txBody>
-                    <a:bodyPr/>
-                    <a:lstStyle/>
-                    <a:p>
-                      <a:endParaRPr lang="en-US" dirty="0"/>
-                    </a:p>
-                  </a:txBody>
-                  <a:tcPr/>
-                </a:tc>
-              </a:tr>
-              <a:tr h="370840">
-                <a:tc>
-                  <a:txBody>
-                    <a:bodyPr/>
-                    <a:lstStyle/>
-                    <a:p>
-                      <a:endParaRPr lang="en-US"/>
-                    </a:p>
-                  </a:txBody>
-                  <a:tcPr/>
-                </a:tc>
-                <a:tc>
-                  <a:txBody>
-                    <a:bodyPr/>
-                    <a:lstStyle/>
-                    <a:p>
-                      <a:endParaRPr lang="en-US" dirty="0"/>
-                    </a:p>
-                  </a:txBody>
-                  <a:tcPr/>
-                </a:tc>
-              </a:tr>
-              <a:tr h="370840">
-                <a:tc>
-                  <a:txBody>
-                    <a:bodyPr/>
-                    <a:lstStyle/>
-                    <a:p>
-                      <a:endParaRPr lang="en-US"/>
-                    </a:p>
-                  </a:txBody>
-                  <a:tcPr/>
-                </a:tc>
-                <a:tc>
-                  <a:txBody>
-                    <a:bodyPr/>
-                    <a:lstStyle/>
-                    <a:p>
-                      <a:pPr marL="0" marR="0" indent="0" algn="l" defTabSz="457200" rtl="0" eaLnBrk="1" fontAlgn="auto" latinLnBrk="0" hangingPunct="1">
-                        <a:lnSpc>
-                          <a:spcPct val="100000"/>
-                        </a:lnSpc>
-                        <a:spcBef>
-                          <a:spcPts val="0"/>
-                        </a:spcBef>
-                        <a:spcAft>
-                          <a:spcPts val="0"/>
-                        </a:spcAft>
-                        <a:buClrTx/>
-                        <a:buSzTx/>
-                        <a:buFontTx/>
-                        <a:buNone/>
-                        <a:tabLst/>
-                        <a:defRPr/>
-                      </a:pPr>
-                      <a:endParaRPr lang="en-US" dirty="0" smtClean="0"/>
-                    </a:p>
-                  </a:txBody>
-                  <a:tcPr/>
-                </a:tc>
-              </a:tr>
-              <a:tr h="370840">
-                <a:tc>
-                  <a:txBody>
-                    <a:bodyPr/>
-                    <a:lstStyle/>
-                    <a:p>
-                      <a:endParaRPr lang="en-US"/>
-                    </a:p>
-                  </a:txBody>
-                  <a:tcPr/>
-                </a:tc>
-                <a:tc>
-                  <a:txBody>
-                    <a:bodyPr/>
-                    <a:lstStyle/>
-                    <a:p>
-                      <a:endParaRPr lang="en-US" dirty="0"/>
-                    </a:p>
-                  </a:txBody>
-                  <a:tcPr/>
-                </a:tc>
-              </a:tr>
-              <a:tr h="370840">
-                <a:tc>
-                  <a:txBody>
-                    <a:bodyPr/>
-                    <a:lstStyle/>
-                    <a:p>
-                      <a:endParaRPr lang="en-US"/>
-                    </a:p>
-                  </a:txBody>
-                  <a:tcPr/>
-                </a:tc>
-                <a:tc>
-                  <a:txBody>
-                    <a:bodyPr/>
-                    <a:lstStyle/>
-                    <a:p>
-                      <a:endParaRPr lang="en-US" dirty="0"/>
-                    </a:p>
-                  </a:txBody>
-                  <a:tcPr/>
-                </a:tc>
-              </a:tr>
-              <a:tr h="370840">
-                <a:tc>
-                  <a:txBody>
-                    <a:bodyPr/>
-                    <a:lstStyle/>
-                    <a:p>
-                      <a:endParaRPr lang="en-US"/>
-                    </a:p>
-                  </a:txBody>
-                  <a:tcPr/>
-                </a:tc>
-                <a:tc>
-                  <a:txBody>
-                    <a:bodyPr/>
-                    <a:lstStyle/>
-                    <a:p>
-                      <a:pPr marL="0" marR="0" indent="0" algn="l" defTabSz="457200" rtl="0" eaLnBrk="1" fontAlgn="auto" latinLnBrk="0" hangingPunct="1">
-                        <a:lnSpc>
-                          <a:spcPct val="100000"/>
-                        </a:lnSpc>
-                        <a:spcBef>
-                          <a:spcPts val="0"/>
-                        </a:spcBef>
-                        <a:spcAft>
-                          <a:spcPts val="0"/>
-                        </a:spcAft>
-                        <a:buClrTx/>
-                        <a:buSzTx/>
-                        <a:buFontTx/>
-                        <a:buNone/>
-                        <a:tabLst/>
-                        <a:defRPr/>
-                      </a:pPr>
-                      <a:endParaRPr lang="en-US" dirty="0" smtClean="0"/>
-                    </a:p>
-                  </a:txBody>
-                  <a:tcPr/>
-                </a:tc>
-              </a:tr>
-              <a:tr h="370840">
-                <a:tc>
-                  <a:txBody>
-                    <a:bodyPr/>
-                    <a:lstStyle/>
-                    <a:p>
-                      <a:endParaRPr lang="en-US"/>
-                    </a:p>
-                  </a:txBody>
-                  <a:tcPr/>
-                </a:tc>
-                <a:tc>
-                  <a:txBody>
-                    <a:bodyPr/>
-                    <a:lstStyle/>
-                    <a:p>
-                      <a:pPr marL="0" marR="0" indent="0" algn="l" defTabSz="457200" rtl="0" eaLnBrk="1" fontAlgn="auto" latinLnBrk="0" hangingPunct="1">
-                        <a:lnSpc>
-                          <a:spcPct val="100000"/>
-                        </a:lnSpc>
-                        <a:spcBef>
-                          <a:spcPts val="0"/>
-                        </a:spcBef>
-                        <a:spcAft>
-                          <a:spcPts val="0"/>
-                        </a:spcAft>
-                        <a:buClrTx/>
-                        <a:buSzTx/>
-                        <a:buFontTx/>
-                        <a:buNone/>
-                        <a:tabLst/>
-                        <a:defRPr/>
-                      </a:pPr>
-                      <a:endParaRPr lang="en-US" dirty="0" smtClean="0"/>
-                    </a:p>
-                  </a:txBody>
-                  <a:tcPr/>
-                </a:tc>
-              </a:tr>
-              <a:tr h="370840">
-                <a:tc>
-                  <a:txBody>
-                    <a:bodyPr/>
-                    <a:lstStyle/>
-                    <a:p>
-                      <a:endParaRPr lang="en-US"/>
-                    </a:p>
-                  </a:txBody>
-                  <a:tcPr/>
-                </a:tc>
-                <a:tc>
-                  <a:txBody>
-                    <a:bodyPr/>
-                    <a:lstStyle/>
-                    <a:p>
-                      <a:pPr marL="0" marR="0" indent="0" algn="l" defTabSz="457200" rtl="0" eaLnBrk="1" fontAlgn="auto" latinLnBrk="0" hangingPunct="1">
-                        <a:lnSpc>
-                          <a:spcPct val="100000"/>
-                        </a:lnSpc>
-                        <a:spcBef>
-                          <a:spcPts val="0"/>
-                        </a:spcBef>
-                        <a:spcAft>
-                          <a:spcPts val="0"/>
-                        </a:spcAft>
-                        <a:buClrTx/>
-                        <a:buSzTx/>
-                        <a:buFontTx/>
-                        <a:buNone/>
-                        <a:tabLst/>
-                        <a:defRPr/>
-                      </a:pPr>
-                      <a:endParaRPr lang="en-US" dirty="0" smtClean="0"/>
-                    </a:p>
-                  </a:txBody>
-                  <a:tcPr/>
-                </a:tc>
-              </a:tr>
-              <a:tr h="370840">
-                <a:tc>
-                  <a:txBody>
-                    <a:bodyPr/>
-                    <a:lstStyle/>
-                    <a:p>
-                      <a:endParaRPr lang="en-US"/>
-                    </a:p>
-                  </a:txBody>
-                  <a:tcPr/>
-                </a:tc>
-                <a:tc>
-                  <a:txBody>
-                    <a:bodyPr/>
-                    <a:lstStyle/>
-                    <a:p>
-                      <a:pPr marL="0" marR="0" indent="0" algn="l" defTabSz="457200" rtl="0" eaLnBrk="1" fontAlgn="auto" latinLnBrk="0" hangingPunct="1">
-                        <a:lnSpc>
-                          <a:spcPct val="100000"/>
-                        </a:lnSpc>
-                        <a:spcBef>
-                          <a:spcPts val="0"/>
-                        </a:spcBef>
-                        <a:spcAft>
-                          <a:spcPts val="0"/>
-                        </a:spcAft>
-                        <a:buClrTx/>
-                        <a:buSzTx/>
-                        <a:buFontTx/>
-                        <a:buNone/>
-                        <a:tabLst/>
-                        <a:defRPr/>
-                      </a:pPr>
-                      <a:endParaRPr lang="en-US" dirty="0" smtClean="0"/>
-                    </a:p>
-                  </a:txBody>
-                  <a:tcPr/>
-                </a:tc>
-              </a:tr>
-              <a:tr h="370840">
-                <a:tc>
-                  <a:txBody>
-                    <a:bodyPr/>
-                    <a:lstStyle/>
-                    <a:p>
-                      <a:endParaRPr lang="en-US"/>
-                    </a:p>
-                  </a:txBody>
-                  <a:tcPr/>
-                </a:tc>
-                <a:tc>
-                  <a:txBody>
-                    <a:bodyPr/>
-                    <a:lstStyle/>
-                    <a:p>
-                      <a:pPr marL="0" marR="0" indent="0" algn="l" defTabSz="457200" rtl="0" eaLnBrk="1" fontAlgn="auto" latinLnBrk="0" hangingPunct="1">
-                        <a:lnSpc>
-                          <a:spcPct val="100000"/>
-                        </a:lnSpc>
-                        <a:spcBef>
-                          <a:spcPts val="0"/>
-                        </a:spcBef>
-                        <a:spcAft>
-                          <a:spcPts val="0"/>
-                        </a:spcAft>
-                        <a:buClrTx/>
-                        <a:buSzTx/>
-                        <a:buFontTx/>
-                        <a:buNone/>
-                        <a:tabLst/>
-                        <a:defRPr/>
-                      </a:pPr>
-                      <a:endParaRPr lang="en-US" dirty="0" smtClean="0"/>
-                    </a:p>
-                  </a:txBody>
-                  <a:tcPr/>
-                </a:tc>
-              </a:tr>
-              <a:tr h="370840">
-                <a:tc>
-                  <a:txBody>
-                    <a:bodyPr/>
-                    <a:lstStyle/>
-                    <a:p>
-                      <a:endParaRPr lang="en-US"/>
-                    </a:p>
-                  </a:txBody>
-                  <a:tcPr/>
-                </a:tc>
-                <a:tc>
-                  <a:txBody>
-                    <a:bodyPr/>
-                    <a:lstStyle/>
-                    <a:p>
-                      <a:pPr marL="0" marR="0" indent="0" algn="l" defTabSz="457200" rtl="0" eaLnBrk="1" fontAlgn="auto" latinLnBrk="0" hangingPunct="1">
-                        <a:lnSpc>
-                          <a:spcPct val="100000"/>
-                        </a:lnSpc>
-                        <a:spcBef>
-                          <a:spcPts val="0"/>
-                        </a:spcBef>
-                        <a:spcAft>
-                          <a:spcPts val="0"/>
-                        </a:spcAft>
-                        <a:buClrTx/>
-                        <a:buSzTx/>
-                        <a:buFontTx/>
-                        <a:buNone/>
-                        <a:tabLst/>
-                        <a:defRPr/>
-                      </a:pPr>
-                      <a:endParaRPr lang="en-US" dirty="0" smtClean="0"/>
-                    </a:p>
-                  </a:txBody>
-                  <a:tcPr/>
-                </a:tc>
-              </a:tr>
-              <a:tr h="370840">
-                <a:tc>
-                  <a:txBody>
-                    <a:bodyPr/>
-                    <a:lstStyle/>
-                    <a:p>
-                      <a:endParaRPr lang="en-US" dirty="0"/>
-                    </a:p>
-                  </a:txBody>
-                  <a:tcPr/>
-                </a:tc>
-                <a:tc>
-                  <a:txBody>
-                    <a:bodyPr/>
-                    <a:lstStyle/>
-                    <a:p>
-                      <a:pPr marL="0" marR="0" indent="0" algn="l" defTabSz="457200" rtl="0" eaLnBrk="1" fontAlgn="auto" latinLnBrk="0" hangingPunct="1">
-                        <a:lnSpc>
-                          <a:spcPct val="100000"/>
-                        </a:lnSpc>
-                        <a:spcBef>
-                          <a:spcPts val="0"/>
-                        </a:spcBef>
-                        <a:spcAft>
-                          <a:spcPts val="0"/>
-                        </a:spcAft>
-                        <a:buClrTx/>
-                        <a:buSzTx/>
-                        <a:buFontTx/>
-                        <a:buNone/>
-                        <a:tabLst/>
-                        <a:defRPr/>
-                      </a:pPr>
-                      <a:endParaRPr lang="en-US" dirty="0" smtClean="0"/>
-                    </a:p>
-                  </a:txBody>
-                  <a:tcPr/>
-                </a:tc>
-              </a:tr>
-            </a:tbl>
-          </a:graphicData>
-        </a:graphic>
-      </p:graphicFrame>
+      <p:sp>
+        <p:nvSpPr>
+          <p:cNvPr id="5" name="TextBox 4"/>
+          <p:cNvSpPr txBox="1"/>
+          <p:nvPr/>
+        </p:nvSpPr>
+        <p:spPr>
+          <a:xfrm>
+            <a:off x="4228350" y="2175669"/>
+            <a:ext cx="4915650" cy="4401204"/>
+          </a:xfrm>
+          <a:prstGeom prst="rect">
+            <a:avLst/>
+          </a:prstGeom>
+          <a:noFill/>
+        </p:spPr>
+        <p:txBody>
+          <a:bodyPr wrap="square" rtlCol="0">
+            <a:spAutoFit/>
+          </a:bodyPr>
+          <a:lstStyle/>
+          <a:p>
+            <a:r>
+              <a:rPr lang="ro-RO" sz="1400" b="1" dirty="0" smtClean="0"/>
+              <a:t>Relative Eficiency</a:t>
+            </a:r>
+            <a:endParaRPr lang="ro-RO" sz="1400" dirty="0"/>
+          </a:p>
+          <a:p>
+            <a:r>
+              <a:rPr lang="ro-RO" sz="1400" dirty="0" smtClean="0"/>
+              <a:t>Using a given normalizer --- this helps pick the best normalization site, if testing more than 1.</a:t>
+            </a:r>
+            <a:r>
+              <a:rPr lang="ro-RO" sz="1400" dirty="0"/>
+              <a:t> </a:t>
+            </a:r>
+            <a:r>
+              <a:rPr lang="ro-RO" sz="1400" dirty="0" smtClean="0"/>
+              <a:t>The goal is to have the same ratio of test:normalizer across serial dilution conditions.In other words, a line drawn through should have a slope close to 0.</a:t>
+            </a:r>
+            <a:endParaRPr lang="ro-RO" sz="1400" dirty="0"/>
+          </a:p>
+          <a:p>
+            <a:r>
+              <a:rPr lang="ro-RO" sz="1400" b="1" dirty="0" smtClean="0"/>
+              <a:t>Example Norm-site-1 </a:t>
+            </a:r>
+            <a:r>
+              <a:rPr lang="ro-RO" sz="1400" b="1" dirty="0"/>
+              <a:t>as normalizer</a:t>
+            </a:r>
+            <a:r>
+              <a:rPr lang="ro-RO" sz="1400" dirty="0"/>
+              <a:t>:</a:t>
+            </a:r>
+          </a:p>
+          <a:p>
+            <a:r>
+              <a:rPr lang="es-ES_tradnl" sz="1400" b="1" dirty="0"/>
+              <a:t>primer               </a:t>
+            </a:r>
+            <a:r>
+              <a:rPr lang="es-ES_tradnl" sz="1400" b="1" dirty="0" err="1"/>
+              <a:t>slope</a:t>
+            </a:r>
+            <a:r>
+              <a:rPr lang="es-ES_tradnl" sz="1400" b="1" dirty="0"/>
+              <a:t>                           </a:t>
+            </a:r>
+            <a:r>
+              <a:rPr lang="es-ES_tradnl" sz="1400" b="1" dirty="0" err="1"/>
+              <a:t>pass</a:t>
+            </a:r>
+            <a:endParaRPr lang="es-ES_tradnl" sz="1400" dirty="0"/>
+          </a:p>
+          <a:p>
+            <a:r>
+              <a:rPr lang="ro-RO" sz="1400" dirty="0" smtClean="0"/>
+              <a:t>n1</a:t>
+            </a:r>
+            <a:r>
+              <a:rPr lang="ro-RO" sz="1400" dirty="0"/>
+              <a:t>        0.0735400000000006      TRUE</a:t>
+            </a:r>
+          </a:p>
+          <a:p>
+            <a:r>
+              <a:rPr lang="ro-RO" sz="1400" dirty="0" smtClean="0"/>
+              <a:t>n2</a:t>
+            </a:r>
+            <a:r>
+              <a:rPr lang="ro-RO" sz="1400" dirty="0"/>
+              <a:t>        -0.517269999999997      FALSE</a:t>
+            </a:r>
+          </a:p>
+          <a:p>
+            <a:r>
+              <a:rPr lang="ro-RO" sz="1400" dirty="0" smtClean="0"/>
+              <a:t>n3</a:t>
+            </a:r>
+            <a:r>
+              <a:rPr lang="ro-RO" sz="1400" dirty="0"/>
+              <a:t>        -0.0354149999999997     TRUE</a:t>
+            </a:r>
+          </a:p>
+          <a:p>
+            <a:r>
+              <a:rPr lang="ro-RO" sz="1400" dirty="0" smtClean="0"/>
+              <a:t>n4</a:t>
+            </a:r>
+            <a:r>
+              <a:rPr lang="ro-RO" sz="1400" dirty="0"/>
+              <a:t>       -0.0600799999999992     TRUE</a:t>
+            </a:r>
+          </a:p>
+          <a:p>
+            <a:r>
+              <a:rPr lang="ro-RO" sz="1400" dirty="0" smtClean="0"/>
+              <a:t>n5</a:t>
+            </a:r>
+            <a:r>
+              <a:rPr lang="ro-RO" sz="1400" dirty="0"/>
+              <a:t>       -0.0247099999999982    TRUE</a:t>
+            </a:r>
+          </a:p>
+          <a:p>
+            <a:r>
+              <a:rPr lang="ro-RO" sz="1400" dirty="0" smtClean="0"/>
+              <a:t>n6</a:t>
+            </a:r>
+            <a:r>
+              <a:rPr lang="ro-RO" sz="1400" dirty="0"/>
+              <a:t>       0.0387350000000001      TRUE</a:t>
+            </a:r>
+          </a:p>
+          <a:p>
+            <a:r>
+              <a:rPr lang="ro-RO" sz="1400" dirty="0" smtClean="0"/>
+              <a:t>n7</a:t>
+            </a:r>
+            <a:r>
+              <a:rPr lang="ro-RO" sz="1400" dirty="0"/>
+              <a:t>       -0.0526399999999992       TRUE</a:t>
+            </a:r>
+          </a:p>
+          <a:p>
+            <a:r>
+              <a:rPr lang="ro-RO" sz="1400" dirty="0" smtClean="0"/>
+              <a:t>n8</a:t>
+            </a:r>
+            <a:r>
+              <a:rPr lang="ro-RO" sz="1400" dirty="0"/>
+              <a:t>           -0.0597349999999995      TRUE</a:t>
+            </a:r>
+          </a:p>
+          <a:p>
+            <a:r>
+              <a:rPr lang="ro-RO" sz="1400" dirty="0" smtClean="0"/>
+              <a:t>n9</a:t>
+            </a:r>
+            <a:r>
+              <a:rPr lang="ro-RO" sz="1400" dirty="0"/>
+              <a:t>                  0                           TRUE</a:t>
+            </a:r>
+          </a:p>
+          <a:p>
+            <a:r>
+              <a:rPr lang="ro-RO" sz="1400" dirty="0" smtClean="0"/>
+              <a:t>n10</a:t>
+            </a:r>
+            <a:r>
+              <a:rPr lang="ro-RO" sz="1400" dirty="0"/>
+              <a:t>         0.0490000000000006     TRUE</a:t>
+            </a:r>
+          </a:p>
+          <a:p>
+            <a:r>
+              <a:rPr lang="ro-RO" sz="1400" dirty="0" smtClean="0"/>
+              <a:t>n11</a:t>
+            </a:r>
+            <a:r>
+              <a:rPr lang="ro-RO" sz="1400" dirty="0"/>
+              <a:t>        0.00143000000000023   TRUE</a:t>
+            </a:r>
+          </a:p>
+          <a:p>
+            <a:r>
+              <a:rPr lang="ro-RO" sz="1400" dirty="0" smtClean="0"/>
+              <a:t>n12</a:t>
+            </a:r>
+            <a:r>
+              <a:rPr lang="ro-RO" sz="1400" dirty="0"/>
+              <a:t>         -0.158244999999999    FALSE</a:t>
+            </a:r>
+            <a:endParaRPr lang="en-US" sz="1400" dirty="0" smtClean="0"/>
+          </a:p>
+          <a:p>
+            <a:endParaRPr lang="en-US" sz="1400" dirty="0"/>
+          </a:p>
+        </p:txBody>
+      </p:sp>
+      <p:sp>
+        <p:nvSpPr>
+          <p:cNvPr id="3" name="TextBox 2"/>
+          <p:cNvSpPr txBox="1"/>
+          <p:nvPr/>
+        </p:nvSpPr>
+        <p:spPr>
+          <a:xfrm>
+            <a:off x="5318431" y="141823"/>
+            <a:ext cx="3825569" cy="954107"/>
+          </a:xfrm>
+          <a:prstGeom prst="rect">
+            <a:avLst/>
+          </a:prstGeom>
+          <a:noFill/>
+        </p:spPr>
+        <p:txBody>
+          <a:bodyPr wrap="square" rtlCol="0">
+            <a:spAutoFit/>
+          </a:bodyPr>
+          <a:lstStyle/>
+          <a:p>
+            <a:pPr algn="ctr"/>
+            <a:r>
+              <a:rPr lang="en-US" sz="1400" b="1" dirty="0" smtClean="0"/>
+              <a:t>When qPCR finishes, take notes on melt curve and what each reaction looks like.</a:t>
+            </a:r>
+          </a:p>
+          <a:p>
+            <a:pPr algn="ctr"/>
+            <a:endParaRPr lang="en-US" sz="1400" b="1" dirty="0" smtClean="0"/>
+          </a:p>
+          <a:p>
+            <a:pPr algn="ctr"/>
+            <a:endParaRPr lang="en-US" sz="1400" b="1" dirty="0"/>
+          </a:p>
+        </p:txBody>
+      </p:sp>
+      <p:sp>
+        <p:nvSpPr>
+          <p:cNvPr id="6" name="TextBox 5"/>
+          <p:cNvSpPr txBox="1"/>
+          <p:nvPr/>
+        </p:nvSpPr>
+        <p:spPr>
+          <a:xfrm>
+            <a:off x="192929" y="6359519"/>
+            <a:ext cx="8826471" cy="738664"/>
+          </a:xfrm>
+          <a:prstGeom prst="rect">
+            <a:avLst/>
+          </a:prstGeom>
+          <a:noFill/>
+        </p:spPr>
+        <p:txBody>
+          <a:bodyPr wrap="square" rtlCol="0">
+            <a:spAutoFit/>
+          </a:bodyPr>
+          <a:lstStyle/>
+          <a:p>
+            <a:pPr algn="ctr"/>
+            <a:r>
+              <a:rPr lang="en-US" sz="1400" dirty="0" smtClean="0"/>
+              <a:t>For those that do not immediately pass validation, check if there is a clear outlier. When that is removed, does it then pass? If so, it is worth trying re-validation.</a:t>
+            </a:r>
+          </a:p>
+          <a:p>
+            <a:pPr algn="ctr"/>
+            <a:endParaRPr lang="en-US" sz="1400" dirty="0"/>
+          </a:p>
+        </p:txBody>
+      </p:sp>
     </p:spTree>
     <p:extLst>
       <p:ext uri="{BB962C8B-B14F-4D97-AF65-F5344CB8AC3E}">
-        <p14:creationId xmlns:p14="http://schemas.microsoft.com/office/powerpoint/2010/main" val="2133289341"/>
+        <p14:creationId xmlns:p14="http://schemas.microsoft.com/office/powerpoint/2010/main" val="906792354"/>
       </p:ext>
     </p:extLst>
   </p:cSld>
@@ -10655,6 +13192,521 @@
           <a:p>
             <a:r>
               <a:rPr lang="en-US" dirty="0" smtClean="0"/>
+              <a:t>Dissociation notes</a:t>
+            </a:r>
+            <a:endParaRPr lang="en-US" dirty="0"/>
+          </a:p>
+        </p:txBody>
+      </p:sp>
+      <p:graphicFrame>
+        <p:nvGraphicFramePr>
+          <p:cNvPr id="5" name="Table 4"/>
+          <p:cNvGraphicFramePr>
+            <a:graphicFrameLocks noGrp="1"/>
+          </p:cNvGraphicFramePr>
+          <p:nvPr>
+            <p:extLst>
+              <p:ext uri="{D42A27DB-BD31-4B8C-83A1-F6EECF244321}">
+                <p14:modId xmlns:p14="http://schemas.microsoft.com/office/powerpoint/2010/main" val="2119128588"/>
+              </p:ext>
+            </p:extLst>
+          </p:nvPr>
+        </p:nvGraphicFramePr>
+        <p:xfrm>
+          <a:off x="457200" y="1397000"/>
+          <a:ext cx="8367224" cy="5090160"/>
+        </p:xfrm>
+        <a:graphic>
+          <a:graphicData uri="http://schemas.openxmlformats.org/drawingml/2006/table">
+            <a:tbl>
+              <a:tblPr firstRow="1" bandRow="1">
+                <a:tableStyleId>{3C2FFA5D-87B4-456A-9821-1D502468CF0F}</a:tableStyleId>
+              </a:tblPr>
+              <a:tblGrid>
+                <a:gridCol w="1340673"/>
+                <a:gridCol w="7026551"/>
+              </a:tblGrid>
+              <a:tr h="370840">
+                <a:tc>
+                  <a:txBody>
+                    <a:bodyPr/>
+                    <a:lstStyle/>
+                    <a:p>
+                      <a:r>
+                        <a:rPr lang="en-US" dirty="0" smtClean="0"/>
+                        <a:t>Sample/condition</a:t>
+                      </a:r>
+                      <a:endParaRPr lang="en-US" dirty="0"/>
+                    </a:p>
+                  </a:txBody>
+                  <a:tcPr/>
+                </a:tc>
+                <a:tc>
+                  <a:txBody>
+                    <a:bodyPr/>
+                    <a:lstStyle/>
+                    <a:p>
+                      <a:r>
+                        <a:rPr lang="en-US" dirty="0" smtClean="0"/>
+                        <a:t>observations</a:t>
+                      </a:r>
+                      <a:endParaRPr lang="en-US" dirty="0"/>
+                    </a:p>
+                  </a:txBody>
+                  <a:tcPr/>
+                </a:tc>
+              </a:tr>
+              <a:tr h="370840">
+                <a:tc>
+                  <a:txBody>
+                    <a:bodyPr/>
+                    <a:lstStyle/>
+                    <a:p>
+                      <a:endParaRPr lang="en-US"/>
+                    </a:p>
+                  </a:txBody>
+                  <a:tcPr/>
+                </a:tc>
+                <a:tc>
+                  <a:txBody>
+                    <a:bodyPr/>
+                    <a:lstStyle/>
+                    <a:p>
+                      <a:endParaRPr lang="en-US" dirty="0"/>
+                    </a:p>
+                  </a:txBody>
+                  <a:tcPr/>
+                </a:tc>
+              </a:tr>
+              <a:tr h="370840">
+                <a:tc>
+                  <a:txBody>
+                    <a:bodyPr/>
+                    <a:lstStyle/>
+                    <a:p>
+                      <a:endParaRPr lang="en-US"/>
+                    </a:p>
+                  </a:txBody>
+                  <a:tcPr/>
+                </a:tc>
+                <a:tc>
+                  <a:txBody>
+                    <a:bodyPr/>
+                    <a:lstStyle/>
+                    <a:p>
+                      <a:endParaRPr lang="en-US" dirty="0"/>
+                    </a:p>
+                  </a:txBody>
+                  <a:tcPr/>
+                </a:tc>
+              </a:tr>
+              <a:tr h="370840">
+                <a:tc>
+                  <a:txBody>
+                    <a:bodyPr/>
+                    <a:lstStyle/>
+                    <a:p>
+                      <a:endParaRPr lang="en-US"/>
+                    </a:p>
+                  </a:txBody>
+                  <a:tcPr/>
+                </a:tc>
+                <a:tc>
+                  <a:txBody>
+                    <a:bodyPr/>
+                    <a:lstStyle/>
+                    <a:p>
+                      <a:pPr marL="0" marR="0" indent="0" algn="l" defTabSz="457200" rtl="0" eaLnBrk="1" fontAlgn="auto" latinLnBrk="0" hangingPunct="1">
+                        <a:lnSpc>
+                          <a:spcPct val="100000"/>
+                        </a:lnSpc>
+                        <a:spcBef>
+                          <a:spcPts val="0"/>
+                        </a:spcBef>
+                        <a:spcAft>
+                          <a:spcPts val="0"/>
+                        </a:spcAft>
+                        <a:buClrTx/>
+                        <a:buSzTx/>
+                        <a:buFontTx/>
+                        <a:buNone/>
+                        <a:tabLst/>
+                        <a:defRPr/>
+                      </a:pPr>
+                      <a:endParaRPr lang="en-US" dirty="0" smtClean="0"/>
+                    </a:p>
+                  </a:txBody>
+                  <a:tcPr/>
+                </a:tc>
+              </a:tr>
+              <a:tr h="370840">
+                <a:tc>
+                  <a:txBody>
+                    <a:bodyPr/>
+                    <a:lstStyle/>
+                    <a:p>
+                      <a:endParaRPr lang="en-US"/>
+                    </a:p>
+                  </a:txBody>
+                  <a:tcPr/>
+                </a:tc>
+                <a:tc>
+                  <a:txBody>
+                    <a:bodyPr/>
+                    <a:lstStyle/>
+                    <a:p>
+                      <a:endParaRPr lang="en-US" dirty="0"/>
+                    </a:p>
+                  </a:txBody>
+                  <a:tcPr/>
+                </a:tc>
+              </a:tr>
+              <a:tr h="370840">
+                <a:tc>
+                  <a:txBody>
+                    <a:bodyPr/>
+                    <a:lstStyle/>
+                    <a:p>
+                      <a:endParaRPr lang="en-US"/>
+                    </a:p>
+                  </a:txBody>
+                  <a:tcPr/>
+                </a:tc>
+                <a:tc>
+                  <a:txBody>
+                    <a:bodyPr/>
+                    <a:lstStyle/>
+                    <a:p>
+                      <a:endParaRPr lang="en-US" dirty="0"/>
+                    </a:p>
+                  </a:txBody>
+                  <a:tcPr/>
+                </a:tc>
+              </a:tr>
+              <a:tr h="370840">
+                <a:tc>
+                  <a:txBody>
+                    <a:bodyPr/>
+                    <a:lstStyle/>
+                    <a:p>
+                      <a:endParaRPr lang="en-US"/>
+                    </a:p>
+                  </a:txBody>
+                  <a:tcPr/>
+                </a:tc>
+                <a:tc>
+                  <a:txBody>
+                    <a:bodyPr/>
+                    <a:lstStyle/>
+                    <a:p>
+                      <a:pPr marL="0" marR="0" indent="0" algn="l" defTabSz="457200" rtl="0" eaLnBrk="1" fontAlgn="auto" latinLnBrk="0" hangingPunct="1">
+                        <a:lnSpc>
+                          <a:spcPct val="100000"/>
+                        </a:lnSpc>
+                        <a:spcBef>
+                          <a:spcPts val="0"/>
+                        </a:spcBef>
+                        <a:spcAft>
+                          <a:spcPts val="0"/>
+                        </a:spcAft>
+                        <a:buClrTx/>
+                        <a:buSzTx/>
+                        <a:buFontTx/>
+                        <a:buNone/>
+                        <a:tabLst/>
+                        <a:defRPr/>
+                      </a:pPr>
+                      <a:endParaRPr lang="en-US" dirty="0" smtClean="0"/>
+                    </a:p>
+                  </a:txBody>
+                  <a:tcPr/>
+                </a:tc>
+              </a:tr>
+              <a:tr h="370840">
+                <a:tc>
+                  <a:txBody>
+                    <a:bodyPr/>
+                    <a:lstStyle/>
+                    <a:p>
+                      <a:endParaRPr lang="en-US"/>
+                    </a:p>
+                  </a:txBody>
+                  <a:tcPr/>
+                </a:tc>
+                <a:tc>
+                  <a:txBody>
+                    <a:bodyPr/>
+                    <a:lstStyle/>
+                    <a:p>
+                      <a:pPr marL="0" marR="0" indent="0" algn="l" defTabSz="457200" rtl="0" eaLnBrk="1" fontAlgn="auto" latinLnBrk="0" hangingPunct="1">
+                        <a:lnSpc>
+                          <a:spcPct val="100000"/>
+                        </a:lnSpc>
+                        <a:spcBef>
+                          <a:spcPts val="0"/>
+                        </a:spcBef>
+                        <a:spcAft>
+                          <a:spcPts val="0"/>
+                        </a:spcAft>
+                        <a:buClrTx/>
+                        <a:buSzTx/>
+                        <a:buFontTx/>
+                        <a:buNone/>
+                        <a:tabLst/>
+                        <a:defRPr/>
+                      </a:pPr>
+                      <a:endParaRPr lang="en-US" dirty="0" smtClean="0"/>
+                    </a:p>
+                  </a:txBody>
+                  <a:tcPr/>
+                </a:tc>
+              </a:tr>
+              <a:tr h="370840">
+                <a:tc>
+                  <a:txBody>
+                    <a:bodyPr/>
+                    <a:lstStyle/>
+                    <a:p>
+                      <a:endParaRPr lang="en-US"/>
+                    </a:p>
+                  </a:txBody>
+                  <a:tcPr/>
+                </a:tc>
+                <a:tc>
+                  <a:txBody>
+                    <a:bodyPr/>
+                    <a:lstStyle/>
+                    <a:p>
+                      <a:pPr marL="0" marR="0" indent="0" algn="l" defTabSz="457200" rtl="0" eaLnBrk="1" fontAlgn="auto" latinLnBrk="0" hangingPunct="1">
+                        <a:lnSpc>
+                          <a:spcPct val="100000"/>
+                        </a:lnSpc>
+                        <a:spcBef>
+                          <a:spcPts val="0"/>
+                        </a:spcBef>
+                        <a:spcAft>
+                          <a:spcPts val="0"/>
+                        </a:spcAft>
+                        <a:buClrTx/>
+                        <a:buSzTx/>
+                        <a:buFontTx/>
+                        <a:buNone/>
+                        <a:tabLst/>
+                        <a:defRPr/>
+                      </a:pPr>
+                      <a:endParaRPr lang="en-US" dirty="0" smtClean="0"/>
+                    </a:p>
+                  </a:txBody>
+                  <a:tcPr/>
+                </a:tc>
+              </a:tr>
+              <a:tr h="370840">
+                <a:tc>
+                  <a:txBody>
+                    <a:bodyPr/>
+                    <a:lstStyle/>
+                    <a:p>
+                      <a:endParaRPr lang="en-US"/>
+                    </a:p>
+                  </a:txBody>
+                  <a:tcPr/>
+                </a:tc>
+                <a:tc>
+                  <a:txBody>
+                    <a:bodyPr/>
+                    <a:lstStyle/>
+                    <a:p>
+                      <a:pPr marL="0" marR="0" indent="0" algn="l" defTabSz="457200" rtl="0" eaLnBrk="1" fontAlgn="auto" latinLnBrk="0" hangingPunct="1">
+                        <a:lnSpc>
+                          <a:spcPct val="100000"/>
+                        </a:lnSpc>
+                        <a:spcBef>
+                          <a:spcPts val="0"/>
+                        </a:spcBef>
+                        <a:spcAft>
+                          <a:spcPts val="0"/>
+                        </a:spcAft>
+                        <a:buClrTx/>
+                        <a:buSzTx/>
+                        <a:buFontTx/>
+                        <a:buNone/>
+                        <a:tabLst/>
+                        <a:defRPr/>
+                      </a:pPr>
+                      <a:endParaRPr lang="en-US" dirty="0" smtClean="0"/>
+                    </a:p>
+                  </a:txBody>
+                  <a:tcPr/>
+                </a:tc>
+              </a:tr>
+              <a:tr h="370840">
+                <a:tc>
+                  <a:txBody>
+                    <a:bodyPr/>
+                    <a:lstStyle/>
+                    <a:p>
+                      <a:endParaRPr lang="en-US"/>
+                    </a:p>
+                  </a:txBody>
+                  <a:tcPr/>
+                </a:tc>
+                <a:tc>
+                  <a:txBody>
+                    <a:bodyPr/>
+                    <a:lstStyle/>
+                    <a:p>
+                      <a:pPr marL="0" marR="0" indent="0" algn="l" defTabSz="457200" rtl="0" eaLnBrk="1" fontAlgn="auto" latinLnBrk="0" hangingPunct="1">
+                        <a:lnSpc>
+                          <a:spcPct val="100000"/>
+                        </a:lnSpc>
+                        <a:spcBef>
+                          <a:spcPts val="0"/>
+                        </a:spcBef>
+                        <a:spcAft>
+                          <a:spcPts val="0"/>
+                        </a:spcAft>
+                        <a:buClrTx/>
+                        <a:buSzTx/>
+                        <a:buFontTx/>
+                        <a:buNone/>
+                        <a:tabLst/>
+                        <a:defRPr/>
+                      </a:pPr>
+                      <a:endParaRPr lang="en-US" dirty="0" smtClean="0"/>
+                    </a:p>
+                  </a:txBody>
+                  <a:tcPr/>
+                </a:tc>
+              </a:tr>
+              <a:tr h="370840">
+                <a:tc>
+                  <a:txBody>
+                    <a:bodyPr/>
+                    <a:lstStyle/>
+                    <a:p>
+                      <a:endParaRPr lang="en-US"/>
+                    </a:p>
+                  </a:txBody>
+                  <a:tcPr/>
+                </a:tc>
+                <a:tc>
+                  <a:txBody>
+                    <a:bodyPr/>
+                    <a:lstStyle/>
+                    <a:p>
+                      <a:pPr marL="0" marR="0" indent="0" algn="l" defTabSz="457200" rtl="0" eaLnBrk="1" fontAlgn="auto" latinLnBrk="0" hangingPunct="1">
+                        <a:lnSpc>
+                          <a:spcPct val="100000"/>
+                        </a:lnSpc>
+                        <a:spcBef>
+                          <a:spcPts val="0"/>
+                        </a:spcBef>
+                        <a:spcAft>
+                          <a:spcPts val="0"/>
+                        </a:spcAft>
+                        <a:buClrTx/>
+                        <a:buSzTx/>
+                        <a:buFontTx/>
+                        <a:buNone/>
+                        <a:tabLst/>
+                        <a:defRPr/>
+                      </a:pPr>
+                      <a:endParaRPr lang="en-US" dirty="0" smtClean="0"/>
+                    </a:p>
+                  </a:txBody>
+                  <a:tcPr/>
+                </a:tc>
+              </a:tr>
+              <a:tr h="370840">
+                <a:tc>
+                  <a:txBody>
+                    <a:bodyPr/>
+                    <a:lstStyle/>
+                    <a:p>
+                      <a:endParaRPr lang="en-US" dirty="0"/>
+                    </a:p>
+                  </a:txBody>
+                  <a:tcPr/>
+                </a:tc>
+                <a:tc>
+                  <a:txBody>
+                    <a:bodyPr/>
+                    <a:lstStyle/>
+                    <a:p>
+                      <a:pPr marL="0" marR="0" indent="0" algn="l" defTabSz="457200" rtl="0" eaLnBrk="1" fontAlgn="auto" latinLnBrk="0" hangingPunct="1">
+                        <a:lnSpc>
+                          <a:spcPct val="100000"/>
+                        </a:lnSpc>
+                        <a:spcBef>
+                          <a:spcPts val="0"/>
+                        </a:spcBef>
+                        <a:spcAft>
+                          <a:spcPts val="0"/>
+                        </a:spcAft>
+                        <a:buClrTx/>
+                        <a:buSzTx/>
+                        <a:buFontTx/>
+                        <a:buNone/>
+                        <a:tabLst/>
+                        <a:defRPr/>
+                      </a:pPr>
+                      <a:endParaRPr lang="en-US" dirty="0" smtClean="0"/>
+                    </a:p>
+                  </a:txBody>
+                  <a:tcPr/>
+                </a:tc>
+              </a:tr>
+            </a:tbl>
+          </a:graphicData>
+        </a:graphic>
+      </p:graphicFrame>
+    </p:spTree>
+    <p:extLst>
+      <p:ext uri="{BB962C8B-B14F-4D97-AF65-F5344CB8AC3E}">
+        <p14:creationId xmlns:p14="http://schemas.microsoft.com/office/powerpoint/2010/main" val="2133289341"/>
+      </p:ext>
+    </p:extLst>
+  </p:cSld>
+  <p:clrMapOvr>
+    <a:masterClrMapping/>
+  </p:clrMapOvr>
+</p:sld>
+</file>
+
+<file path=ppt/slides/slide9.xml><?xml version="1.0" encoding="utf-8"?>
+<p:sld xmlns:a="http://schemas.openxmlformats.org/drawingml/2006/main" xmlns:r="http://schemas.openxmlformats.org/officeDocument/2006/relationships" xmlns:p="http://schemas.openxmlformats.org/presentationml/2006/main">
+  <p:cSld>
+    <p:spTree>
+      <p:nvGrpSpPr>
+        <p:cNvPr id="1" name=""/>
+        <p:cNvGrpSpPr/>
+        <p:nvPr/>
+      </p:nvGrpSpPr>
+      <p:grpSpPr>
+        <a:xfrm>
+          <a:off x="0" y="0"/>
+          <a:ext cx="0" cy="0"/>
+          <a:chOff x="0" y="0"/>
+          <a:chExt cx="0" cy="0"/>
+        </a:xfrm>
+      </p:grpSpPr>
+      <p:sp>
+        <p:nvSpPr>
+          <p:cNvPr id="2" name="Title 1"/>
+          <p:cNvSpPr>
+            <a:spLocks noGrp="1"/>
+          </p:cNvSpPr>
+          <p:nvPr>
+            <p:ph type="title"/>
+          </p:nvPr>
+        </p:nvSpPr>
+        <p:spPr/>
+        <p:txBody>
+          <a:bodyPr/>
+          <a:lstStyle/>
+          <a:p>
+            <a:r>
+              <a:rPr lang="en-US" dirty="0" smtClean="0"/>
               <a:t>Amp plot notes</a:t>
             </a:r>
             <a:endParaRPr lang="en-US" dirty="0"/>
@@ -11392,1680 +14444,6 @@
     <p:extLst>
       <p:ext uri="{BB962C8B-B14F-4D97-AF65-F5344CB8AC3E}">
         <p14:creationId xmlns:p14="http://schemas.microsoft.com/office/powerpoint/2010/main" val="1810267559"/>
-      </p:ext>
-    </p:extLst>
-  </p:cSld>
-  <p:clrMapOvr>
-    <a:masterClrMapping/>
-  </p:clrMapOvr>
-</p:sld>
-</file>
-
-<file path=ppt/slides/slide9.xml><?xml version="1.0" encoding="utf-8"?>
-<p:sld xmlns:a="http://schemas.openxmlformats.org/drawingml/2006/main" xmlns:r="http://schemas.openxmlformats.org/officeDocument/2006/relationships" xmlns:p="http://schemas.openxmlformats.org/presentationml/2006/main">
-  <p:cSld>
-    <p:spTree>
-      <p:nvGrpSpPr>
-        <p:cNvPr id="1" name=""/>
-        <p:cNvGrpSpPr/>
-        <p:nvPr/>
-      </p:nvGrpSpPr>
-      <p:grpSpPr>
-        <a:xfrm>
-          <a:off x="0" y="0"/>
-          <a:ext cx="0" cy="0"/>
-          <a:chOff x="0" y="0"/>
-          <a:chExt cx="0" cy="0"/>
-        </a:xfrm>
-      </p:grpSpPr>
-      <p:graphicFrame>
-        <p:nvGraphicFramePr>
-          <p:cNvPr id="4" name="Table 3"/>
-          <p:cNvGraphicFramePr>
-            <a:graphicFrameLocks noGrp="1"/>
-          </p:cNvGraphicFramePr>
-          <p:nvPr>
-            <p:extLst>
-              <p:ext uri="{D42A27DB-BD31-4B8C-83A1-F6EECF244321}">
-                <p14:modId xmlns:p14="http://schemas.microsoft.com/office/powerpoint/2010/main" val="3404010522"/>
-              </p:ext>
-            </p:extLst>
-          </p:nvPr>
-        </p:nvGraphicFramePr>
-        <p:xfrm>
-          <a:off x="2341923" y="143149"/>
-          <a:ext cx="5228496" cy="6477000"/>
-        </p:xfrm>
-        <a:graphic>
-          <a:graphicData uri="http://schemas.openxmlformats.org/drawingml/2006/table">
-            <a:tbl>
-              <a:tblPr firstRow="1" bandRow="1">
-                <a:tableStyleId>{3C2FFA5D-87B4-456A-9821-1D502468CF0F}</a:tableStyleId>
-              </a:tblPr>
-              <a:tblGrid>
-                <a:gridCol w="871416"/>
-                <a:gridCol w="871416"/>
-                <a:gridCol w="871416"/>
-                <a:gridCol w="871416"/>
-                <a:gridCol w="871416"/>
-                <a:gridCol w="871416"/>
-              </a:tblGrid>
-              <a:tr h="218038">
-                <a:tc>
-                  <a:txBody>
-                    <a:bodyPr/>
-                    <a:lstStyle/>
-                    <a:p>
-                      <a:r>
-                        <a:rPr lang="en-US" sz="1100" dirty="0" smtClean="0"/>
-                        <a:t>Primer pair</a:t>
-                      </a:r>
-                      <a:endParaRPr lang="en-US" sz="1100" dirty="0"/>
-                    </a:p>
-                  </a:txBody>
-                  <a:tcPr/>
-                </a:tc>
-                <a:tc>
-                  <a:txBody>
-                    <a:bodyPr/>
-                    <a:lstStyle/>
-                    <a:p>
-                      <a:r>
-                        <a:rPr lang="en-US" sz="1100" dirty="0" smtClean="0"/>
-                        <a:t>Slope</a:t>
-                      </a:r>
-                      <a:endParaRPr lang="en-US" sz="1100" dirty="0"/>
-                    </a:p>
-                  </a:txBody>
-                  <a:tcPr/>
-                </a:tc>
-                <a:tc>
-                  <a:txBody>
-                    <a:bodyPr/>
-                    <a:lstStyle/>
-                    <a:p>
-                      <a:r>
-                        <a:rPr lang="en-US" sz="1100" dirty="0" smtClean="0"/>
-                        <a:t>Efficiency</a:t>
-                      </a:r>
-                      <a:endParaRPr lang="en-US" sz="1100" dirty="0"/>
-                    </a:p>
-                  </a:txBody>
-                  <a:tcPr/>
-                </a:tc>
-                <a:tc>
-                  <a:txBody>
-                    <a:bodyPr/>
-                    <a:lstStyle/>
-                    <a:p>
-                      <a:r>
-                        <a:rPr lang="en-US" sz="1100" dirty="0" err="1" smtClean="0"/>
-                        <a:t>Rsqr</a:t>
-                      </a:r>
-                      <a:endParaRPr lang="en-US" sz="1100" dirty="0"/>
-                    </a:p>
-                  </a:txBody>
-                  <a:tcPr/>
-                </a:tc>
-                <a:tc>
-                  <a:txBody>
-                    <a:bodyPr/>
-                    <a:lstStyle/>
-                    <a:p>
-                      <a:r>
-                        <a:rPr lang="en-US" sz="1100" dirty="0" smtClean="0"/>
-                        <a:t>pass</a:t>
-                      </a:r>
-                      <a:endParaRPr lang="en-US" sz="1100" dirty="0"/>
-                    </a:p>
-                  </a:txBody>
-                  <a:tcPr/>
-                </a:tc>
-                <a:tc>
-                  <a:txBody>
-                    <a:bodyPr/>
-                    <a:lstStyle/>
-                    <a:p>
-                      <a:r>
-                        <a:rPr lang="en-US" sz="1100" dirty="0" smtClean="0"/>
-                        <a:t>date</a:t>
-                      </a:r>
-                      <a:endParaRPr lang="en-US" sz="1100" dirty="0"/>
-                    </a:p>
-                  </a:txBody>
-                  <a:tcPr/>
-                </a:tc>
-              </a:tr>
-              <a:tr h="218038">
-                <a:tc>
-                  <a:txBody>
-                    <a:bodyPr/>
-                    <a:lstStyle/>
-                    <a:p>
-                      <a:endParaRPr lang="en-US" sz="1100" dirty="0"/>
-                    </a:p>
-                  </a:txBody>
-                  <a:tcPr/>
-                </a:tc>
-                <a:tc>
-                  <a:txBody>
-                    <a:bodyPr/>
-                    <a:lstStyle/>
-                    <a:p>
-                      <a:endParaRPr lang="en-US" sz="1100"/>
-                    </a:p>
-                  </a:txBody>
-                  <a:tcPr/>
-                </a:tc>
-                <a:tc>
-                  <a:txBody>
-                    <a:bodyPr/>
-                    <a:lstStyle/>
-                    <a:p>
-                      <a:endParaRPr lang="en-US" sz="1100"/>
-                    </a:p>
-                  </a:txBody>
-                  <a:tcPr/>
-                </a:tc>
-                <a:tc>
-                  <a:txBody>
-                    <a:bodyPr/>
-                    <a:lstStyle/>
-                    <a:p>
-                      <a:endParaRPr lang="en-US" sz="1100"/>
-                    </a:p>
-                  </a:txBody>
-                  <a:tcPr/>
-                </a:tc>
-                <a:tc>
-                  <a:txBody>
-                    <a:bodyPr/>
-                    <a:lstStyle/>
-                    <a:p>
-                      <a:endParaRPr lang="en-US" sz="1100"/>
-                    </a:p>
-                  </a:txBody>
-                  <a:tcPr/>
-                </a:tc>
-                <a:tc>
-                  <a:txBody>
-                    <a:bodyPr/>
-                    <a:lstStyle/>
-                    <a:p>
-                      <a:endParaRPr lang="en-US" sz="1100"/>
-                    </a:p>
-                  </a:txBody>
-                  <a:tcPr/>
-                </a:tc>
-              </a:tr>
-              <a:tr h="218038">
-                <a:tc>
-                  <a:txBody>
-                    <a:bodyPr/>
-                    <a:lstStyle/>
-                    <a:p>
-                      <a:endParaRPr lang="en-US" sz="1100"/>
-                    </a:p>
-                  </a:txBody>
-                  <a:tcPr/>
-                </a:tc>
-                <a:tc>
-                  <a:txBody>
-                    <a:bodyPr/>
-                    <a:lstStyle/>
-                    <a:p>
-                      <a:endParaRPr lang="en-US" sz="1100"/>
-                    </a:p>
-                  </a:txBody>
-                  <a:tcPr/>
-                </a:tc>
-                <a:tc>
-                  <a:txBody>
-                    <a:bodyPr/>
-                    <a:lstStyle/>
-                    <a:p>
-                      <a:endParaRPr lang="en-US" sz="1100"/>
-                    </a:p>
-                  </a:txBody>
-                  <a:tcPr/>
-                </a:tc>
-                <a:tc>
-                  <a:txBody>
-                    <a:bodyPr/>
-                    <a:lstStyle/>
-                    <a:p>
-                      <a:endParaRPr lang="en-US" sz="1100"/>
-                    </a:p>
-                  </a:txBody>
-                  <a:tcPr/>
-                </a:tc>
-                <a:tc>
-                  <a:txBody>
-                    <a:bodyPr/>
-                    <a:lstStyle/>
-                    <a:p>
-                      <a:endParaRPr lang="en-US" sz="1100"/>
-                    </a:p>
-                  </a:txBody>
-                  <a:tcPr/>
-                </a:tc>
-                <a:tc>
-                  <a:txBody>
-                    <a:bodyPr/>
-                    <a:lstStyle/>
-                    <a:p>
-                      <a:endParaRPr lang="en-US" sz="1100"/>
-                    </a:p>
-                  </a:txBody>
-                  <a:tcPr/>
-                </a:tc>
-              </a:tr>
-              <a:tr h="218038">
-                <a:tc>
-                  <a:txBody>
-                    <a:bodyPr/>
-                    <a:lstStyle/>
-                    <a:p>
-                      <a:endParaRPr lang="en-US" sz="1100"/>
-                    </a:p>
-                  </a:txBody>
-                  <a:tcPr/>
-                </a:tc>
-                <a:tc>
-                  <a:txBody>
-                    <a:bodyPr/>
-                    <a:lstStyle/>
-                    <a:p>
-                      <a:endParaRPr lang="en-US" sz="1100" dirty="0"/>
-                    </a:p>
-                  </a:txBody>
-                  <a:tcPr/>
-                </a:tc>
-                <a:tc>
-                  <a:txBody>
-                    <a:bodyPr/>
-                    <a:lstStyle/>
-                    <a:p>
-                      <a:endParaRPr lang="en-US" sz="1100"/>
-                    </a:p>
-                  </a:txBody>
-                  <a:tcPr/>
-                </a:tc>
-                <a:tc>
-                  <a:txBody>
-                    <a:bodyPr/>
-                    <a:lstStyle/>
-                    <a:p>
-                      <a:endParaRPr lang="en-US" sz="1100"/>
-                    </a:p>
-                  </a:txBody>
-                  <a:tcPr/>
-                </a:tc>
-                <a:tc>
-                  <a:txBody>
-                    <a:bodyPr/>
-                    <a:lstStyle/>
-                    <a:p>
-                      <a:endParaRPr lang="en-US" sz="1100"/>
-                    </a:p>
-                  </a:txBody>
-                  <a:tcPr/>
-                </a:tc>
-                <a:tc>
-                  <a:txBody>
-                    <a:bodyPr/>
-                    <a:lstStyle/>
-                    <a:p>
-                      <a:endParaRPr lang="en-US" sz="1100"/>
-                    </a:p>
-                  </a:txBody>
-                  <a:tcPr/>
-                </a:tc>
-              </a:tr>
-              <a:tr h="218038">
-                <a:tc>
-                  <a:txBody>
-                    <a:bodyPr/>
-                    <a:lstStyle/>
-                    <a:p>
-                      <a:endParaRPr lang="en-US" sz="1100"/>
-                    </a:p>
-                  </a:txBody>
-                  <a:tcPr/>
-                </a:tc>
-                <a:tc>
-                  <a:txBody>
-                    <a:bodyPr/>
-                    <a:lstStyle/>
-                    <a:p>
-                      <a:endParaRPr lang="en-US" sz="1100" dirty="0"/>
-                    </a:p>
-                  </a:txBody>
-                  <a:tcPr/>
-                </a:tc>
-                <a:tc>
-                  <a:txBody>
-                    <a:bodyPr/>
-                    <a:lstStyle/>
-                    <a:p>
-                      <a:endParaRPr lang="en-US" sz="1100"/>
-                    </a:p>
-                  </a:txBody>
-                  <a:tcPr/>
-                </a:tc>
-                <a:tc>
-                  <a:txBody>
-                    <a:bodyPr/>
-                    <a:lstStyle/>
-                    <a:p>
-                      <a:endParaRPr lang="en-US" sz="1100"/>
-                    </a:p>
-                  </a:txBody>
-                  <a:tcPr/>
-                </a:tc>
-                <a:tc>
-                  <a:txBody>
-                    <a:bodyPr/>
-                    <a:lstStyle/>
-                    <a:p>
-                      <a:endParaRPr lang="en-US" sz="1100"/>
-                    </a:p>
-                  </a:txBody>
-                  <a:tcPr/>
-                </a:tc>
-                <a:tc>
-                  <a:txBody>
-                    <a:bodyPr/>
-                    <a:lstStyle/>
-                    <a:p>
-                      <a:endParaRPr lang="en-US" sz="1100"/>
-                    </a:p>
-                  </a:txBody>
-                  <a:tcPr/>
-                </a:tc>
-              </a:tr>
-              <a:tr h="218038">
-                <a:tc>
-                  <a:txBody>
-                    <a:bodyPr/>
-                    <a:lstStyle/>
-                    <a:p>
-                      <a:endParaRPr lang="en-US" sz="1100"/>
-                    </a:p>
-                  </a:txBody>
-                  <a:tcPr/>
-                </a:tc>
-                <a:tc>
-                  <a:txBody>
-                    <a:bodyPr/>
-                    <a:lstStyle/>
-                    <a:p>
-                      <a:endParaRPr lang="en-US" sz="1100" dirty="0"/>
-                    </a:p>
-                  </a:txBody>
-                  <a:tcPr/>
-                </a:tc>
-                <a:tc>
-                  <a:txBody>
-                    <a:bodyPr/>
-                    <a:lstStyle/>
-                    <a:p>
-                      <a:endParaRPr lang="en-US" sz="1100"/>
-                    </a:p>
-                  </a:txBody>
-                  <a:tcPr/>
-                </a:tc>
-                <a:tc>
-                  <a:txBody>
-                    <a:bodyPr/>
-                    <a:lstStyle/>
-                    <a:p>
-                      <a:endParaRPr lang="en-US" sz="1100"/>
-                    </a:p>
-                  </a:txBody>
-                  <a:tcPr/>
-                </a:tc>
-                <a:tc>
-                  <a:txBody>
-                    <a:bodyPr/>
-                    <a:lstStyle/>
-                    <a:p>
-                      <a:endParaRPr lang="en-US" sz="1100"/>
-                    </a:p>
-                  </a:txBody>
-                  <a:tcPr/>
-                </a:tc>
-                <a:tc>
-                  <a:txBody>
-                    <a:bodyPr/>
-                    <a:lstStyle/>
-                    <a:p>
-                      <a:endParaRPr lang="en-US" sz="1100"/>
-                    </a:p>
-                  </a:txBody>
-                  <a:tcPr/>
-                </a:tc>
-              </a:tr>
-              <a:tr h="218038">
-                <a:tc>
-                  <a:txBody>
-                    <a:bodyPr/>
-                    <a:lstStyle/>
-                    <a:p>
-                      <a:endParaRPr lang="en-US" sz="1100"/>
-                    </a:p>
-                  </a:txBody>
-                  <a:tcPr/>
-                </a:tc>
-                <a:tc>
-                  <a:txBody>
-                    <a:bodyPr/>
-                    <a:lstStyle/>
-                    <a:p>
-                      <a:endParaRPr lang="en-US" sz="1100" dirty="0"/>
-                    </a:p>
-                  </a:txBody>
-                  <a:tcPr/>
-                </a:tc>
-                <a:tc>
-                  <a:txBody>
-                    <a:bodyPr/>
-                    <a:lstStyle/>
-                    <a:p>
-                      <a:endParaRPr lang="en-US" sz="1100"/>
-                    </a:p>
-                  </a:txBody>
-                  <a:tcPr/>
-                </a:tc>
-                <a:tc>
-                  <a:txBody>
-                    <a:bodyPr/>
-                    <a:lstStyle/>
-                    <a:p>
-                      <a:endParaRPr lang="en-US" sz="1100"/>
-                    </a:p>
-                  </a:txBody>
-                  <a:tcPr/>
-                </a:tc>
-                <a:tc>
-                  <a:txBody>
-                    <a:bodyPr/>
-                    <a:lstStyle/>
-                    <a:p>
-                      <a:endParaRPr lang="en-US" sz="1100"/>
-                    </a:p>
-                  </a:txBody>
-                  <a:tcPr/>
-                </a:tc>
-                <a:tc>
-                  <a:txBody>
-                    <a:bodyPr/>
-                    <a:lstStyle/>
-                    <a:p>
-                      <a:endParaRPr lang="en-US" sz="1100"/>
-                    </a:p>
-                  </a:txBody>
-                  <a:tcPr/>
-                </a:tc>
-              </a:tr>
-              <a:tr h="218038">
-                <a:tc>
-                  <a:txBody>
-                    <a:bodyPr/>
-                    <a:lstStyle/>
-                    <a:p>
-                      <a:endParaRPr lang="en-US" sz="1100"/>
-                    </a:p>
-                  </a:txBody>
-                  <a:tcPr/>
-                </a:tc>
-                <a:tc>
-                  <a:txBody>
-                    <a:bodyPr/>
-                    <a:lstStyle/>
-                    <a:p>
-                      <a:endParaRPr lang="en-US" sz="1100"/>
-                    </a:p>
-                  </a:txBody>
-                  <a:tcPr/>
-                </a:tc>
-                <a:tc>
-                  <a:txBody>
-                    <a:bodyPr/>
-                    <a:lstStyle/>
-                    <a:p>
-                      <a:endParaRPr lang="en-US" sz="1100"/>
-                    </a:p>
-                  </a:txBody>
-                  <a:tcPr/>
-                </a:tc>
-                <a:tc>
-                  <a:txBody>
-                    <a:bodyPr/>
-                    <a:lstStyle/>
-                    <a:p>
-                      <a:endParaRPr lang="en-US" sz="1100"/>
-                    </a:p>
-                  </a:txBody>
-                  <a:tcPr/>
-                </a:tc>
-                <a:tc>
-                  <a:txBody>
-                    <a:bodyPr/>
-                    <a:lstStyle/>
-                    <a:p>
-                      <a:endParaRPr lang="en-US" sz="1100"/>
-                    </a:p>
-                  </a:txBody>
-                  <a:tcPr/>
-                </a:tc>
-                <a:tc>
-                  <a:txBody>
-                    <a:bodyPr/>
-                    <a:lstStyle/>
-                    <a:p>
-                      <a:endParaRPr lang="en-US" sz="1100"/>
-                    </a:p>
-                  </a:txBody>
-                  <a:tcPr/>
-                </a:tc>
-              </a:tr>
-              <a:tr h="218038">
-                <a:tc>
-                  <a:txBody>
-                    <a:bodyPr/>
-                    <a:lstStyle/>
-                    <a:p>
-                      <a:endParaRPr lang="en-US" sz="1100"/>
-                    </a:p>
-                  </a:txBody>
-                  <a:tcPr/>
-                </a:tc>
-                <a:tc>
-                  <a:txBody>
-                    <a:bodyPr/>
-                    <a:lstStyle/>
-                    <a:p>
-                      <a:endParaRPr lang="en-US" sz="1100"/>
-                    </a:p>
-                  </a:txBody>
-                  <a:tcPr/>
-                </a:tc>
-                <a:tc>
-                  <a:txBody>
-                    <a:bodyPr/>
-                    <a:lstStyle/>
-                    <a:p>
-                      <a:endParaRPr lang="en-US" sz="1100"/>
-                    </a:p>
-                  </a:txBody>
-                  <a:tcPr/>
-                </a:tc>
-                <a:tc>
-                  <a:txBody>
-                    <a:bodyPr/>
-                    <a:lstStyle/>
-                    <a:p>
-                      <a:endParaRPr lang="en-US" sz="1100"/>
-                    </a:p>
-                  </a:txBody>
-                  <a:tcPr/>
-                </a:tc>
-                <a:tc>
-                  <a:txBody>
-                    <a:bodyPr/>
-                    <a:lstStyle/>
-                    <a:p>
-                      <a:endParaRPr lang="en-US" sz="1100"/>
-                    </a:p>
-                  </a:txBody>
-                  <a:tcPr/>
-                </a:tc>
-                <a:tc>
-                  <a:txBody>
-                    <a:bodyPr/>
-                    <a:lstStyle/>
-                    <a:p>
-                      <a:endParaRPr lang="en-US" sz="1100"/>
-                    </a:p>
-                  </a:txBody>
-                  <a:tcPr/>
-                </a:tc>
-              </a:tr>
-              <a:tr h="218038">
-                <a:tc>
-                  <a:txBody>
-                    <a:bodyPr/>
-                    <a:lstStyle/>
-                    <a:p>
-                      <a:endParaRPr lang="en-US" sz="1100"/>
-                    </a:p>
-                  </a:txBody>
-                  <a:tcPr/>
-                </a:tc>
-                <a:tc>
-                  <a:txBody>
-                    <a:bodyPr/>
-                    <a:lstStyle/>
-                    <a:p>
-                      <a:endParaRPr lang="en-US" sz="1100"/>
-                    </a:p>
-                  </a:txBody>
-                  <a:tcPr/>
-                </a:tc>
-                <a:tc>
-                  <a:txBody>
-                    <a:bodyPr/>
-                    <a:lstStyle/>
-                    <a:p>
-                      <a:endParaRPr lang="en-US" sz="1100" dirty="0"/>
-                    </a:p>
-                  </a:txBody>
-                  <a:tcPr/>
-                </a:tc>
-                <a:tc>
-                  <a:txBody>
-                    <a:bodyPr/>
-                    <a:lstStyle/>
-                    <a:p>
-                      <a:endParaRPr lang="en-US" sz="1100"/>
-                    </a:p>
-                  </a:txBody>
-                  <a:tcPr/>
-                </a:tc>
-                <a:tc>
-                  <a:txBody>
-                    <a:bodyPr/>
-                    <a:lstStyle/>
-                    <a:p>
-                      <a:endParaRPr lang="en-US" sz="1100"/>
-                    </a:p>
-                  </a:txBody>
-                  <a:tcPr/>
-                </a:tc>
-                <a:tc>
-                  <a:txBody>
-                    <a:bodyPr/>
-                    <a:lstStyle/>
-                    <a:p>
-                      <a:endParaRPr lang="en-US" sz="1100"/>
-                    </a:p>
-                  </a:txBody>
-                  <a:tcPr/>
-                </a:tc>
-              </a:tr>
-              <a:tr h="218038">
-                <a:tc>
-                  <a:txBody>
-                    <a:bodyPr/>
-                    <a:lstStyle/>
-                    <a:p>
-                      <a:endParaRPr lang="en-US" sz="1100"/>
-                    </a:p>
-                  </a:txBody>
-                  <a:tcPr/>
-                </a:tc>
-                <a:tc>
-                  <a:txBody>
-                    <a:bodyPr/>
-                    <a:lstStyle/>
-                    <a:p>
-                      <a:endParaRPr lang="en-US" sz="1100"/>
-                    </a:p>
-                  </a:txBody>
-                  <a:tcPr/>
-                </a:tc>
-                <a:tc>
-                  <a:txBody>
-                    <a:bodyPr/>
-                    <a:lstStyle/>
-                    <a:p>
-                      <a:endParaRPr lang="en-US" sz="1100"/>
-                    </a:p>
-                  </a:txBody>
-                  <a:tcPr/>
-                </a:tc>
-                <a:tc>
-                  <a:txBody>
-                    <a:bodyPr/>
-                    <a:lstStyle/>
-                    <a:p>
-                      <a:endParaRPr lang="en-US" sz="1100"/>
-                    </a:p>
-                  </a:txBody>
-                  <a:tcPr/>
-                </a:tc>
-                <a:tc>
-                  <a:txBody>
-                    <a:bodyPr/>
-                    <a:lstStyle/>
-                    <a:p>
-                      <a:endParaRPr lang="en-US" sz="1100"/>
-                    </a:p>
-                  </a:txBody>
-                  <a:tcPr/>
-                </a:tc>
-                <a:tc>
-                  <a:txBody>
-                    <a:bodyPr/>
-                    <a:lstStyle/>
-                    <a:p>
-                      <a:endParaRPr lang="en-US" sz="1100"/>
-                    </a:p>
-                  </a:txBody>
-                  <a:tcPr/>
-                </a:tc>
-              </a:tr>
-              <a:tr h="218038">
-                <a:tc>
-                  <a:txBody>
-                    <a:bodyPr/>
-                    <a:lstStyle/>
-                    <a:p>
-                      <a:endParaRPr lang="en-US" sz="1100"/>
-                    </a:p>
-                  </a:txBody>
-                  <a:tcPr/>
-                </a:tc>
-                <a:tc>
-                  <a:txBody>
-                    <a:bodyPr/>
-                    <a:lstStyle/>
-                    <a:p>
-                      <a:endParaRPr lang="en-US" sz="1100"/>
-                    </a:p>
-                  </a:txBody>
-                  <a:tcPr/>
-                </a:tc>
-                <a:tc>
-                  <a:txBody>
-                    <a:bodyPr/>
-                    <a:lstStyle/>
-                    <a:p>
-                      <a:endParaRPr lang="en-US" sz="1100" dirty="0"/>
-                    </a:p>
-                  </a:txBody>
-                  <a:tcPr/>
-                </a:tc>
-                <a:tc>
-                  <a:txBody>
-                    <a:bodyPr/>
-                    <a:lstStyle/>
-                    <a:p>
-                      <a:endParaRPr lang="en-US" sz="1100"/>
-                    </a:p>
-                  </a:txBody>
-                  <a:tcPr/>
-                </a:tc>
-                <a:tc>
-                  <a:txBody>
-                    <a:bodyPr/>
-                    <a:lstStyle/>
-                    <a:p>
-                      <a:endParaRPr lang="en-US" sz="1100"/>
-                    </a:p>
-                  </a:txBody>
-                  <a:tcPr/>
-                </a:tc>
-                <a:tc>
-                  <a:txBody>
-                    <a:bodyPr/>
-                    <a:lstStyle/>
-                    <a:p>
-                      <a:endParaRPr lang="en-US" sz="1100"/>
-                    </a:p>
-                  </a:txBody>
-                  <a:tcPr/>
-                </a:tc>
-              </a:tr>
-              <a:tr h="218038">
-                <a:tc>
-                  <a:txBody>
-                    <a:bodyPr/>
-                    <a:lstStyle/>
-                    <a:p>
-                      <a:endParaRPr lang="en-US" sz="1100"/>
-                    </a:p>
-                  </a:txBody>
-                  <a:tcPr/>
-                </a:tc>
-                <a:tc>
-                  <a:txBody>
-                    <a:bodyPr/>
-                    <a:lstStyle/>
-                    <a:p>
-                      <a:endParaRPr lang="en-US" sz="1100"/>
-                    </a:p>
-                  </a:txBody>
-                  <a:tcPr/>
-                </a:tc>
-                <a:tc>
-                  <a:txBody>
-                    <a:bodyPr/>
-                    <a:lstStyle/>
-                    <a:p>
-                      <a:endParaRPr lang="en-US" sz="1100"/>
-                    </a:p>
-                  </a:txBody>
-                  <a:tcPr/>
-                </a:tc>
-                <a:tc>
-                  <a:txBody>
-                    <a:bodyPr/>
-                    <a:lstStyle/>
-                    <a:p>
-                      <a:endParaRPr lang="en-US" sz="1100"/>
-                    </a:p>
-                  </a:txBody>
-                  <a:tcPr/>
-                </a:tc>
-                <a:tc>
-                  <a:txBody>
-                    <a:bodyPr/>
-                    <a:lstStyle/>
-                    <a:p>
-                      <a:endParaRPr lang="en-US" sz="1100"/>
-                    </a:p>
-                  </a:txBody>
-                  <a:tcPr/>
-                </a:tc>
-                <a:tc>
-                  <a:txBody>
-                    <a:bodyPr/>
-                    <a:lstStyle/>
-                    <a:p>
-                      <a:endParaRPr lang="en-US" sz="1100"/>
-                    </a:p>
-                  </a:txBody>
-                  <a:tcPr/>
-                </a:tc>
-              </a:tr>
-              <a:tr h="218038">
-                <a:tc>
-                  <a:txBody>
-                    <a:bodyPr/>
-                    <a:lstStyle/>
-                    <a:p>
-                      <a:endParaRPr lang="en-US" sz="1100"/>
-                    </a:p>
-                  </a:txBody>
-                  <a:tcPr/>
-                </a:tc>
-                <a:tc>
-                  <a:txBody>
-                    <a:bodyPr/>
-                    <a:lstStyle/>
-                    <a:p>
-                      <a:endParaRPr lang="en-US" sz="1100"/>
-                    </a:p>
-                  </a:txBody>
-                  <a:tcPr/>
-                </a:tc>
-                <a:tc>
-                  <a:txBody>
-                    <a:bodyPr/>
-                    <a:lstStyle/>
-                    <a:p>
-                      <a:endParaRPr lang="en-US" sz="1100"/>
-                    </a:p>
-                  </a:txBody>
-                  <a:tcPr/>
-                </a:tc>
-                <a:tc>
-                  <a:txBody>
-                    <a:bodyPr/>
-                    <a:lstStyle/>
-                    <a:p>
-                      <a:endParaRPr lang="en-US" sz="1100"/>
-                    </a:p>
-                  </a:txBody>
-                  <a:tcPr/>
-                </a:tc>
-                <a:tc>
-                  <a:txBody>
-                    <a:bodyPr/>
-                    <a:lstStyle/>
-                    <a:p>
-                      <a:endParaRPr lang="en-US" sz="1100"/>
-                    </a:p>
-                  </a:txBody>
-                  <a:tcPr/>
-                </a:tc>
-                <a:tc>
-                  <a:txBody>
-                    <a:bodyPr/>
-                    <a:lstStyle/>
-                    <a:p>
-                      <a:endParaRPr lang="en-US" sz="1100"/>
-                    </a:p>
-                  </a:txBody>
-                  <a:tcPr/>
-                </a:tc>
-              </a:tr>
-              <a:tr h="218038">
-                <a:tc>
-                  <a:txBody>
-                    <a:bodyPr/>
-                    <a:lstStyle/>
-                    <a:p>
-                      <a:endParaRPr lang="en-US" sz="1100"/>
-                    </a:p>
-                  </a:txBody>
-                  <a:tcPr/>
-                </a:tc>
-                <a:tc>
-                  <a:txBody>
-                    <a:bodyPr/>
-                    <a:lstStyle/>
-                    <a:p>
-                      <a:endParaRPr lang="en-US" sz="1100"/>
-                    </a:p>
-                  </a:txBody>
-                  <a:tcPr/>
-                </a:tc>
-                <a:tc>
-                  <a:txBody>
-                    <a:bodyPr/>
-                    <a:lstStyle/>
-                    <a:p>
-                      <a:endParaRPr lang="en-US" sz="1100"/>
-                    </a:p>
-                  </a:txBody>
-                  <a:tcPr/>
-                </a:tc>
-                <a:tc>
-                  <a:txBody>
-                    <a:bodyPr/>
-                    <a:lstStyle/>
-                    <a:p>
-                      <a:endParaRPr lang="en-US" sz="1100"/>
-                    </a:p>
-                  </a:txBody>
-                  <a:tcPr/>
-                </a:tc>
-                <a:tc>
-                  <a:txBody>
-                    <a:bodyPr/>
-                    <a:lstStyle/>
-                    <a:p>
-                      <a:endParaRPr lang="en-US" sz="1100"/>
-                    </a:p>
-                  </a:txBody>
-                  <a:tcPr/>
-                </a:tc>
-                <a:tc>
-                  <a:txBody>
-                    <a:bodyPr/>
-                    <a:lstStyle/>
-                    <a:p>
-                      <a:endParaRPr lang="en-US" sz="1100"/>
-                    </a:p>
-                  </a:txBody>
-                  <a:tcPr/>
-                </a:tc>
-              </a:tr>
-              <a:tr h="218038">
-                <a:tc>
-                  <a:txBody>
-                    <a:bodyPr/>
-                    <a:lstStyle/>
-                    <a:p>
-                      <a:endParaRPr lang="en-US" sz="1100"/>
-                    </a:p>
-                  </a:txBody>
-                  <a:tcPr/>
-                </a:tc>
-                <a:tc>
-                  <a:txBody>
-                    <a:bodyPr/>
-                    <a:lstStyle/>
-                    <a:p>
-                      <a:endParaRPr lang="en-US" sz="1100"/>
-                    </a:p>
-                  </a:txBody>
-                  <a:tcPr/>
-                </a:tc>
-                <a:tc>
-                  <a:txBody>
-                    <a:bodyPr/>
-                    <a:lstStyle/>
-                    <a:p>
-                      <a:endParaRPr lang="en-US" sz="1100"/>
-                    </a:p>
-                  </a:txBody>
-                  <a:tcPr/>
-                </a:tc>
-                <a:tc>
-                  <a:txBody>
-                    <a:bodyPr/>
-                    <a:lstStyle/>
-                    <a:p>
-                      <a:endParaRPr lang="en-US" sz="1100"/>
-                    </a:p>
-                  </a:txBody>
-                  <a:tcPr/>
-                </a:tc>
-                <a:tc>
-                  <a:txBody>
-                    <a:bodyPr/>
-                    <a:lstStyle/>
-                    <a:p>
-                      <a:endParaRPr lang="en-US" sz="1100"/>
-                    </a:p>
-                  </a:txBody>
-                  <a:tcPr/>
-                </a:tc>
-                <a:tc>
-                  <a:txBody>
-                    <a:bodyPr/>
-                    <a:lstStyle/>
-                    <a:p>
-                      <a:endParaRPr lang="en-US" sz="1100"/>
-                    </a:p>
-                  </a:txBody>
-                  <a:tcPr/>
-                </a:tc>
-              </a:tr>
-              <a:tr h="218038">
-                <a:tc>
-                  <a:txBody>
-                    <a:bodyPr/>
-                    <a:lstStyle/>
-                    <a:p>
-                      <a:endParaRPr lang="en-US" sz="1100"/>
-                    </a:p>
-                  </a:txBody>
-                  <a:tcPr/>
-                </a:tc>
-                <a:tc>
-                  <a:txBody>
-                    <a:bodyPr/>
-                    <a:lstStyle/>
-                    <a:p>
-                      <a:endParaRPr lang="en-US" sz="1100"/>
-                    </a:p>
-                  </a:txBody>
-                  <a:tcPr/>
-                </a:tc>
-                <a:tc>
-                  <a:txBody>
-                    <a:bodyPr/>
-                    <a:lstStyle/>
-                    <a:p>
-                      <a:endParaRPr lang="en-US" sz="1100"/>
-                    </a:p>
-                  </a:txBody>
-                  <a:tcPr/>
-                </a:tc>
-                <a:tc>
-                  <a:txBody>
-                    <a:bodyPr/>
-                    <a:lstStyle/>
-                    <a:p>
-                      <a:endParaRPr lang="en-US" sz="1100" dirty="0"/>
-                    </a:p>
-                  </a:txBody>
-                  <a:tcPr/>
-                </a:tc>
-                <a:tc>
-                  <a:txBody>
-                    <a:bodyPr/>
-                    <a:lstStyle/>
-                    <a:p>
-                      <a:endParaRPr lang="en-US" sz="1100"/>
-                    </a:p>
-                  </a:txBody>
-                  <a:tcPr/>
-                </a:tc>
-                <a:tc>
-                  <a:txBody>
-                    <a:bodyPr/>
-                    <a:lstStyle/>
-                    <a:p>
-                      <a:endParaRPr lang="en-US" sz="1100"/>
-                    </a:p>
-                  </a:txBody>
-                  <a:tcPr/>
-                </a:tc>
-              </a:tr>
-              <a:tr h="218038">
-                <a:tc>
-                  <a:txBody>
-                    <a:bodyPr/>
-                    <a:lstStyle/>
-                    <a:p>
-                      <a:endParaRPr lang="en-US" sz="1100"/>
-                    </a:p>
-                  </a:txBody>
-                  <a:tcPr/>
-                </a:tc>
-                <a:tc>
-                  <a:txBody>
-                    <a:bodyPr/>
-                    <a:lstStyle/>
-                    <a:p>
-                      <a:endParaRPr lang="en-US" sz="1100"/>
-                    </a:p>
-                  </a:txBody>
-                  <a:tcPr/>
-                </a:tc>
-                <a:tc>
-                  <a:txBody>
-                    <a:bodyPr/>
-                    <a:lstStyle/>
-                    <a:p>
-                      <a:endParaRPr lang="en-US" sz="1100"/>
-                    </a:p>
-                  </a:txBody>
-                  <a:tcPr/>
-                </a:tc>
-                <a:tc>
-                  <a:txBody>
-                    <a:bodyPr/>
-                    <a:lstStyle/>
-                    <a:p>
-                      <a:endParaRPr lang="en-US" sz="1100"/>
-                    </a:p>
-                  </a:txBody>
-                  <a:tcPr/>
-                </a:tc>
-                <a:tc>
-                  <a:txBody>
-                    <a:bodyPr/>
-                    <a:lstStyle/>
-                    <a:p>
-                      <a:endParaRPr lang="en-US" sz="1100"/>
-                    </a:p>
-                  </a:txBody>
-                  <a:tcPr/>
-                </a:tc>
-                <a:tc>
-                  <a:txBody>
-                    <a:bodyPr/>
-                    <a:lstStyle/>
-                    <a:p>
-                      <a:endParaRPr lang="en-US" sz="1100"/>
-                    </a:p>
-                  </a:txBody>
-                  <a:tcPr/>
-                </a:tc>
-              </a:tr>
-              <a:tr h="218038">
-                <a:tc>
-                  <a:txBody>
-                    <a:bodyPr/>
-                    <a:lstStyle/>
-                    <a:p>
-                      <a:endParaRPr lang="en-US" sz="1100"/>
-                    </a:p>
-                  </a:txBody>
-                  <a:tcPr/>
-                </a:tc>
-                <a:tc>
-                  <a:txBody>
-                    <a:bodyPr/>
-                    <a:lstStyle/>
-                    <a:p>
-                      <a:endParaRPr lang="en-US" sz="1100"/>
-                    </a:p>
-                  </a:txBody>
-                  <a:tcPr/>
-                </a:tc>
-                <a:tc>
-                  <a:txBody>
-                    <a:bodyPr/>
-                    <a:lstStyle/>
-                    <a:p>
-                      <a:endParaRPr lang="en-US" sz="1100"/>
-                    </a:p>
-                  </a:txBody>
-                  <a:tcPr/>
-                </a:tc>
-                <a:tc>
-                  <a:txBody>
-                    <a:bodyPr/>
-                    <a:lstStyle/>
-                    <a:p>
-                      <a:endParaRPr lang="en-US" sz="1100"/>
-                    </a:p>
-                  </a:txBody>
-                  <a:tcPr/>
-                </a:tc>
-                <a:tc>
-                  <a:txBody>
-                    <a:bodyPr/>
-                    <a:lstStyle/>
-                    <a:p>
-                      <a:endParaRPr lang="en-US" sz="1100"/>
-                    </a:p>
-                  </a:txBody>
-                  <a:tcPr/>
-                </a:tc>
-                <a:tc>
-                  <a:txBody>
-                    <a:bodyPr/>
-                    <a:lstStyle/>
-                    <a:p>
-                      <a:endParaRPr lang="en-US" sz="1100"/>
-                    </a:p>
-                  </a:txBody>
-                  <a:tcPr/>
-                </a:tc>
-              </a:tr>
-              <a:tr h="218038">
-                <a:tc>
-                  <a:txBody>
-                    <a:bodyPr/>
-                    <a:lstStyle/>
-                    <a:p>
-                      <a:endParaRPr lang="en-US" sz="1100"/>
-                    </a:p>
-                  </a:txBody>
-                  <a:tcPr/>
-                </a:tc>
-                <a:tc>
-                  <a:txBody>
-                    <a:bodyPr/>
-                    <a:lstStyle/>
-                    <a:p>
-                      <a:endParaRPr lang="en-US" sz="1100"/>
-                    </a:p>
-                  </a:txBody>
-                  <a:tcPr/>
-                </a:tc>
-                <a:tc>
-                  <a:txBody>
-                    <a:bodyPr/>
-                    <a:lstStyle/>
-                    <a:p>
-                      <a:endParaRPr lang="en-US" sz="1100"/>
-                    </a:p>
-                  </a:txBody>
-                  <a:tcPr/>
-                </a:tc>
-                <a:tc>
-                  <a:txBody>
-                    <a:bodyPr/>
-                    <a:lstStyle/>
-                    <a:p>
-                      <a:endParaRPr lang="en-US" sz="1100"/>
-                    </a:p>
-                  </a:txBody>
-                  <a:tcPr/>
-                </a:tc>
-                <a:tc>
-                  <a:txBody>
-                    <a:bodyPr/>
-                    <a:lstStyle/>
-                    <a:p>
-                      <a:endParaRPr lang="en-US" sz="1100"/>
-                    </a:p>
-                  </a:txBody>
-                  <a:tcPr/>
-                </a:tc>
-                <a:tc>
-                  <a:txBody>
-                    <a:bodyPr/>
-                    <a:lstStyle/>
-                    <a:p>
-                      <a:endParaRPr lang="en-US" sz="1100"/>
-                    </a:p>
-                  </a:txBody>
-                  <a:tcPr/>
-                </a:tc>
-              </a:tr>
-              <a:tr h="218038">
-                <a:tc>
-                  <a:txBody>
-                    <a:bodyPr/>
-                    <a:lstStyle/>
-                    <a:p>
-                      <a:endParaRPr lang="en-US" sz="1100"/>
-                    </a:p>
-                  </a:txBody>
-                  <a:tcPr/>
-                </a:tc>
-                <a:tc>
-                  <a:txBody>
-                    <a:bodyPr/>
-                    <a:lstStyle/>
-                    <a:p>
-                      <a:endParaRPr lang="en-US" sz="1100"/>
-                    </a:p>
-                  </a:txBody>
-                  <a:tcPr/>
-                </a:tc>
-                <a:tc>
-                  <a:txBody>
-                    <a:bodyPr/>
-                    <a:lstStyle/>
-                    <a:p>
-                      <a:endParaRPr lang="en-US" sz="1100"/>
-                    </a:p>
-                  </a:txBody>
-                  <a:tcPr/>
-                </a:tc>
-                <a:tc>
-                  <a:txBody>
-                    <a:bodyPr/>
-                    <a:lstStyle/>
-                    <a:p>
-                      <a:endParaRPr lang="en-US" sz="1100"/>
-                    </a:p>
-                  </a:txBody>
-                  <a:tcPr/>
-                </a:tc>
-                <a:tc>
-                  <a:txBody>
-                    <a:bodyPr/>
-                    <a:lstStyle/>
-                    <a:p>
-                      <a:endParaRPr lang="en-US" sz="1100"/>
-                    </a:p>
-                  </a:txBody>
-                  <a:tcPr/>
-                </a:tc>
-                <a:tc>
-                  <a:txBody>
-                    <a:bodyPr/>
-                    <a:lstStyle/>
-                    <a:p>
-                      <a:endParaRPr lang="en-US" sz="1100"/>
-                    </a:p>
-                  </a:txBody>
-                  <a:tcPr/>
-                </a:tc>
-              </a:tr>
-              <a:tr h="218038">
-                <a:tc>
-                  <a:txBody>
-                    <a:bodyPr/>
-                    <a:lstStyle/>
-                    <a:p>
-                      <a:endParaRPr lang="en-US" sz="1100"/>
-                    </a:p>
-                  </a:txBody>
-                  <a:tcPr/>
-                </a:tc>
-                <a:tc>
-                  <a:txBody>
-                    <a:bodyPr/>
-                    <a:lstStyle/>
-                    <a:p>
-                      <a:endParaRPr lang="en-US" sz="1100"/>
-                    </a:p>
-                  </a:txBody>
-                  <a:tcPr/>
-                </a:tc>
-                <a:tc>
-                  <a:txBody>
-                    <a:bodyPr/>
-                    <a:lstStyle/>
-                    <a:p>
-                      <a:endParaRPr lang="en-US" sz="1100"/>
-                    </a:p>
-                  </a:txBody>
-                  <a:tcPr/>
-                </a:tc>
-                <a:tc>
-                  <a:txBody>
-                    <a:bodyPr/>
-                    <a:lstStyle/>
-                    <a:p>
-                      <a:endParaRPr lang="en-US" sz="1100"/>
-                    </a:p>
-                  </a:txBody>
-                  <a:tcPr/>
-                </a:tc>
-                <a:tc>
-                  <a:txBody>
-                    <a:bodyPr/>
-                    <a:lstStyle/>
-                    <a:p>
-                      <a:endParaRPr lang="en-US" sz="1100"/>
-                    </a:p>
-                  </a:txBody>
-                  <a:tcPr/>
-                </a:tc>
-                <a:tc>
-                  <a:txBody>
-                    <a:bodyPr/>
-                    <a:lstStyle/>
-                    <a:p>
-                      <a:endParaRPr lang="en-US" sz="1100"/>
-                    </a:p>
-                  </a:txBody>
-                  <a:tcPr/>
-                </a:tc>
-              </a:tr>
-              <a:tr h="218038">
-                <a:tc>
-                  <a:txBody>
-                    <a:bodyPr/>
-                    <a:lstStyle/>
-                    <a:p>
-                      <a:endParaRPr lang="en-US" sz="1100"/>
-                    </a:p>
-                  </a:txBody>
-                  <a:tcPr/>
-                </a:tc>
-                <a:tc>
-                  <a:txBody>
-                    <a:bodyPr/>
-                    <a:lstStyle/>
-                    <a:p>
-                      <a:endParaRPr lang="en-US" sz="1100"/>
-                    </a:p>
-                  </a:txBody>
-                  <a:tcPr/>
-                </a:tc>
-                <a:tc>
-                  <a:txBody>
-                    <a:bodyPr/>
-                    <a:lstStyle/>
-                    <a:p>
-                      <a:endParaRPr lang="en-US" sz="1100"/>
-                    </a:p>
-                  </a:txBody>
-                  <a:tcPr/>
-                </a:tc>
-                <a:tc>
-                  <a:txBody>
-                    <a:bodyPr/>
-                    <a:lstStyle/>
-                    <a:p>
-                      <a:endParaRPr lang="en-US" sz="1100"/>
-                    </a:p>
-                  </a:txBody>
-                  <a:tcPr/>
-                </a:tc>
-                <a:tc>
-                  <a:txBody>
-                    <a:bodyPr/>
-                    <a:lstStyle/>
-                    <a:p>
-                      <a:endParaRPr lang="en-US" sz="1100"/>
-                    </a:p>
-                  </a:txBody>
-                  <a:tcPr/>
-                </a:tc>
-                <a:tc>
-                  <a:txBody>
-                    <a:bodyPr/>
-                    <a:lstStyle/>
-                    <a:p>
-                      <a:endParaRPr lang="en-US" sz="1100"/>
-                    </a:p>
-                  </a:txBody>
-                  <a:tcPr/>
-                </a:tc>
-              </a:tr>
-              <a:tr h="218038">
-                <a:tc>
-                  <a:txBody>
-                    <a:bodyPr/>
-                    <a:lstStyle/>
-                    <a:p>
-                      <a:endParaRPr lang="en-US" sz="1100"/>
-                    </a:p>
-                  </a:txBody>
-                  <a:tcPr/>
-                </a:tc>
-                <a:tc>
-                  <a:txBody>
-                    <a:bodyPr/>
-                    <a:lstStyle/>
-                    <a:p>
-                      <a:endParaRPr lang="en-US" sz="1100"/>
-                    </a:p>
-                  </a:txBody>
-                  <a:tcPr/>
-                </a:tc>
-                <a:tc>
-                  <a:txBody>
-                    <a:bodyPr/>
-                    <a:lstStyle/>
-                    <a:p>
-                      <a:endParaRPr lang="en-US" sz="1100"/>
-                    </a:p>
-                  </a:txBody>
-                  <a:tcPr/>
-                </a:tc>
-                <a:tc>
-                  <a:txBody>
-                    <a:bodyPr/>
-                    <a:lstStyle/>
-                    <a:p>
-                      <a:endParaRPr lang="en-US" sz="1100"/>
-                    </a:p>
-                  </a:txBody>
-                  <a:tcPr/>
-                </a:tc>
-                <a:tc>
-                  <a:txBody>
-                    <a:bodyPr/>
-                    <a:lstStyle/>
-                    <a:p>
-                      <a:endParaRPr lang="en-US" sz="1100"/>
-                    </a:p>
-                  </a:txBody>
-                  <a:tcPr/>
-                </a:tc>
-                <a:tc>
-                  <a:txBody>
-                    <a:bodyPr/>
-                    <a:lstStyle/>
-                    <a:p>
-                      <a:endParaRPr lang="en-US" sz="1100"/>
-                    </a:p>
-                  </a:txBody>
-                  <a:tcPr/>
-                </a:tc>
-              </a:tr>
-              <a:tr h="218038">
-                <a:tc>
-                  <a:txBody>
-                    <a:bodyPr/>
-                    <a:lstStyle/>
-                    <a:p>
-                      <a:endParaRPr lang="en-US" sz="1100" dirty="0"/>
-                    </a:p>
-                  </a:txBody>
-                  <a:tcPr/>
-                </a:tc>
-                <a:tc>
-                  <a:txBody>
-                    <a:bodyPr/>
-                    <a:lstStyle/>
-                    <a:p>
-                      <a:endParaRPr lang="en-US" sz="1100"/>
-                    </a:p>
-                  </a:txBody>
-                  <a:tcPr/>
-                </a:tc>
-                <a:tc>
-                  <a:txBody>
-                    <a:bodyPr/>
-                    <a:lstStyle/>
-                    <a:p>
-                      <a:endParaRPr lang="en-US" sz="1100"/>
-                    </a:p>
-                  </a:txBody>
-                  <a:tcPr/>
-                </a:tc>
-                <a:tc>
-                  <a:txBody>
-                    <a:bodyPr/>
-                    <a:lstStyle/>
-                    <a:p>
-                      <a:endParaRPr lang="en-US" sz="1100"/>
-                    </a:p>
-                  </a:txBody>
-                  <a:tcPr/>
-                </a:tc>
-                <a:tc>
-                  <a:txBody>
-                    <a:bodyPr/>
-                    <a:lstStyle/>
-                    <a:p>
-                      <a:endParaRPr lang="en-US" sz="1100" dirty="0"/>
-                    </a:p>
-                  </a:txBody>
-                  <a:tcPr/>
-                </a:tc>
-                <a:tc>
-                  <a:txBody>
-                    <a:bodyPr/>
-                    <a:lstStyle/>
-                    <a:p>
-                      <a:endParaRPr lang="en-US" sz="1100" dirty="0"/>
-                    </a:p>
-                  </a:txBody>
-                  <a:tcPr/>
-                </a:tc>
-              </a:tr>
-            </a:tbl>
-          </a:graphicData>
-        </a:graphic>
-      </p:graphicFrame>
-      <p:sp>
-        <p:nvSpPr>
-          <p:cNvPr id="3" name="Title 1"/>
-          <p:cNvSpPr>
-            <a:spLocks noGrp="1"/>
-          </p:cNvSpPr>
-          <p:nvPr>
-            <p:ph type="title"/>
-          </p:nvPr>
-        </p:nvSpPr>
-        <p:spPr>
-          <a:xfrm>
-            <a:off x="0" y="846138"/>
-            <a:ext cx="2372622" cy="1143000"/>
-          </a:xfrm>
-        </p:spPr>
-        <p:txBody>
-          <a:bodyPr>
-            <a:normAutofit fontScale="90000"/>
-          </a:bodyPr>
-          <a:lstStyle/>
-          <a:p>
-            <a:r>
-              <a:rPr lang="en-US" dirty="0" smtClean="0"/>
-              <a:t>Primer pair test </a:t>
-            </a:r>
-            <a:r>
-              <a:rPr lang="en-US" dirty="0" err="1" smtClean="0"/>
-              <a:t>restults</a:t>
-            </a:r>
-            <a:endParaRPr lang="en-US" dirty="0"/>
-          </a:p>
-        </p:txBody>
-      </p:sp>
-    </p:spTree>
-    <p:extLst>
-      <p:ext uri="{BB962C8B-B14F-4D97-AF65-F5344CB8AC3E}">
-        <p14:creationId xmlns:p14="http://schemas.microsoft.com/office/powerpoint/2010/main" val="2443491362"/>
       </p:ext>
     </p:extLst>
   </p:cSld>
